--- a/基于加密搜索的可靠在线文件管理系统.pptx
+++ b/基于加密搜索的可靠在线文件管理系统.pptx
@@ -111,7 +111,7 @@
   </p:defaultTextStyle>
   <p:extLst>
     <p:ext uri="{EFAFB233-063F-42B5-8137-9DF3F51BA10A}">
-      <p15:sldGuideLst xmlns:p15="http://schemas.microsoft.com/office/powerpoint/2012/main"/>
+      <p15:sldGuideLst xmlns:p15="http://schemas.microsoft.com/office/powerpoint/2012/main" xmlns=""/>
     </p:ext>
   </p:extLst>
 </p:presentation>
@@ -139,7 +139,7 @@
           <p:cNvPr id="2" name="标题 1">
             <a:extLst>
               <a:ext uri="{FF2B5EF4-FFF2-40B4-BE49-F238E27FC236}">
-                <a16:creationId xmlns:a16="http://schemas.microsoft.com/office/drawing/2014/main" id="{CFDBEC1E-5120-4D17-BA78-924EAB5814DF}"/>
+                <a16:creationId xmlns:a16="http://schemas.microsoft.com/office/drawing/2014/main" xmlns="" id="{CFDBEC1E-5120-4D17-BA78-924EAB5814DF}"/>
               </a:ext>
             </a:extLst>
           </p:cNvPr>
@@ -176,7 +176,7 @@
           <p:cNvPr id="3" name="副标题 2">
             <a:extLst>
               <a:ext uri="{FF2B5EF4-FFF2-40B4-BE49-F238E27FC236}">
-                <a16:creationId xmlns:a16="http://schemas.microsoft.com/office/drawing/2014/main" id="{D8571E82-D3FD-49A7-AE02-FB99E086E64D}"/>
+                <a16:creationId xmlns:a16="http://schemas.microsoft.com/office/drawing/2014/main" xmlns="" id="{D8571E82-D3FD-49A7-AE02-FB99E086E64D}"/>
               </a:ext>
             </a:extLst>
           </p:cNvPr>
@@ -246,7 +246,7 @@
           <p:cNvPr id="4" name="日期占位符 3">
             <a:extLst>
               <a:ext uri="{FF2B5EF4-FFF2-40B4-BE49-F238E27FC236}">
-                <a16:creationId xmlns:a16="http://schemas.microsoft.com/office/drawing/2014/main" id="{8947A308-728D-4B9E-AD19-9C189C89D536}"/>
+                <a16:creationId xmlns:a16="http://schemas.microsoft.com/office/drawing/2014/main" xmlns="" id="{8947A308-728D-4B9E-AD19-9C189C89D536}"/>
               </a:ext>
             </a:extLst>
           </p:cNvPr>
@@ -264,7 +264,7 @@
           <a:p>
             <a:fld id="{75E805E7-08C9-40E1-A3E1-F7767EFA4B43}" type="datetimeFigureOut">
               <a:rPr lang="zh-CN" altLang="en-US" smtClean="0"/>
-              <a:t>2019/1/7</a:t>
+              <a:t>2019/1/8</a:t>
             </a:fld>
             <a:endParaRPr lang="zh-CN" altLang="en-US"/>
           </a:p>
@@ -275,7 +275,7 @@
           <p:cNvPr id="5" name="页脚占位符 4">
             <a:extLst>
               <a:ext uri="{FF2B5EF4-FFF2-40B4-BE49-F238E27FC236}">
-                <a16:creationId xmlns:a16="http://schemas.microsoft.com/office/drawing/2014/main" id="{E6EE8F5B-782C-402D-A679-A834D3D6C9A8}"/>
+                <a16:creationId xmlns:a16="http://schemas.microsoft.com/office/drawing/2014/main" xmlns="" id="{E6EE8F5B-782C-402D-A679-A834D3D6C9A8}"/>
               </a:ext>
             </a:extLst>
           </p:cNvPr>
@@ -300,7 +300,7 @@
           <p:cNvPr id="6" name="灯片编号占位符 5">
             <a:extLst>
               <a:ext uri="{FF2B5EF4-FFF2-40B4-BE49-F238E27FC236}">
-                <a16:creationId xmlns:a16="http://schemas.microsoft.com/office/drawing/2014/main" id="{060A72DC-5BD5-41FA-81D3-F3226290D385}"/>
+                <a16:creationId xmlns:a16="http://schemas.microsoft.com/office/drawing/2014/main" xmlns="" id="{060A72DC-5BD5-41FA-81D3-F3226290D385}"/>
               </a:ext>
             </a:extLst>
           </p:cNvPr>
@@ -359,7 +359,7 @@
           <p:cNvPr id="2" name="标题 1">
             <a:extLst>
               <a:ext uri="{FF2B5EF4-FFF2-40B4-BE49-F238E27FC236}">
-                <a16:creationId xmlns:a16="http://schemas.microsoft.com/office/drawing/2014/main" id="{C7617C15-D648-45E3-9DA1-80851024AAB1}"/>
+                <a16:creationId xmlns:a16="http://schemas.microsoft.com/office/drawing/2014/main" xmlns="" id="{C7617C15-D648-45E3-9DA1-80851024AAB1}"/>
               </a:ext>
             </a:extLst>
           </p:cNvPr>
@@ -387,7 +387,7 @@
           <p:cNvPr id="3" name="竖排文字占位符 2">
             <a:extLst>
               <a:ext uri="{FF2B5EF4-FFF2-40B4-BE49-F238E27FC236}">
-                <a16:creationId xmlns:a16="http://schemas.microsoft.com/office/drawing/2014/main" id="{501FAC70-DC8C-4652-9723-3BF09CA09937}"/>
+                <a16:creationId xmlns:a16="http://schemas.microsoft.com/office/drawing/2014/main" xmlns="" id="{501FAC70-DC8C-4652-9723-3BF09CA09937}"/>
               </a:ext>
             </a:extLst>
           </p:cNvPr>
@@ -444,7 +444,7 @@
           <p:cNvPr id="4" name="日期占位符 3">
             <a:extLst>
               <a:ext uri="{FF2B5EF4-FFF2-40B4-BE49-F238E27FC236}">
-                <a16:creationId xmlns:a16="http://schemas.microsoft.com/office/drawing/2014/main" id="{D3F2756C-EAFC-4D97-A2DB-DF6BCC200D01}"/>
+                <a16:creationId xmlns:a16="http://schemas.microsoft.com/office/drawing/2014/main" xmlns="" id="{D3F2756C-EAFC-4D97-A2DB-DF6BCC200D01}"/>
               </a:ext>
             </a:extLst>
           </p:cNvPr>
@@ -462,7 +462,7 @@
           <a:p>
             <a:fld id="{75E805E7-08C9-40E1-A3E1-F7767EFA4B43}" type="datetimeFigureOut">
               <a:rPr lang="zh-CN" altLang="en-US" smtClean="0"/>
-              <a:t>2019/1/7</a:t>
+              <a:t>2019/1/8</a:t>
             </a:fld>
             <a:endParaRPr lang="zh-CN" altLang="en-US"/>
           </a:p>
@@ -473,7 +473,7 @@
           <p:cNvPr id="5" name="页脚占位符 4">
             <a:extLst>
               <a:ext uri="{FF2B5EF4-FFF2-40B4-BE49-F238E27FC236}">
-                <a16:creationId xmlns:a16="http://schemas.microsoft.com/office/drawing/2014/main" id="{0DCA9483-CF80-4F29-86A7-A756D84AF6CC}"/>
+                <a16:creationId xmlns:a16="http://schemas.microsoft.com/office/drawing/2014/main" xmlns="" id="{0DCA9483-CF80-4F29-86A7-A756D84AF6CC}"/>
               </a:ext>
             </a:extLst>
           </p:cNvPr>
@@ -498,7 +498,7 @@
           <p:cNvPr id="6" name="灯片编号占位符 5">
             <a:extLst>
               <a:ext uri="{FF2B5EF4-FFF2-40B4-BE49-F238E27FC236}">
-                <a16:creationId xmlns:a16="http://schemas.microsoft.com/office/drawing/2014/main" id="{FFA251D7-6007-4CEC-A252-D603CB55E754}"/>
+                <a16:creationId xmlns:a16="http://schemas.microsoft.com/office/drawing/2014/main" xmlns="" id="{FFA251D7-6007-4CEC-A252-D603CB55E754}"/>
               </a:ext>
             </a:extLst>
           </p:cNvPr>
@@ -557,7 +557,7 @@
           <p:cNvPr id="2" name="竖排标题 1">
             <a:extLst>
               <a:ext uri="{FF2B5EF4-FFF2-40B4-BE49-F238E27FC236}">
-                <a16:creationId xmlns:a16="http://schemas.microsoft.com/office/drawing/2014/main" id="{AF6C29AA-7421-4F10-AD46-55DABD6B1BC0}"/>
+                <a16:creationId xmlns:a16="http://schemas.microsoft.com/office/drawing/2014/main" xmlns="" id="{AF6C29AA-7421-4F10-AD46-55DABD6B1BC0}"/>
               </a:ext>
             </a:extLst>
           </p:cNvPr>
@@ -590,7 +590,7 @@
           <p:cNvPr id="3" name="竖排文字占位符 2">
             <a:extLst>
               <a:ext uri="{FF2B5EF4-FFF2-40B4-BE49-F238E27FC236}">
-                <a16:creationId xmlns:a16="http://schemas.microsoft.com/office/drawing/2014/main" id="{DC50F623-DBD3-482C-95AC-6105DC3AB7F4}"/>
+                <a16:creationId xmlns:a16="http://schemas.microsoft.com/office/drawing/2014/main" xmlns="" id="{DC50F623-DBD3-482C-95AC-6105DC3AB7F4}"/>
               </a:ext>
             </a:extLst>
           </p:cNvPr>
@@ -652,7 +652,7 @@
           <p:cNvPr id="4" name="日期占位符 3">
             <a:extLst>
               <a:ext uri="{FF2B5EF4-FFF2-40B4-BE49-F238E27FC236}">
-                <a16:creationId xmlns:a16="http://schemas.microsoft.com/office/drawing/2014/main" id="{E9E90DE0-E74D-47EB-933C-F5B31489092D}"/>
+                <a16:creationId xmlns:a16="http://schemas.microsoft.com/office/drawing/2014/main" xmlns="" id="{E9E90DE0-E74D-47EB-933C-F5B31489092D}"/>
               </a:ext>
             </a:extLst>
           </p:cNvPr>
@@ -670,7 +670,7 @@
           <a:p>
             <a:fld id="{75E805E7-08C9-40E1-A3E1-F7767EFA4B43}" type="datetimeFigureOut">
               <a:rPr lang="zh-CN" altLang="en-US" smtClean="0"/>
-              <a:t>2019/1/7</a:t>
+              <a:t>2019/1/8</a:t>
             </a:fld>
             <a:endParaRPr lang="zh-CN" altLang="en-US"/>
           </a:p>
@@ -681,7 +681,7 @@
           <p:cNvPr id="5" name="页脚占位符 4">
             <a:extLst>
               <a:ext uri="{FF2B5EF4-FFF2-40B4-BE49-F238E27FC236}">
-                <a16:creationId xmlns:a16="http://schemas.microsoft.com/office/drawing/2014/main" id="{89319263-96B3-4A83-BFA4-DEFF863AF6FF}"/>
+                <a16:creationId xmlns:a16="http://schemas.microsoft.com/office/drawing/2014/main" xmlns="" id="{89319263-96B3-4A83-BFA4-DEFF863AF6FF}"/>
               </a:ext>
             </a:extLst>
           </p:cNvPr>
@@ -706,7 +706,7 @@
           <p:cNvPr id="6" name="灯片编号占位符 5">
             <a:extLst>
               <a:ext uri="{FF2B5EF4-FFF2-40B4-BE49-F238E27FC236}">
-                <a16:creationId xmlns:a16="http://schemas.microsoft.com/office/drawing/2014/main" id="{2CC7AC68-844C-48CB-B561-0565CF2A7E0F}"/>
+                <a16:creationId xmlns:a16="http://schemas.microsoft.com/office/drawing/2014/main" xmlns="" id="{2CC7AC68-844C-48CB-B561-0565CF2A7E0F}"/>
               </a:ext>
             </a:extLst>
           </p:cNvPr>
@@ -765,7 +765,7 @@
           <p:cNvPr id="2" name="标题 1">
             <a:extLst>
               <a:ext uri="{FF2B5EF4-FFF2-40B4-BE49-F238E27FC236}">
-                <a16:creationId xmlns:a16="http://schemas.microsoft.com/office/drawing/2014/main" id="{BDED66CB-D6D8-4D78-A72A-D9C2521418EA}"/>
+                <a16:creationId xmlns:a16="http://schemas.microsoft.com/office/drawing/2014/main" xmlns="" id="{BDED66CB-D6D8-4D78-A72A-D9C2521418EA}"/>
               </a:ext>
             </a:extLst>
           </p:cNvPr>
@@ -793,7 +793,7 @@
           <p:cNvPr id="3" name="内容占位符 2">
             <a:extLst>
               <a:ext uri="{FF2B5EF4-FFF2-40B4-BE49-F238E27FC236}">
-                <a16:creationId xmlns:a16="http://schemas.microsoft.com/office/drawing/2014/main" id="{8718AE8D-6BBF-45B9-B0D7-77174CBFBC53}"/>
+                <a16:creationId xmlns:a16="http://schemas.microsoft.com/office/drawing/2014/main" xmlns="" id="{8718AE8D-6BBF-45B9-B0D7-77174CBFBC53}"/>
               </a:ext>
             </a:extLst>
           </p:cNvPr>
@@ -850,7 +850,7 @@
           <p:cNvPr id="4" name="日期占位符 3">
             <a:extLst>
               <a:ext uri="{FF2B5EF4-FFF2-40B4-BE49-F238E27FC236}">
-                <a16:creationId xmlns:a16="http://schemas.microsoft.com/office/drawing/2014/main" id="{C3C7BABD-957A-42B7-900F-24D6EEA21322}"/>
+                <a16:creationId xmlns:a16="http://schemas.microsoft.com/office/drawing/2014/main" xmlns="" id="{C3C7BABD-957A-42B7-900F-24D6EEA21322}"/>
               </a:ext>
             </a:extLst>
           </p:cNvPr>
@@ -868,7 +868,7 @@
           <a:p>
             <a:fld id="{75E805E7-08C9-40E1-A3E1-F7767EFA4B43}" type="datetimeFigureOut">
               <a:rPr lang="zh-CN" altLang="en-US" smtClean="0"/>
-              <a:t>2019/1/7</a:t>
+              <a:t>2019/1/8</a:t>
             </a:fld>
             <a:endParaRPr lang="zh-CN" altLang="en-US"/>
           </a:p>
@@ -879,7 +879,7 @@
           <p:cNvPr id="5" name="页脚占位符 4">
             <a:extLst>
               <a:ext uri="{FF2B5EF4-FFF2-40B4-BE49-F238E27FC236}">
-                <a16:creationId xmlns:a16="http://schemas.microsoft.com/office/drawing/2014/main" id="{2464973B-6557-480C-B8BF-A7F3D1766145}"/>
+                <a16:creationId xmlns:a16="http://schemas.microsoft.com/office/drawing/2014/main" xmlns="" id="{2464973B-6557-480C-B8BF-A7F3D1766145}"/>
               </a:ext>
             </a:extLst>
           </p:cNvPr>
@@ -904,7 +904,7 @@
           <p:cNvPr id="6" name="灯片编号占位符 5">
             <a:extLst>
               <a:ext uri="{FF2B5EF4-FFF2-40B4-BE49-F238E27FC236}">
-                <a16:creationId xmlns:a16="http://schemas.microsoft.com/office/drawing/2014/main" id="{ED7932EE-E3AB-4AAF-8A81-EBB5376E252D}"/>
+                <a16:creationId xmlns:a16="http://schemas.microsoft.com/office/drawing/2014/main" xmlns="" id="{ED7932EE-E3AB-4AAF-8A81-EBB5376E252D}"/>
               </a:ext>
             </a:extLst>
           </p:cNvPr>
@@ -963,7 +963,7 @@
           <p:cNvPr id="2" name="标题 1">
             <a:extLst>
               <a:ext uri="{FF2B5EF4-FFF2-40B4-BE49-F238E27FC236}">
-                <a16:creationId xmlns:a16="http://schemas.microsoft.com/office/drawing/2014/main" id="{637BA29A-CDFC-4911-ACAE-F621B2B63605}"/>
+                <a16:creationId xmlns:a16="http://schemas.microsoft.com/office/drawing/2014/main" xmlns="" id="{637BA29A-CDFC-4911-ACAE-F621B2B63605}"/>
               </a:ext>
             </a:extLst>
           </p:cNvPr>
@@ -1000,7 +1000,7 @@
           <p:cNvPr id="3" name="文本占位符 2">
             <a:extLst>
               <a:ext uri="{FF2B5EF4-FFF2-40B4-BE49-F238E27FC236}">
-                <a16:creationId xmlns:a16="http://schemas.microsoft.com/office/drawing/2014/main" id="{1483E88C-8F6A-4D2C-A57F-BB9965B3319D}"/>
+                <a16:creationId xmlns:a16="http://schemas.microsoft.com/office/drawing/2014/main" xmlns="" id="{1483E88C-8F6A-4D2C-A57F-BB9965B3319D}"/>
               </a:ext>
             </a:extLst>
           </p:cNvPr>
@@ -1125,7 +1125,7 @@
           <p:cNvPr id="4" name="日期占位符 3">
             <a:extLst>
               <a:ext uri="{FF2B5EF4-FFF2-40B4-BE49-F238E27FC236}">
-                <a16:creationId xmlns:a16="http://schemas.microsoft.com/office/drawing/2014/main" id="{695E6DA0-F124-4E24-B715-AF53FC6127FD}"/>
+                <a16:creationId xmlns:a16="http://schemas.microsoft.com/office/drawing/2014/main" xmlns="" id="{695E6DA0-F124-4E24-B715-AF53FC6127FD}"/>
               </a:ext>
             </a:extLst>
           </p:cNvPr>
@@ -1143,7 +1143,7 @@
           <a:p>
             <a:fld id="{75E805E7-08C9-40E1-A3E1-F7767EFA4B43}" type="datetimeFigureOut">
               <a:rPr lang="zh-CN" altLang="en-US" smtClean="0"/>
-              <a:t>2019/1/7</a:t>
+              <a:t>2019/1/8</a:t>
             </a:fld>
             <a:endParaRPr lang="zh-CN" altLang="en-US"/>
           </a:p>
@@ -1154,7 +1154,7 @@
           <p:cNvPr id="5" name="页脚占位符 4">
             <a:extLst>
               <a:ext uri="{FF2B5EF4-FFF2-40B4-BE49-F238E27FC236}">
-                <a16:creationId xmlns:a16="http://schemas.microsoft.com/office/drawing/2014/main" id="{D05322E8-CED6-4A5D-B672-0C78948566A5}"/>
+                <a16:creationId xmlns:a16="http://schemas.microsoft.com/office/drawing/2014/main" xmlns="" id="{D05322E8-CED6-4A5D-B672-0C78948566A5}"/>
               </a:ext>
             </a:extLst>
           </p:cNvPr>
@@ -1179,7 +1179,7 @@
           <p:cNvPr id="6" name="灯片编号占位符 5">
             <a:extLst>
               <a:ext uri="{FF2B5EF4-FFF2-40B4-BE49-F238E27FC236}">
-                <a16:creationId xmlns:a16="http://schemas.microsoft.com/office/drawing/2014/main" id="{4E44C7A4-430C-48CE-B00B-541BF8EBE4B4}"/>
+                <a16:creationId xmlns:a16="http://schemas.microsoft.com/office/drawing/2014/main" xmlns="" id="{4E44C7A4-430C-48CE-B00B-541BF8EBE4B4}"/>
               </a:ext>
             </a:extLst>
           </p:cNvPr>
@@ -1238,7 +1238,7 @@
           <p:cNvPr id="2" name="标题 1">
             <a:extLst>
               <a:ext uri="{FF2B5EF4-FFF2-40B4-BE49-F238E27FC236}">
-                <a16:creationId xmlns:a16="http://schemas.microsoft.com/office/drawing/2014/main" id="{0E00BD96-3C0F-4474-8204-A408DDC36DE8}"/>
+                <a16:creationId xmlns:a16="http://schemas.microsoft.com/office/drawing/2014/main" xmlns="" id="{0E00BD96-3C0F-4474-8204-A408DDC36DE8}"/>
               </a:ext>
             </a:extLst>
           </p:cNvPr>
@@ -1266,7 +1266,7 @@
           <p:cNvPr id="3" name="内容占位符 2">
             <a:extLst>
               <a:ext uri="{FF2B5EF4-FFF2-40B4-BE49-F238E27FC236}">
-                <a16:creationId xmlns:a16="http://schemas.microsoft.com/office/drawing/2014/main" id="{4FF3F043-C43D-4F81-80EC-7210DE26DEA6}"/>
+                <a16:creationId xmlns:a16="http://schemas.microsoft.com/office/drawing/2014/main" xmlns="" id="{4FF3F043-C43D-4F81-80EC-7210DE26DEA6}"/>
               </a:ext>
             </a:extLst>
           </p:cNvPr>
@@ -1328,7 +1328,7 @@
           <p:cNvPr id="4" name="内容占位符 3">
             <a:extLst>
               <a:ext uri="{FF2B5EF4-FFF2-40B4-BE49-F238E27FC236}">
-                <a16:creationId xmlns:a16="http://schemas.microsoft.com/office/drawing/2014/main" id="{91C97BAD-5F06-4C7B-9D08-F7A2B27C67D5}"/>
+                <a16:creationId xmlns:a16="http://schemas.microsoft.com/office/drawing/2014/main" xmlns="" id="{91C97BAD-5F06-4C7B-9D08-F7A2B27C67D5}"/>
               </a:ext>
             </a:extLst>
           </p:cNvPr>
@@ -1390,7 +1390,7 @@
           <p:cNvPr id="5" name="日期占位符 4">
             <a:extLst>
               <a:ext uri="{FF2B5EF4-FFF2-40B4-BE49-F238E27FC236}">
-                <a16:creationId xmlns:a16="http://schemas.microsoft.com/office/drawing/2014/main" id="{5C67AEE3-1AF2-4D6B-B1E3-B558625E2F87}"/>
+                <a16:creationId xmlns:a16="http://schemas.microsoft.com/office/drawing/2014/main" xmlns="" id="{5C67AEE3-1AF2-4D6B-B1E3-B558625E2F87}"/>
               </a:ext>
             </a:extLst>
           </p:cNvPr>
@@ -1408,7 +1408,7 @@
           <a:p>
             <a:fld id="{75E805E7-08C9-40E1-A3E1-F7767EFA4B43}" type="datetimeFigureOut">
               <a:rPr lang="zh-CN" altLang="en-US" smtClean="0"/>
-              <a:t>2019/1/7</a:t>
+              <a:t>2019/1/8</a:t>
             </a:fld>
             <a:endParaRPr lang="zh-CN" altLang="en-US"/>
           </a:p>
@@ -1419,7 +1419,7 @@
           <p:cNvPr id="6" name="页脚占位符 5">
             <a:extLst>
               <a:ext uri="{FF2B5EF4-FFF2-40B4-BE49-F238E27FC236}">
-                <a16:creationId xmlns:a16="http://schemas.microsoft.com/office/drawing/2014/main" id="{C88CB547-BC2D-4D25-8D6D-CD453276F0C2}"/>
+                <a16:creationId xmlns:a16="http://schemas.microsoft.com/office/drawing/2014/main" xmlns="" id="{C88CB547-BC2D-4D25-8D6D-CD453276F0C2}"/>
               </a:ext>
             </a:extLst>
           </p:cNvPr>
@@ -1444,7 +1444,7 @@
           <p:cNvPr id="7" name="灯片编号占位符 6">
             <a:extLst>
               <a:ext uri="{FF2B5EF4-FFF2-40B4-BE49-F238E27FC236}">
-                <a16:creationId xmlns:a16="http://schemas.microsoft.com/office/drawing/2014/main" id="{88D5228F-E646-4228-86E3-1335522B66E7}"/>
+                <a16:creationId xmlns:a16="http://schemas.microsoft.com/office/drawing/2014/main" xmlns="" id="{88D5228F-E646-4228-86E3-1335522B66E7}"/>
               </a:ext>
             </a:extLst>
           </p:cNvPr>
@@ -1503,7 +1503,7 @@
           <p:cNvPr id="2" name="标题 1">
             <a:extLst>
               <a:ext uri="{FF2B5EF4-FFF2-40B4-BE49-F238E27FC236}">
-                <a16:creationId xmlns:a16="http://schemas.microsoft.com/office/drawing/2014/main" id="{150E466F-5DD1-4031-96C8-EC80062E58A2}"/>
+                <a16:creationId xmlns:a16="http://schemas.microsoft.com/office/drawing/2014/main" xmlns="" id="{150E466F-5DD1-4031-96C8-EC80062E58A2}"/>
               </a:ext>
             </a:extLst>
           </p:cNvPr>
@@ -1536,7 +1536,7 @@
           <p:cNvPr id="3" name="文本占位符 2">
             <a:extLst>
               <a:ext uri="{FF2B5EF4-FFF2-40B4-BE49-F238E27FC236}">
-                <a16:creationId xmlns:a16="http://schemas.microsoft.com/office/drawing/2014/main" id="{F13C06CF-D68F-40DB-852E-4B2FC0375C95}"/>
+                <a16:creationId xmlns:a16="http://schemas.microsoft.com/office/drawing/2014/main" xmlns="" id="{F13C06CF-D68F-40DB-852E-4B2FC0375C95}"/>
               </a:ext>
             </a:extLst>
           </p:cNvPr>
@@ -1607,7 +1607,7 @@
           <p:cNvPr id="4" name="内容占位符 3">
             <a:extLst>
               <a:ext uri="{FF2B5EF4-FFF2-40B4-BE49-F238E27FC236}">
-                <a16:creationId xmlns:a16="http://schemas.microsoft.com/office/drawing/2014/main" id="{DD29A979-51CB-4C81-858E-AE6B64C30326}"/>
+                <a16:creationId xmlns:a16="http://schemas.microsoft.com/office/drawing/2014/main" xmlns="" id="{DD29A979-51CB-4C81-858E-AE6B64C30326}"/>
               </a:ext>
             </a:extLst>
           </p:cNvPr>
@@ -1669,7 +1669,7 @@
           <p:cNvPr id="5" name="文本占位符 4">
             <a:extLst>
               <a:ext uri="{FF2B5EF4-FFF2-40B4-BE49-F238E27FC236}">
-                <a16:creationId xmlns:a16="http://schemas.microsoft.com/office/drawing/2014/main" id="{62534E95-FA44-4794-93C5-B9643B4D84D6}"/>
+                <a16:creationId xmlns:a16="http://schemas.microsoft.com/office/drawing/2014/main" xmlns="" id="{62534E95-FA44-4794-93C5-B9643B4D84D6}"/>
               </a:ext>
             </a:extLst>
           </p:cNvPr>
@@ -1740,7 +1740,7 @@
           <p:cNvPr id="6" name="内容占位符 5">
             <a:extLst>
               <a:ext uri="{FF2B5EF4-FFF2-40B4-BE49-F238E27FC236}">
-                <a16:creationId xmlns:a16="http://schemas.microsoft.com/office/drawing/2014/main" id="{7B7E2DA2-3BB9-4134-81C9-336398556C11}"/>
+                <a16:creationId xmlns:a16="http://schemas.microsoft.com/office/drawing/2014/main" xmlns="" id="{7B7E2DA2-3BB9-4134-81C9-336398556C11}"/>
               </a:ext>
             </a:extLst>
           </p:cNvPr>
@@ -1802,7 +1802,7 @@
           <p:cNvPr id="7" name="日期占位符 6">
             <a:extLst>
               <a:ext uri="{FF2B5EF4-FFF2-40B4-BE49-F238E27FC236}">
-                <a16:creationId xmlns:a16="http://schemas.microsoft.com/office/drawing/2014/main" id="{C525979D-1E5C-4DEB-8423-46C7FFB30A5C}"/>
+                <a16:creationId xmlns:a16="http://schemas.microsoft.com/office/drawing/2014/main" xmlns="" id="{C525979D-1E5C-4DEB-8423-46C7FFB30A5C}"/>
               </a:ext>
             </a:extLst>
           </p:cNvPr>
@@ -1820,7 +1820,7 @@
           <a:p>
             <a:fld id="{75E805E7-08C9-40E1-A3E1-F7767EFA4B43}" type="datetimeFigureOut">
               <a:rPr lang="zh-CN" altLang="en-US" smtClean="0"/>
-              <a:t>2019/1/7</a:t>
+              <a:t>2019/1/8</a:t>
             </a:fld>
             <a:endParaRPr lang="zh-CN" altLang="en-US"/>
           </a:p>
@@ -1831,7 +1831,7 @@
           <p:cNvPr id="8" name="页脚占位符 7">
             <a:extLst>
               <a:ext uri="{FF2B5EF4-FFF2-40B4-BE49-F238E27FC236}">
-                <a16:creationId xmlns:a16="http://schemas.microsoft.com/office/drawing/2014/main" id="{200F9938-8011-44B1-A112-3C1B64D01909}"/>
+                <a16:creationId xmlns:a16="http://schemas.microsoft.com/office/drawing/2014/main" xmlns="" id="{200F9938-8011-44B1-A112-3C1B64D01909}"/>
               </a:ext>
             </a:extLst>
           </p:cNvPr>
@@ -1856,7 +1856,7 @@
           <p:cNvPr id="9" name="灯片编号占位符 8">
             <a:extLst>
               <a:ext uri="{FF2B5EF4-FFF2-40B4-BE49-F238E27FC236}">
-                <a16:creationId xmlns:a16="http://schemas.microsoft.com/office/drawing/2014/main" id="{4A822F2E-1845-4A20-82F4-5E35FC89C115}"/>
+                <a16:creationId xmlns:a16="http://schemas.microsoft.com/office/drawing/2014/main" xmlns="" id="{4A822F2E-1845-4A20-82F4-5E35FC89C115}"/>
               </a:ext>
             </a:extLst>
           </p:cNvPr>
@@ -1915,7 +1915,7 @@
           <p:cNvPr id="2" name="标题 1">
             <a:extLst>
               <a:ext uri="{FF2B5EF4-FFF2-40B4-BE49-F238E27FC236}">
-                <a16:creationId xmlns:a16="http://schemas.microsoft.com/office/drawing/2014/main" id="{BDE8D87F-0E49-429F-AC3C-3C5AF1D5068E}"/>
+                <a16:creationId xmlns:a16="http://schemas.microsoft.com/office/drawing/2014/main" xmlns="" id="{BDE8D87F-0E49-429F-AC3C-3C5AF1D5068E}"/>
               </a:ext>
             </a:extLst>
           </p:cNvPr>
@@ -1943,7 +1943,7 @@
           <p:cNvPr id="3" name="日期占位符 2">
             <a:extLst>
               <a:ext uri="{FF2B5EF4-FFF2-40B4-BE49-F238E27FC236}">
-                <a16:creationId xmlns:a16="http://schemas.microsoft.com/office/drawing/2014/main" id="{CB3BCA71-A0D6-49B8-9432-108E4271E51D}"/>
+                <a16:creationId xmlns:a16="http://schemas.microsoft.com/office/drawing/2014/main" xmlns="" id="{CB3BCA71-A0D6-49B8-9432-108E4271E51D}"/>
               </a:ext>
             </a:extLst>
           </p:cNvPr>
@@ -1961,7 +1961,7 @@
           <a:p>
             <a:fld id="{75E805E7-08C9-40E1-A3E1-F7767EFA4B43}" type="datetimeFigureOut">
               <a:rPr lang="zh-CN" altLang="en-US" smtClean="0"/>
-              <a:t>2019/1/7</a:t>
+              <a:t>2019/1/8</a:t>
             </a:fld>
             <a:endParaRPr lang="zh-CN" altLang="en-US"/>
           </a:p>
@@ -1972,7 +1972,7 @@
           <p:cNvPr id="4" name="页脚占位符 3">
             <a:extLst>
               <a:ext uri="{FF2B5EF4-FFF2-40B4-BE49-F238E27FC236}">
-                <a16:creationId xmlns:a16="http://schemas.microsoft.com/office/drawing/2014/main" id="{6455F210-738E-4D3B-8E93-E50DE7DAC21F}"/>
+                <a16:creationId xmlns:a16="http://schemas.microsoft.com/office/drawing/2014/main" xmlns="" id="{6455F210-738E-4D3B-8E93-E50DE7DAC21F}"/>
               </a:ext>
             </a:extLst>
           </p:cNvPr>
@@ -1997,7 +1997,7 @@
           <p:cNvPr id="5" name="灯片编号占位符 4">
             <a:extLst>
               <a:ext uri="{FF2B5EF4-FFF2-40B4-BE49-F238E27FC236}">
-                <a16:creationId xmlns:a16="http://schemas.microsoft.com/office/drawing/2014/main" id="{D3A831FA-5F84-4ACB-81F0-AC08853F69DB}"/>
+                <a16:creationId xmlns:a16="http://schemas.microsoft.com/office/drawing/2014/main" xmlns="" id="{D3A831FA-5F84-4ACB-81F0-AC08853F69DB}"/>
               </a:ext>
             </a:extLst>
           </p:cNvPr>
@@ -2056,7 +2056,7 @@
           <p:cNvPr id="2" name="日期占位符 1">
             <a:extLst>
               <a:ext uri="{FF2B5EF4-FFF2-40B4-BE49-F238E27FC236}">
-                <a16:creationId xmlns:a16="http://schemas.microsoft.com/office/drawing/2014/main" id="{85F2274F-0AEE-49AE-9B8F-4D65AC42DF29}"/>
+                <a16:creationId xmlns:a16="http://schemas.microsoft.com/office/drawing/2014/main" xmlns="" id="{85F2274F-0AEE-49AE-9B8F-4D65AC42DF29}"/>
               </a:ext>
             </a:extLst>
           </p:cNvPr>
@@ -2074,7 +2074,7 @@
           <a:p>
             <a:fld id="{75E805E7-08C9-40E1-A3E1-F7767EFA4B43}" type="datetimeFigureOut">
               <a:rPr lang="zh-CN" altLang="en-US" smtClean="0"/>
-              <a:t>2019/1/7</a:t>
+              <a:t>2019/1/8</a:t>
             </a:fld>
             <a:endParaRPr lang="zh-CN" altLang="en-US"/>
           </a:p>
@@ -2085,7 +2085,7 @@
           <p:cNvPr id="3" name="页脚占位符 2">
             <a:extLst>
               <a:ext uri="{FF2B5EF4-FFF2-40B4-BE49-F238E27FC236}">
-                <a16:creationId xmlns:a16="http://schemas.microsoft.com/office/drawing/2014/main" id="{342EF080-CC43-4CDB-B528-5D779562CA9A}"/>
+                <a16:creationId xmlns:a16="http://schemas.microsoft.com/office/drawing/2014/main" xmlns="" id="{342EF080-CC43-4CDB-B528-5D779562CA9A}"/>
               </a:ext>
             </a:extLst>
           </p:cNvPr>
@@ -2110,7 +2110,7 @@
           <p:cNvPr id="4" name="灯片编号占位符 3">
             <a:extLst>
               <a:ext uri="{FF2B5EF4-FFF2-40B4-BE49-F238E27FC236}">
-                <a16:creationId xmlns:a16="http://schemas.microsoft.com/office/drawing/2014/main" id="{DB748072-4CF5-413B-89FD-1E074A4F632C}"/>
+                <a16:creationId xmlns:a16="http://schemas.microsoft.com/office/drawing/2014/main" xmlns="" id="{DB748072-4CF5-413B-89FD-1E074A4F632C}"/>
               </a:ext>
             </a:extLst>
           </p:cNvPr>
@@ -2169,7 +2169,7 @@
           <p:cNvPr id="2" name="标题 1">
             <a:extLst>
               <a:ext uri="{FF2B5EF4-FFF2-40B4-BE49-F238E27FC236}">
-                <a16:creationId xmlns:a16="http://schemas.microsoft.com/office/drawing/2014/main" id="{255843E6-CFA6-4EE1-A4AB-56EFAB873C71}"/>
+                <a16:creationId xmlns:a16="http://schemas.microsoft.com/office/drawing/2014/main" xmlns="" id="{255843E6-CFA6-4EE1-A4AB-56EFAB873C71}"/>
               </a:ext>
             </a:extLst>
           </p:cNvPr>
@@ -2206,7 +2206,7 @@
           <p:cNvPr id="3" name="内容占位符 2">
             <a:extLst>
               <a:ext uri="{FF2B5EF4-FFF2-40B4-BE49-F238E27FC236}">
-                <a16:creationId xmlns:a16="http://schemas.microsoft.com/office/drawing/2014/main" id="{0D1E8D95-E11F-47A3-A8A4-DE14FCAE08F6}"/>
+                <a16:creationId xmlns:a16="http://schemas.microsoft.com/office/drawing/2014/main" xmlns="" id="{0D1E8D95-E11F-47A3-A8A4-DE14FCAE08F6}"/>
               </a:ext>
             </a:extLst>
           </p:cNvPr>
@@ -2296,7 +2296,7 @@
           <p:cNvPr id="4" name="文本占位符 3">
             <a:extLst>
               <a:ext uri="{FF2B5EF4-FFF2-40B4-BE49-F238E27FC236}">
-                <a16:creationId xmlns:a16="http://schemas.microsoft.com/office/drawing/2014/main" id="{C3B537E8-DAA5-4F62-B533-3104A04B7A1B}"/>
+                <a16:creationId xmlns:a16="http://schemas.microsoft.com/office/drawing/2014/main" xmlns="" id="{C3B537E8-DAA5-4F62-B533-3104A04B7A1B}"/>
               </a:ext>
             </a:extLst>
           </p:cNvPr>
@@ -2367,7 +2367,7 @@
           <p:cNvPr id="5" name="日期占位符 4">
             <a:extLst>
               <a:ext uri="{FF2B5EF4-FFF2-40B4-BE49-F238E27FC236}">
-                <a16:creationId xmlns:a16="http://schemas.microsoft.com/office/drawing/2014/main" id="{366B5DC6-23B0-4D2F-8417-8B58E1512EFD}"/>
+                <a16:creationId xmlns:a16="http://schemas.microsoft.com/office/drawing/2014/main" xmlns="" id="{366B5DC6-23B0-4D2F-8417-8B58E1512EFD}"/>
               </a:ext>
             </a:extLst>
           </p:cNvPr>
@@ -2385,7 +2385,7 @@
           <a:p>
             <a:fld id="{75E805E7-08C9-40E1-A3E1-F7767EFA4B43}" type="datetimeFigureOut">
               <a:rPr lang="zh-CN" altLang="en-US" smtClean="0"/>
-              <a:t>2019/1/7</a:t>
+              <a:t>2019/1/8</a:t>
             </a:fld>
             <a:endParaRPr lang="zh-CN" altLang="en-US"/>
           </a:p>
@@ -2396,7 +2396,7 @@
           <p:cNvPr id="6" name="页脚占位符 5">
             <a:extLst>
               <a:ext uri="{FF2B5EF4-FFF2-40B4-BE49-F238E27FC236}">
-                <a16:creationId xmlns:a16="http://schemas.microsoft.com/office/drawing/2014/main" id="{CD6C2D68-8671-404A-BF41-D6C755B976E5}"/>
+                <a16:creationId xmlns:a16="http://schemas.microsoft.com/office/drawing/2014/main" xmlns="" id="{CD6C2D68-8671-404A-BF41-D6C755B976E5}"/>
               </a:ext>
             </a:extLst>
           </p:cNvPr>
@@ -2421,7 +2421,7 @@
           <p:cNvPr id="7" name="灯片编号占位符 6">
             <a:extLst>
               <a:ext uri="{FF2B5EF4-FFF2-40B4-BE49-F238E27FC236}">
-                <a16:creationId xmlns:a16="http://schemas.microsoft.com/office/drawing/2014/main" id="{8142BC3D-6D42-46F8-8988-1A3F99940F8C}"/>
+                <a16:creationId xmlns:a16="http://schemas.microsoft.com/office/drawing/2014/main" xmlns="" id="{8142BC3D-6D42-46F8-8988-1A3F99940F8C}"/>
               </a:ext>
             </a:extLst>
           </p:cNvPr>
@@ -2480,7 +2480,7 @@
           <p:cNvPr id="2" name="标题 1">
             <a:extLst>
               <a:ext uri="{FF2B5EF4-FFF2-40B4-BE49-F238E27FC236}">
-                <a16:creationId xmlns:a16="http://schemas.microsoft.com/office/drawing/2014/main" id="{08D23EEE-A04D-4475-B03B-4B4375242003}"/>
+                <a16:creationId xmlns:a16="http://schemas.microsoft.com/office/drawing/2014/main" xmlns="" id="{08D23EEE-A04D-4475-B03B-4B4375242003}"/>
               </a:ext>
             </a:extLst>
           </p:cNvPr>
@@ -2517,7 +2517,7 @@
           <p:cNvPr id="3" name="图片占位符 2">
             <a:extLst>
               <a:ext uri="{FF2B5EF4-FFF2-40B4-BE49-F238E27FC236}">
-                <a16:creationId xmlns:a16="http://schemas.microsoft.com/office/drawing/2014/main" id="{8DD4E027-B1D0-4D9B-A3B5-BDC53A2EB46A}"/>
+                <a16:creationId xmlns:a16="http://schemas.microsoft.com/office/drawing/2014/main" xmlns="" id="{8DD4E027-B1D0-4D9B-A3B5-BDC53A2EB46A}"/>
               </a:ext>
             </a:extLst>
           </p:cNvPr>
@@ -2584,7 +2584,7 @@
           <p:cNvPr id="4" name="文本占位符 3">
             <a:extLst>
               <a:ext uri="{FF2B5EF4-FFF2-40B4-BE49-F238E27FC236}">
-                <a16:creationId xmlns:a16="http://schemas.microsoft.com/office/drawing/2014/main" id="{29A1BA51-1E2C-4D2E-97F6-C4DAC437C780}"/>
+                <a16:creationId xmlns:a16="http://schemas.microsoft.com/office/drawing/2014/main" xmlns="" id="{29A1BA51-1E2C-4D2E-97F6-C4DAC437C780}"/>
               </a:ext>
             </a:extLst>
           </p:cNvPr>
@@ -2655,7 +2655,7 @@
           <p:cNvPr id="5" name="日期占位符 4">
             <a:extLst>
               <a:ext uri="{FF2B5EF4-FFF2-40B4-BE49-F238E27FC236}">
-                <a16:creationId xmlns:a16="http://schemas.microsoft.com/office/drawing/2014/main" id="{C8F6E0ED-9A88-4A38-8171-CF163859304D}"/>
+                <a16:creationId xmlns:a16="http://schemas.microsoft.com/office/drawing/2014/main" xmlns="" id="{C8F6E0ED-9A88-4A38-8171-CF163859304D}"/>
               </a:ext>
             </a:extLst>
           </p:cNvPr>
@@ -2673,7 +2673,7 @@
           <a:p>
             <a:fld id="{75E805E7-08C9-40E1-A3E1-F7767EFA4B43}" type="datetimeFigureOut">
               <a:rPr lang="zh-CN" altLang="en-US" smtClean="0"/>
-              <a:t>2019/1/7</a:t>
+              <a:t>2019/1/8</a:t>
             </a:fld>
             <a:endParaRPr lang="zh-CN" altLang="en-US"/>
           </a:p>
@@ -2684,7 +2684,7 @@
           <p:cNvPr id="6" name="页脚占位符 5">
             <a:extLst>
               <a:ext uri="{FF2B5EF4-FFF2-40B4-BE49-F238E27FC236}">
-                <a16:creationId xmlns:a16="http://schemas.microsoft.com/office/drawing/2014/main" id="{41409E58-B8D4-4C9F-9B92-C7F47FF89037}"/>
+                <a16:creationId xmlns:a16="http://schemas.microsoft.com/office/drawing/2014/main" xmlns="" id="{41409E58-B8D4-4C9F-9B92-C7F47FF89037}"/>
               </a:ext>
             </a:extLst>
           </p:cNvPr>
@@ -2709,7 +2709,7 @@
           <p:cNvPr id="7" name="灯片编号占位符 6">
             <a:extLst>
               <a:ext uri="{FF2B5EF4-FFF2-40B4-BE49-F238E27FC236}">
-                <a16:creationId xmlns:a16="http://schemas.microsoft.com/office/drawing/2014/main" id="{F08926A0-CD08-44A0-8016-C0546C701CF2}"/>
+                <a16:creationId xmlns:a16="http://schemas.microsoft.com/office/drawing/2014/main" xmlns="" id="{F08926A0-CD08-44A0-8016-C0546C701CF2}"/>
               </a:ext>
             </a:extLst>
           </p:cNvPr>
@@ -2773,7 +2773,7 @@
           <p:cNvPr id="2" name="标题占位符 1">
             <a:extLst>
               <a:ext uri="{FF2B5EF4-FFF2-40B4-BE49-F238E27FC236}">
-                <a16:creationId xmlns:a16="http://schemas.microsoft.com/office/drawing/2014/main" id="{5C2BA416-A5D4-4B24-BB65-555CEB7747AF}"/>
+                <a16:creationId xmlns:a16="http://schemas.microsoft.com/office/drawing/2014/main" xmlns="" id="{5C2BA416-A5D4-4B24-BB65-555CEB7747AF}"/>
               </a:ext>
             </a:extLst>
           </p:cNvPr>
@@ -2811,7 +2811,7 @@
           <p:cNvPr id="3" name="文本占位符 2">
             <a:extLst>
               <a:ext uri="{FF2B5EF4-FFF2-40B4-BE49-F238E27FC236}">
-                <a16:creationId xmlns:a16="http://schemas.microsoft.com/office/drawing/2014/main" id="{783DA2D0-478E-492C-8D63-C6199E1CA294}"/>
+                <a16:creationId xmlns:a16="http://schemas.microsoft.com/office/drawing/2014/main" xmlns="" id="{783DA2D0-478E-492C-8D63-C6199E1CA294}"/>
               </a:ext>
             </a:extLst>
           </p:cNvPr>
@@ -2878,7 +2878,7 @@
           <p:cNvPr id="4" name="日期占位符 3">
             <a:extLst>
               <a:ext uri="{FF2B5EF4-FFF2-40B4-BE49-F238E27FC236}">
-                <a16:creationId xmlns:a16="http://schemas.microsoft.com/office/drawing/2014/main" id="{8A6AFEEB-3147-4ACB-8583-75B0E772BAD0}"/>
+                <a16:creationId xmlns:a16="http://schemas.microsoft.com/office/drawing/2014/main" xmlns="" id="{8A6AFEEB-3147-4ACB-8583-75B0E772BAD0}"/>
               </a:ext>
             </a:extLst>
           </p:cNvPr>
@@ -2914,7 +2914,7 @@
           <a:p>
             <a:fld id="{75E805E7-08C9-40E1-A3E1-F7767EFA4B43}" type="datetimeFigureOut">
               <a:rPr lang="zh-CN" altLang="en-US" smtClean="0"/>
-              <a:t>2019/1/7</a:t>
+              <a:t>2019/1/8</a:t>
             </a:fld>
             <a:endParaRPr lang="zh-CN" altLang="en-US"/>
           </a:p>
@@ -2925,7 +2925,7 @@
           <p:cNvPr id="5" name="页脚占位符 4">
             <a:extLst>
               <a:ext uri="{FF2B5EF4-FFF2-40B4-BE49-F238E27FC236}">
-                <a16:creationId xmlns:a16="http://schemas.microsoft.com/office/drawing/2014/main" id="{8074FD56-2384-4980-8EE4-5C57B4092060}"/>
+                <a16:creationId xmlns:a16="http://schemas.microsoft.com/office/drawing/2014/main" xmlns="" id="{8074FD56-2384-4980-8EE4-5C57B4092060}"/>
               </a:ext>
             </a:extLst>
           </p:cNvPr>
@@ -2968,7 +2968,7 @@
           <p:cNvPr id="6" name="灯片编号占位符 5">
             <a:extLst>
               <a:ext uri="{FF2B5EF4-FFF2-40B4-BE49-F238E27FC236}">
-                <a16:creationId xmlns:a16="http://schemas.microsoft.com/office/drawing/2014/main" id="{275747C1-D251-4731-8BCA-4016A91A7641}"/>
+                <a16:creationId xmlns:a16="http://schemas.microsoft.com/office/drawing/2014/main" xmlns="" id="{275747C1-D251-4731-8BCA-4016A91A7641}"/>
               </a:ext>
             </a:extLst>
           </p:cNvPr>
@@ -3336,7 +3336,7 @@
           <p:cNvPr id="2" name="标题 1">
             <a:extLst>
               <a:ext uri="{FF2B5EF4-FFF2-40B4-BE49-F238E27FC236}">
-                <a16:creationId xmlns:a16="http://schemas.microsoft.com/office/drawing/2014/main" id="{95079543-BACE-480C-B25E-A0AD58BB7761}"/>
+                <a16:creationId xmlns:a16="http://schemas.microsoft.com/office/drawing/2014/main" xmlns="" id="{95079543-BACE-480C-B25E-A0AD58BB7761}"/>
               </a:ext>
             </a:extLst>
           </p:cNvPr>
@@ -3399,7 +3399,7 @@
           <p:cNvPr id="2" name="标题 1">
             <a:extLst>
               <a:ext uri="{FF2B5EF4-FFF2-40B4-BE49-F238E27FC236}">
-                <a16:creationId xmlns:a16="http://schemas.microsoft.com/office/drawing/2014/main" id="{9F68167F-6F3A-4C5F-A441-51FEA245AA01}"/>
+                <a16:creationId xmlns:a16="http://schemas.microsoft.com/office/drawing/2014/main" xmlns="" id="{9F68167F-6F3A-4C5F-A441-51FEA245AA01}"/>
               </a:ext>
             </a:extLst>
           </p:cNvPr>
@@ -3427,7 +3427,7 @@
           <p:cNvPr id="3" name="内容占位符 2">
             <a:extLst>
               <a:ext uri="{FF2B5EF4-FFF2-40B4-BE49-F238E27FC236}">
-                <a16:creationId xmlns:a16="http://schemas.microsoft.com/office/drawing/2014/main" id="{DA6BCD99-EF91-46E6-8F16-D2137649CF32}"/>
+                <a16:creationId xmlns:a16="http://schemas.microsoft.com/office/drawing/2014/main" xmlns="" id="{DA6BCD99-EF91-46E6-8F16-D2137649CF32}"/>
               </a:ext>
             </a:extLst>
           </p:cNvPr>
@@ -3598,7 +3598,7 @@
           <p:cNvPr id="2" name="标题 1">
             <a:extLst>
               <a:ext uri="{FF2B5EF4-FFF2-40B4-BE49-F238E27FC236}">
-                <a16:creationId xmlns:a16="http://schemas.microsoft.com/office/drawing/2014/main" id="{675CCCC4-B17D-4399-821B-06D44E86498E}"/>
+                <a16:creationId xmlns:a16="http://schemas.microsoft.com/office/drawing/2014/main" xmlns="" id="{675CCCC4-B17D-4399-821B-06D44E86498E}"/>
               </a:ext>
             </a:extLst>
           </p:cNvPr>
@@ -3626,7 +3626,7 @@
           <p:cNvPr id="3" name="内容占位符 2">
             <a:extLst>
               <a:ext uri="{FF2B5EF4-FFF2-40B4-BE49-F238E27FC236}">
-                <a16:creationId xmlns:a16="http://schemas.microsoft.com/office/drawing/2014/main" id="{46AEA745-7399-46C5-BAE5-8B4FD892E6B7}"/>
+                <a16:creationId xmlns:a16="http://schemas.microsoft.com/office/drawing/2014/main" xmlns="" id="{46AEA745-7399-46C5-BAE5-8B4FD892E6B7}"/>
               </a:ext>
             </a:extLst>
           </p:cNvPr>
@@ -3788,7 +3788,7 @@
           <p:cNvPr id="4" name="矩形 3">
             <a:extLst>
               <a:ext uri="{FF2B5EF4-FFF2-40B4-BE49-F238E27FC236}">
-                <a16:creationId xmlns:a16="http://schemas.microsoft.com/office/drawing/2014/main" id="{705ADC4E-457D-43E8-AC6D-1B5979E44C85}"/>
+                <a16:creationId xmlns:a16="http://schemas.microsoft.com/office/drawing/2014/main" xmlns="" id="{705ADC4E-457D-43E8-AC6D-1B5979E44C85}"/>
               </a:ext>
             </a:extLst>
           </p:cNvPr>
@@ -3835,7 +3835,7 @@
           <p:cNvPr id="5" name="文本框 4">
             <a:extLst>
               <a:ext uri="{FF2B5EF4-FFF2-40B4-BE49-F238E27FC236}">
-                <a16:creationId xmlns:a16="http://schemas.microsoft.com/office/drawing/2014/main" id="{4AD7CDFA-05E1-46D3-AE0A-087C0FFC8A83}"/>
+                <a16:creationId xmlns:a16="http://schemas.microsoft.com/office/drawing/2014/main" xmlns="" id="{4AD7CDFA-05E1-46D3-AE0A-087C0FFC8A83}"/>
               </a:ext>
             </a:extLst>
           </p:cNvPr>
@@ -3870,7 +3870,7 @@
           <p:cNvPr id="7" name="直接箭头连接符 6">
             <a:extLst>
               <a:ext uri="{FF2B5EF4-FFF2-40B4-BE49-F238E27FC236}">
-                <a16:creationId xmlns:a16="http://schemas.microsoft.com/office/drawing/2014/main" id="{EF66CFD1-73CA-4D6A-8367-A474A95BDDA4}"/>
+                <a16:creationId xmlns:a16="http://schemas.microsoft.com/office/drawing/2014/main" xmlns="" id="{EF66CFD1-73CA-4D6A-8367-A474A95BDDA4}"/>
               </a:ext>
             </a:extLst>
           </p:cNvPr>
@@ -3913,7 +3913,7 @@
           <p:cNvPr id="9" name="矩形 8">
             <a:extLst>
               <a:ext uri="{FF2B5EF4-FFF2-40B4-BE49-F238E27FC236}">
-                <a16:creationId xmlns:a16="http://schemas.microsoft.com/office/drawing/2014/main" id="{CB79E62F-A53E-48F6-B7A1-D78BBB77F629}"/>
+                <a16:creationId xmlns:a16="http://schemas.microsoft.com/office/drawing/2014/main" xmlns="" id="{CB79E62F-A53E-48F6-B7A1-D78BBB77F629}"/>
               </a:ext>
             </a:extLst>
           </p:cNvPr>
@@ -3960,7 +3960,7 @@
           <p:cNvPr id="13" name="矩形 12">
             <a:extLst>
               <a:ext uri="{FF2B5EF4-FFF2-40B4-BE49-F238E27FC236}">
-                <a16:creationId xmlns:a16="http://schemas.microsoft.com/office/drawing/2014/main" id="{FB44383B-3F09-4A17-8CEF-E7B65987A07A}"/>
+                <a16:creationId xmlns:a16="http://schemas.microsoft.com/office/drawing/2014/main" xmlns="" id="{FB44383B-3F09-4A17-8CEF-E7B65987A07A}"/>
               </a:ext>
             </a:extLst>
           </p:cNvPr>
@@ -4007,7 +4007,7 @@
           <p:cNvPr id="16" name="矩形 15">
             <a:extLst>
               <a:ext uri="{FF2B5EF4-FFF2-40B4-BE49-F238E27FC236}">
-                <a16:creationId xmlns:a16="http://schemas.microsoft.com/office/drawing/2014/main" id="{398A1D7D-0344-4BF2-8961-A7F2AAE45248}"/>
+                <a16:creationId xmlns:a16="http://schemas.microsoft.com/office/drawing/2014/main" xmlns="" id="{398A1D7D-0344-4BF2-8961-A7F2AAE45248}"/>
               </a:ext>
             </a:extLst>
           </p:cNvPr>
@@ -4054,7 +4054,7 @@
           <p:cNvPr id="17" name="矩形 16">
             <a:extLst>
               <a:ext uri="{FF2B5EF4-FFF2-40B4-BE49-F238E27FC236}">
-                <a16:creationId xmlns:a16="http://schemas.microsoft.com/office/drawing/2014/main" id="{B5D56593-E251-4886-8ED9-73280E0C5B92}"/>
+                <a16:creationId xmlns:a16="http://schemas.microsoft.com/office/drawing/2014/main" xmlns="" id="{B5D56593-E251-4886-8ED9-73280E0C5B92}"/>
               </a:ext>
             </a:extLst>
           </p:cNvPr>
@@ -4101,7 +4101,7 @@
           <p:cNvPr id="18" name="矩形 17">
             <a:extLst>
               <a:ext uri="{FF2B5EF4-FFF2-40B4-BE49-F238E27FC236}">
-                <a16:creationId xmlns:a16="http://schemas.microsoft.com/office/drawing/2014/main" id="{43F0B40D-1CC2-417B-8A16-7E7A9BC892B0}"/>
+                <a16:creationId xmlns:a16="http://schemas.microsoft.com/office/drawing/2014/main" xmlns="" id="{43F0B40D-1CC2-417B-8A16-7E7A9BC892B0}"/>
               </a:ext>
             </a:extLst>
           </p:cNvPr>
@@ -4148,7 +4148,7 @@
           <p:cNvPr id="22" name="直接箭头连接符 21">
             <a:extLst>
               <a:ext uri="{FF2B5EF4-FFF2-40B4-BE49-F238E27FC236}">
-                <a16:creationId xmlns:a16="http://schemas.microsoft.com/office/drawing/2014/main" id="{C0C6B983-29B6-4A2D-9C7E-480AD4BE4E1D}"/>
+                <a16:creationId xmlns:a16="http://schemas.microsoft.com/office/drawing/2014/main" xmlns="" id="{C0C6B983-29B6-4A2D-9C7E-480AD4BE4E1D}"/>
               </a:ext>
             </a:extLst>
           </p:cNvPr>
@@ -4189,7 +4189,7 @@
           <p:cNvPr id="24" name="直接箭头连接符 23">
             <a:extLst>
               <a:ext uri="{FF2B5EF4-FFF2-40B4-BE49-F238E27FC236}">
-                <a16:creationId xmlns:a16="http://schemas.microsoft.com/office/drawing/2014/main" id="{27905E43-68C4-47B7-BCA3-21BE929A31D0}"/>
+                <a16:creationId xmlns:a16="http://schemas.microsoft.com/office/drawing/2014/main" xmlns="" id="{27905E43-68C4-47B7-BCA3-21BE929A31D0}"/>
               </a:ext>
             </a:extLst>
           </p:cNvPr>
@@ -4231,7 +4231,7 @@
           <p:cNvPr id="26" name="直接箭头连接符 25">
             <a:extLst>
               <a:ext uri="{FF2B5EF4-FFF2-40B4-BE49-F238E27FC236}">
-                <a16:creationId xmlns:a16="http://schemas.microsoft.com/office/drawing/2014/main" id="{7494102E-5DD2-465A-8F32-B506BF394D23}"/>
+                <a16:creationId xmlns:a16="http://schemas.microsoft.com/office/drawing/2014/main" xmlns="" id="{7494102E-5DD2-465A-8F32-B506BF394D23}"/>
               </a:ext>
             </a:extLst>
           </p:cNvPr>
@@ -4273,7 +4273,7 @@
           <p:cNvPr id="28" name="直接箭头连接符 27">
             <a:extLst>
               <a:ext uri="{FF2B5EF4-FFF2-40B4-BE49-F238E27FC236}">
-                <a16:creationId xmlns:a16="http://schemas.microsoft.com/office/drawing/2014/main" id="{6354A523-8390-41BD-8D25-96A36ADC0C89}"/>
+                <a16:creationId xmlns:a16="http://schemas.microsoft.com/office/drawing/2014/main" xmlns="" id="{6354A523-8390-41BD-8D25-96A36ADC0C89}"/>
               </a:ext>
             </a:extLst>
           </p:cNvPr>
@@ -4345,7 +4345,7 @@
           <p:cNvPr id="5" name="文本框 4">
             <a:extLst>
               <a:ext uri="{FF2B5EF4-FFF2-40B4-BE49-F238E27FC236}">
-                <a16:creationId xmlns:a16="http://schemas.microsoft.com/office/drawing/2014/main" id="{4AD7CDFA-05E1-46D3-AE0A-087C0FFC8A83}"/>
+                <a16:creationId xmlns:a16="http://schemas.microsoft.com/office/drawing/2014/main" xmlns="" id="{4AD7CDFA-05E1-46D3-AE0A-087C0FFC8A83}"/>
               </a:ext>
             </a:extLst>
           </p:cNvPr>
@@ -4380,7 +4380,7 @@
           <p:cNvPr id="2" name="矩形 1">
             <a:extLst>
               <a:ext uri="{FF2B5EF4-FFF2-40B4-BE49-F238E27FC236}">
-                <a16:creationId xmlns:a16="http://schemas.microsoft.com/office/drawing/2014/main" id="{B3AFC852-09F4-40F5-B52F-9966595A1D43}"/>
+                <a16:creationId xmlns:a16="http://schemas.microsoft.com/office/drawing/2014/main" xmlns="" id="{B3AFC852-09F4-40F5-B52F-9966595A1D43}"/>
               </a:ext>
             </a:extLst>
           </p:cNvPr>
@@ -4427,7 +4427,7 @@
           <p:cNvPr id="3" name="矩形 2">
             <a:extLst>
               <a:ext uri="{FF2B5EF4-FFF2-40B4-BE49-F238E27FC236}">
-                <a16:creationId xmlns:a16="http://schemas.microsoft.com/office/drawing/2014/main" id="{562F3925-4A11-4D9E-AA6F-4864A678548D}"/>
+                <a16:creationId xmlns:a16="http://schemas.microsoft.com/office/drawing/2014/main" xmlns="" id="{562F3925-4A11-4D9E-AA6F-4864A678548D}"/>
               </a:ext>
             </a:extLst>
           </p:cNvPr>
@@ -4474,7 +4474,7 @@
           <p:cNvPr id="6" name="矩形 5">
             <a:extLst>
               <a:ext uri="{FF2B5EF4-FFF2-40B4-BE49-F238E27FC236}">
-                <a16:creationId xmlns:a16="http://schemas.microsoft.com/office/drawing/2014/main" id="{D9946413-9E9D-44AB-8726-3F7DB08CAC63}"/>
+                <a16:creationId xmlns:a16="http://schemas.microsoft.com/office/drawing/2014/main" xmlns="" id="{D9946413-9E9D-44AB-8726-3F7DB08CAC63}"/>
               </a:ext>
             </a:extLst>
           </p:cNvPr>
@@ -4521,7 +4521,7 @@
           <p:cNvPr id="8" name="矩形 7">
             <a:extLst>
               <a:ext uri="{FF2B5EF4-FFF2-40B4-BE49-F238E27FC236}">
-                <a16:creationId xmlns:a16="http://schemas.microsoft.com/office/drawing/2014/main" id="{CD16D58C-08A4-4536-92D8-512FA26A6317}"/>
+                <a16:creationId xmlns:a16="http://schemas.microsoft.com/office/drawing/2014/main" xmlns="" id="{CD16D58C-08A4-4536-92D8-512FA26A6317}"/>
               </a:ext>
             </a:extLst>
           </p:cNvPr>
@@ -4568,7 +4568,7 @@
           <p:cNvPr id="19" name="矩形 18">
             <a:extLst>
               <a:ext uri="{FF2B5EF4-FFF2-40B4-BE49-F238E27FC236}">
-                <a16:creationId xmlns:a16="http://schemas.microsoft.com/office/drawing/2014/main" id="{A08C5E6A-7B84-4EF2-82D2-67107E0E7AFF}"/>
+                <a16:creationId xmlns:a16="http://schemas.microsoft.com/office/drawing/2014/main" xmlns="" id="{A08C5E6A-7B84-4EF2-82D2-67107E0E7AFF}"/>
               </a:ext>
             </a:extLst>
           </p:cNvPr>
@@ -4615,7 +4615,7 @@
           <p:cNvPr id="11" name="直接箭头连接符 10">
             <a:extLst>
               <a:ext uri="{FF2B5EF4-FFF2-40B4-BE49-F238E27FC236}">
-                <a16:creationId xmlns:a16="http://schemas.microsoft.com/office/drawing/2014/main" id="{E726EE18-7D70-4949-8AAB-7AB5515E2FDD}"/>
+                <a16:creationId xmlns:a16="http://schemas.microsoft.com/office/drawing/2014/main" xmlns="" id="{E726EE18-7D70-4949-8AAB-7AB5515E2FDD}"/>
               </a:ext>
             </a:extLst>
           </p:cNvPr>
@@ -4657,7 +4657,7 @@
           <p:cNvPr id="14" name="直接箭头连接符 13">
             <a:extLst>
               <a:ext uri="{FF2B5EF4-FFF2-40B4-BE49-F238E27FC236}">
-                <a16:creationId xmlns:a16="http://schemas.microsoft.com/office/drawing/2014/main" id="{C41A7E82-B5E0-4395-AF02-13742F67D551}"/>
+                <a16:creationId xmlns:a16="http://schemas.microsoft.com/office/drawing/2014/main" xmlns="" id="{C41A7E82-B5E0-4395-AF02-13742F67D551}"/>
               </a:ext>
             </a:extLst>
           </p:cNvPr>
@@ -4700,7 +4700,7 @@
           <p:cNvPr id="20" name="直接箭头连接符 19">
             <a:extLst>
               <a:ext uri="{FF2B5EF4-FFF2-40B4-BE49-F238E27FC236}">
-                <a16:creationId xmlns:a16="http://schemas.microsoft.com/office/drawing/2014/main" id="{92003281-8E3A-427D-984C-5D739686AD87}"/>
+                <a16:creationId xmlns:a16="http://schemas.microsoft.com/office/drawing/2014/main" xmlns="" id="{92003281-8E3A-427D-984C-5D739686AD87}"/>
               </a:ext>
             </a:extLst>
           </p:cNvPr>
@@ -4742,7 +4742,7 @@
           <p:cNvPr id="23" name="直接箭头连接符 22">
             <a:extLst>
               <a:ext uri="{FF2B5EF4-FFF2-40B4-BE49-F238E27FC236}">
-                <a16:creationId xmlns:a16="http://schemas.microsoft.com/office/drawing/2014/main" id="{F768EC90-F337-4746-9232-567D6854C9E4}"/>
+                <a16:creationId xmlns:a16="http://schemas.microsoft.com/office/drawing/2014/main" xmlns="" id="{F768EC90-F337-4746-9232-567D6854C9E4}"/>
               </a:ext>
             </a:extLst>
           </p:cNvPr>
@@ -4814,7 +4814,7 @@
           <p:cNvPr id="2" name="标题 1">
             <a:extLst>
               <a:ext uri="{FF2B5EF4-FFF2-40B4-BE49-F238E27FC236}">
-                <a16:creationId xmlns:a16="http://schemas.microsoft.com/office/drawing/2014/main" id="{1B0E31AD-0856-4967-BA45-E9147D356A62}"/>
+                <a16:creationId xmlns:a16="http://schemas.microsoft.com/office/drawing/2014/main" xmlns="" id="{1B0E31AD-0856-4967-BA45-E9147D356A62}"/>
               </a:ext>
             </a:extLst>
           </p:cNvPr>
@@ -4839,29 +4839,582 @@
       </p:sp>
       <p:sp>
         <p:nvSpPr>
-          <p:cNvPr id="3" name="内容占位符 2">
-            <a:extLst>
-              <a:ext uri="{FF2B5EF4-FFF2-40B4-BE49-F238E27FC236}">
-                <a16:creationId xmlns:a16="http://schemas.microsoft.com/office/drawing/2014/main" id="{45C5F228-0AA3-4FA3-9635-B35254A7C1A1}"/>
-              </a:ext>
-            </a:extLst>
-          </p:cNvPr>
-          <p:cNvSpPr>
-            <a:spLocks noGrp="1"/>
-          </p:cNvSpPr>
-          <p:nvPr>
-            <p:ph idx="1"/>
-          </p:nvPr>
-        </p:nvSpPr>
-        <p:spPr/>
-        <p:txBody>
-          <a:bodyPr/>
-          <a:lstStyle/>
-          <a:p>
-            <a:endParaRPr lang="zh-CN" altLang="en-US" dirty="0"/>
-          </a:p>
-        </p:txBody>
-      </p:sp>
+          <p:cNvPr id="4" name="矩形 3"/>
+          <p:cNvSpPr/>
+          <p:nvPr/>
+        </p:nvSpPr>
+        <p:spPr>
+          <a:xfrm>
+            <a:off x="2205317" y="2086984"/>
+            <a:ext cx="1893346" cy="1118795"/>
+          </a:xfrm>
+          <a:prstGeom prst="rect">
+            <a:avLst/>
+          </a:prstGeom>
+        </p:spPr>
+        <p:style>
+          <a:lnRef idx="2">
+            <a:schemeClr val="dk1"/>
+          </a:lnRef>
+          <a:fillRef idx="1">
+            <a:schemeClr val="lt1"/>
+          </a:fillRef>
+          <a:effectRef idx="0">
+            <a:schemeClr val="dk1"/>
+          </a:effectRef>
+          <a:fontRef idx="minor">
+            <a:schemeClr val="dk1"/>
+          </a:fontRef>
+        </p:style>
+        <p:txBody>
+          <a:bodyPr rtlCol="0" anchor="ctr"/>
+          <a:lstStyle/>
+          <a:p>
+            <a:pPr algn="ctr"/>
+            <a:r>
+              <a:rPr lang="zh-CN" altLang="en-US" sz="2800" dirty="0" smtClean="0"/>
+              <a:t>加密模块</a:t>
+            </a:r>
+            <a:endParaRPr lang="zh-CN" altLang="en-US" sz="2800" dirty="0"/>
+          </a:p>
+        </p:txBody>
+      </p:sp>
+      <p:sp>
+        <p:nvSpPr>
+          <p:cNvPr id="5" name="矩形 4"/>
+          <p:cNvSpPr/>
+          <p:nvPr/>
+        </p:nvSpPr>
+        <p:spPr>
+          <a:xfrm>
+            <a:off x="2205317" y="4003637"/>
+            <a:ext cx="1893346" cy="1118795"/>
+          </a:xfrm>
+          <a:prstGeom prst="rect">
+            <a:avLst/>
+          </a:prstGeom>
+        </p:spPr>
+        <p:style>
+          <a:lnRef idx="2">
+            <a:schemeClr val="dk1"/>
+          </a:lnRef>
+          <a:fillRef idx="1">
+            <a:schemeClr val="lt1"/>
+          </a:fillRef>
+          <a:effectRef idx="0">
+            <a:schemeClr val="dk1"/>
+          </a:effectRef>
+          <a:fontRef idx="minor">
+            <a:schemeClr val="dk1"/>
+          </a:fontRef>
+        </p:style>
+        <p:txBody>
+          <a:bodyPr rtlCol="0" anchor="ctr"/>
+          <a:lstStyle/>
+          <a:p>
+            <a:pPr algn="ctr"/>
+            <a:r>
+              <a:rPr lang="zh-CN" altLang="en-US" sz="2800" dirty="0" smtClean="0"/>
+              <a:t>传输模块</a:t>
+            </a:r>
+            <a:endParaRPr lang="zh-CN" altLang="en-US" sz="2800" dirty="0"/>
+          </a:p>
+        </p:txBody>
+      </p:sp>
+      <p:sp>
+        <p:nvSpPr>
+          <p:cNvPr id="6" name="矩形 5"/>
+          <p:cNvSpPr/>
+          <p:nvPr/>
+        </p:nvSpPr>
+        <p:spPr>
+          <a:xfrm>
+            <a:off x="8306697" y="3293633"/>
+            <a:ext cx="1893346" cy="1118795"/>
+          </a:xfrm>
+          <a:prstGeom prst="rect">
+            <a:avLst/>
+          </a:prstGeom>
+        </p:spPr>
+        <p:style>
+          <a:lnRef idx="2">
+            <a:schemeClr val="dk1"/>
+          </a:lnRef>
+          <a:fillRef idx="1">
+            <a:schemeClr val="lt1"/>
+          </a:fillRef>
+          <a:effectRef idx="0">
+            <a:schemeClr val="dk1"/>
+          </a:effectRef>
+          <a:fontRef idx="minor">
+            <a:schemeClr val="dk1"/>
+          </a:fontRef>
+        </p:style>
+        <p:txBody>
+          <a:bodyPr rtlCol="0" anchor="ctr"/>
+          <a:lstStyle/>
+          <a:p>
+            <a:pPr algn="ctr"/>
+            <a:r>
+              <a:rPr lang="zh-CN" altLang="en-US" sz="2800" dirty="0" smtClean="0"/>
+              <a:t>存储模块</a:t>
+            </a:r>
+            <a:endParaRPr lang="zh-CN" altLang="en-US" sz="2800" dirty="0"/>
+          </a:p>
+        </p:txBody>
+      </p:sp>
+      <p:sp>
+        <p:nvSpPr>
+          <p:cNvPr id="7" name="矩形 6"/>
+          <p:cNvSpPr/>
+          <p:nvPr/>
+        </p:nvSpPr>
+        <p:spPr>
+          <a:xfrm>
+            <a:off x="5307107" y="444651"/>
+            <a:ext cx="1502484" cy="792480"/>
+          </a:xfrm>
+          <a:prstGeom prst="rect">
+            <a:avLst/>
+          </a:prstGeom>
+        </p:spPr>
+        <p:style>
+          <a:lnRef idx="2">
+            <a:schemeClr val="dk1"/>
+          </a:lnRef>
+          <a:fillRef idx="1">
+            <a:schemeClr val="lt1"/>
+          </a:fillRef>
+          <a:effectRef idx="0">
+            <a:schemeClr val="dk1"/>
+          </a:effectRef>
+          <a:fontRef idx="minor">
+            <a:schemeClr val="dk1"/>
+          </a:fontRef>
+        </p:style>
+        <p:txBody>
+          <a:bodyPr rtlCol="0" anchor="ctr"/>
+          <a:lstStyle/>
+          <a:p>
+            <a:pPr algn="ctr"/>
+            <a:r>
+              <a:rPr lang="zh-CN" altLang="en-US" sz="2800" dirty="0" smtClean="0"/>
+              <a:t>客户端</a:t>
+            </a:r>
+            <a:endParaRPr lang="zh-CN" altLang="en-US" sz="2800" dirty="0"/>
+          </a:p>
+        </p:txBody>
+      </p:sp>
+      <p:sp>
+        <p:nvSpPr>
+          <p:cNvPr id="8" name="矩形 7"/>
+          <p:cNvSpPr/>
+          <p:nvPr/>
+        </p:nvSpPr>
+        <p:spPr>
+          <a:xfrm>
+            <a:off x="5307107" y="5873676"/>
+            <a:ext cx="1502484" cy="785308"/>
+          </a:xfrm>
+          <a:prstGeom prst="rect">
+            <a:avLst/>
+          </a:prstGeom>
+        </p:spPr>
+        <p:style>
+          <a:lnRef idx="2">
+            <a:schemeClr val="dk1"/>
+          </a:lnRef>
+          <a:fillRef idx="1">
+            <a:schemeClr val="lt1"/>
+          </a:fillRef>
+          <a:effectRef idx="0">
+            <a:schemeClr val="dk1"/>
+          </a:effectRef>
+          <a:fontRef idx="minor">
+            <a:schemeClr val="dk1"/>
+          </a:fontRef>
+        </p:style>
+        <p:txBody>
+          <a:bodyPr rtlCol="0" anchor="ctr"/>
+          <a:lstStyle/>
+          <a:p>
+            <a:pPr algn="ctr"/>
+            <a:r>
+              <a:rPr lang="zh-CN" altLang="en-US" sz="2800" dirty="0" smtClean="0"/>
+              <a:t>服务端</a:t>
+            </a:r>
+            <a:endParaRPr lang="zh-CN" altLang="en-US" sz="2800" dirty="0"/>
+          </a:p>
+        </p:txBody>
+      </p:sp>
+      <p:cxnSp>
+        <p:nvCxnSpPr>
+          <p:cNvPr id="14" name="直接箭头连接符 13"/>
+          <p:cNvCxnSpPr/>
+          <p:nvPr/>
+        </p:nvCxnSpPr>
+        <p:spPr>
+          <a:xfrm>
+            <a:off x="6058349" y="1237131"/>
+            <a:ext cx="0" cy="4625788"/>
+          </a:xfrm>
+          <a:prstGeom prst="straightConnector1">
+            <a:avLst/>
+          </a:prstGeom>
+          <a:ln>
+            <a:tailEnd type="arrow"/>
+          </a:ln>
+        </p:spPr>
+        <p:style>
+          <a:lnRef idx="1">
+            <a:schemeClr val="accent1"/>
+          </a:lnRef>
+          <a:fillRef idx="0">
+            <a:schemeClr val="accent1"/>
+          </a:fillRef>
+          <a:effectRef idx="0">
+            <a:schemeClr val="accent1"/>
+          </a:effectRef>
+          <a:fontRef idx="minor">
+            <a:schemeClr val="tx1"/>
+          </a:fontRef>
+        </p:style>
+      </p:cxnSp>
+      <p:cxnSp>
+        <p:nvCxnSpPr>
+          <p:cNvPr id="16" name="直接箭头连接符 15"/>
+          <p:cNvCxnSpPr>
+            <a:stCxn id="8" idx="3"/>
+            <a:endCxn id="6" idx="2"/>
+          </p:cNvCxnSpPr>
+          <p:nvPr/>
+        </p:nvCxnSpPr>
+        <p:spPr>
+          <a:xfrm flipV="1">
+            <a:off x="6809591" y="4412428"/>
+            <a:ext cx="2443779" cy="1853902"/>
+          </a:xfrm>
+          <a:prstGeom prst="straightConnector1">
+            <a:avLst/>
+          </a:prstGeom>
+          <a:ln>
+            <a:tailEnd type="arrow"/>
+          </a:ln>
+        </p:spPr>
+        <p:style>
+          <a:lnRef idx="1">
+            <a:schemeClr val="accent1"/>
+          </a:lnRef>
+          <a:fillRef idx="0">
+            <a:schemeClr val="accent1"/>
+          </a:fillRef>
+          <a:effectRef idx="0">
+            <a:schemeClr val="accent1"/>
+          </a:effectRef>
+          <a:fontRef idx="minor">
+            <a:schemeClr val="tx1"/>
+          </a:fontRef>
+        </p:style>
+      </p:cxnSp>
+      <p:cxnSp>
+        <p:nvCxnSpPr>
+          <p:cNvPr id="22" name="直接箭头连接符 21"/>
+          <p:cNvCxnSpPr>
+            <a:stCxn id="7" idx="1"/>
+            <a:endCxn id="4" idx="0"/>
+          </p:cNvCxnSpPr>
+          <p:nvPr/>
+        </p:nvCxnSpPr>
+        <p:spPr>
+          <a:xfrm flipH="1">
+            <a:off x="3151990" y="840891"/>
+            <a:ext cx="2155117" cy="1246093"/>
+          </a:xfrm>
+          <a:prstGeom prst="straightConnector1">
+            <a:avLst/>
+          </a:prstGeom>
+          <a:ln>
+            <a:solidFill>
+              <a:srgbClr val="FF0000"/>
+            </a:solidFill>
+            <a:headEnd type="arrow"/>
+            <a:tailEnd type="arrow"/>
+          </a:ln>
+        </p:spPr>
+        <p:style>
+          <a:lnRef idx="1">
+            <a:schemeClr val="accent1"/>
+          </a:lnRef>
+          <a:fillRef idx="0">
+            <a:schemeClr val="accent1"/>
+          </a:fillRef>
+          <a:effectRef idx="0">
+            <a:schemeClr val="accent1"/>
+          </a:effectRef>
+          <a:fontRef idx="minor">
+            <a:schemeClr val="tx1"/>
+          </a:fontRef>
+        </p:style>
+      </p:cxnSp>
+      <p:cxnSp>
+        <p:nvCxnSpPr>
+          <p:cNvPr id="24" name="直接箭头连接符 23"/>
+          <p:cNvCxnSpPr>
+            <a:stCxn id="4" idx="2"/>
+            <a:endCxn id="5" idx="0"/>
+          </p:cNvCxnSpPr>
+          <p:nvPr/>
+        </p:nvCxnSpPr>
+        <p:spPr>
+          <a:xfrm>
+            <a:off x="3151990" y="3205779"/>
+            <a:ext cx="0" cy="797858"/>
+          </a:xfrm>
+          <a:prstGeom prst="straightConnector1">
+            <a:avLst/>
+          </a:prstGeom>
+          <a:ln>
+            <a:solidFill>
+              <a:srgbClr val="FF0000"/>
+            </a:solidFill>
+            <a:headEnd type="arrow"/>
+            <a:tailEnd type="arrow"/>
+          </a:ln>
+        </p:spPr>
+        <p:style>
+          <a:lnRef idx="1">
+            <a:schemeClr val="accent1"/>
+          </a:lnRef>
+          <a:fillRef idx="0">
+            <a:schemeClr val="accent1"/>
+          </a:fillRef>
+          <a:effectRef idx="0">
+            <a:schemeClr val="accent1"/>
+          </a:effectRef>
+          <a:fontRef idx="minor">
+            <a:schemeClr val="tx1"/>
+          </a:fontRef>
+        </p:style>
+      </p:cxnSp>
+      <p:cxnSp>
+        <p:nvCxnSpPr>
+          <p:cNvPr id="26" name="直接箭头连接符 25"/>
+          <p:cNvCxnSpPr>
+            <a:stCxn id="5" idx="2"/>
+            <a:endCxn id="8" idx="1"/>
+          </p:cNvCxnSpPr>
+          <p:nvPr/>
+        </p:nvCxnSpPr>
+        <p:spPr>
+          <a:xfrm>
+            <a:off x="3151990" y="5122432"/>
+            <a:ext cx="2155117" cy="1143898"/>
+          </a:xfrm>
+          <a:prstGeom prst="straightConnector1">
+            <a:avLst/>
+          </a:prstGeom>
+          <a:ln>
+            <a:solidFill>
+              <a:srgbClr val="FF0000"/>
+            </a:solidFill>
+            <a:headEnd type="arrow"/>
+            <a:tailEnd type="arrow"/>
+          </a:ln>
+        </p:spPr>
+        <p:style>
+          <a:lnRef idx="1">
+            <a:schemeClr val="accent1"/>
+          </a:lnRef>
+          <a:fillRef idx="0">
+            <a:schemeClr val="accent1"/>
+          </a:fillRef>
+          <a:effectRef idx="0">
+            <a:schemeClr val="accent1"/>
+          </a:effectRef>
+          <a:fontRef idx="minor">
+            <a:schemeClr val="tx1"/>
+          </a:fontRef>
+        </p:style>
+      </p:cxnSp>
+      <p:cxnSp>
+        <p:nvCxnSpPr>
+          <p:cNvPr id="28" name="直接箭头连接符 27"/>
+          <p:cNvCxnSpPr>
+            <a:stCxn id="7" idx="2"/>
+            <a:endCxn id="7" idx="2"/>
+          </p:cNvCxnSpPr>
+          <p:nvPr/>
+        </p:nvCxnSpPr>
+        <p:spPr>
+          <a:xfrm>
+            <a:off x="6058349" y="1237131"/>
+            <a:ext cx="0" cy="0"/>
+          </a:xfrm>
+          <a:prstGeom prst="straightConnector1">
+            <a:avLst/>
+          </a:prstGeom>
+          <a:ln>
+            <a:tailEnd type="arrow"/>
+          </a:ln>
+        </p:spPr>
+        <p:style>
+          <a:lnRef idx="1">
+            <a:schemeClr val="accent1"/>
+          </a:lnRef>
+          <a:fillRef idx="0">
+            <a:schemeClr val="accent1"/>
+          </a:fillRef>
+          <a:effectRef idx="0">
+            <a:schemeClr val="accent1"/>
+          </a:effectRef>
+          <a:fontRef idx="minor">
+            <a:schemeClr val="tx1"/>
+          </a:fontRef>
+        </p:style>
+      </p:cxnSp>
+      <p:cxnSp>
+        <p:nvCxnSpPr>
+          <p:cNvPr id="38" name="直接箭头连接符 37"/>
+          <p:cNvCxnSpPr>
+            <a:endCxn id="4" idx="0"/>
+          </p:cNvCxnSpPr>
+          <p:nvPr/>
+        </p:nvCxnSpPr>
+        <p:spPr>
+          <a:xfrm flipH="1">
+            <a:off x="3151990" y="1237131"/>
+            <a:ext cx="2951182" cy="849853"/>
+          </a:xfrm>
+          <a:prstGeom prst="straightConnector1">
+            <a:avLst/>
+          </a:prstGeom>
+          <a:ln>
+            <a:tailEnd type="arrow"/>
+          </a:ln>
+        </p:spPr>
+        <p:style>
+          <a:lnRef idx="1">
+            <a:schemeClr val="accent1"/>
+          </a:lnRef>
+          <a:fillRef idx="0">
+            <a:schemeClr val="accent1"/>
+          </a:fillRef>
+          <a:effectRef idx="0">
+            <a:schemeClr val="accent1"/>
+          </a:effectRef>
+          <a:fontRef idx="minor">
+            <a:schemeClr val="tx1"/>
+          </a:fontRef>
+        </p:style>
+      </p:cxnSp>
+      <p:cxnSp>
+        <p:nvCxnSpPr>
+          <p:cNvPr id="40" name="直接箭头连接符 39"/>
+          <p:cNvCxnSpPr>
+            <a:stCxn id="6" idx="1"/>
+            <a:endCxn id="4" idx="3"/>
+          </p:cNvCxnSpPr>
+          <p:nvPr/>
+        </p:nvCxnSpPr>
+        <p:spPr>
+          <a:xfrm flipH="1" flipV="1">
+            <a:off x="4098663" y="2646382"/>
+            <a:ext cx="4208034" cy="1206649"/>
+          </a:xfrm>
+          <a:prstGeom prst="straightConnector1">
+            <a:avLst/>
+          </a:prstGeom>
+          <a:ln>
+            <a:tailEnd type="arrow"/>
+          </a:ln>
+        </p:spPr>
+        <p:style>
+          <a:lnRef idx="1">
+            <a:schemeClr val="accent1"/>
+          </a:lnRef>
+          <a:fillRef idx="0">
+            <a:schemeClr val="accent1"/>
+          </a:fillRef>
+          <a:effectRef idx="0">
+            <a:schemeClr val="accent1"/>
+          </a:effectRef>
+          <a:fontRef idx="minor">
+            <a:schemeClr val="tx1"/>
+          </a:fontRef>
+        </p:style>
+      </p:cxnSp>
+      <p:cxnSp>
+        <p:nvCxnSpPr>
+          <p:cNvPr id="46" name="直接箭头连接符 45"/>
+          <p:cNvCxnSpPr>
+            <a:stCxn id="4" idx="2"/>
+            <a:endCxn id="8" idx="0"/>
+          </p:cNvCxnSpPr>
+          <p:nvPr/>
+        </p:nvCxnSpPr>
+        <p:spPr>
+          <a:xfrm>
+            <a:off x="3151990" y="3205779"/>
+            <a:ext cx="2906359" cy="2667897"/>
+          </a:xfrm>
+          <a:prstGeom prst="straightConnector1">
+            <a:avLst/>
+          </a:prstGeom>
+          <a:ln>
+            <a:tailEnd type="arrow"/>
+          </a:ln>
+        </p:spPr>
+        <p:style>
+          <a:lnRef idx="1">
+            <a:schemeClr val="accent1"/>
+          </a:lnRef>
+          <a:fillRef idx="0">
+            <a:schemeClr val="accent1"/>
+          </a:fillRef>
+          <a:effectRef idx="0">
+            <a:schemeClr val="accent1"/>
+          </a:effectRef>
+          <a:fontRef idx="minor">
+            <a:schemeClr val="tx1"/>
+          </a:fontRef>
+        </p:style>
+      </p:cxnSp>
+      <p:cxnSp>
+        <p:nvCxnSpPr>
+          <p:cNvPr id="49" name="直接箭头连接符 48"/>
+          <p:cNvCxnSpPr>
+            <a:stCxn id="4" idx="3"/>
+            <a:endCxn id="7" idx="2"/>
+          </p:cNvCxnSpPr>
+          <p:nvPr/>
+        </p:nvCxnSpPr>
+        <p:spPr>
+          <a:xfrm flipV="1">
+            <a:off x="4098663" y="1237131"/>
+            <a:ext cx="1959686" cy="1409251"/>
+          </a:xfrm>
+          <a:prstGeom prst="straightConnector1">
+            <a:avLst/>
+          </a:prstGeom>
+          <a:ln>
+            <a:tailEnd type="arrow"/>
+          </a:ln>
+        </p:spPr>
+        <p:style>
+          <a:lnRef idx="1">
+            <a:schemeClr val="accent1"/>
+          </a:lnRef>
+          <a:fillRef idx="0">
+            <a:schemeClr val="accent1"/>
+          </a:fillRef>
+          <a:effectRef idx="0">
+            <a:schemeClr val="accent1"/>
+          </a:effectRef>
+          <a:fontRef idx="minor">
+            <a:schemeClr val="tx1"/>
+          </a:fontRef>
+        </p:style>
+      </p:cxnSp>
     </p:spTree>
     <p:extLst>
       <p:ext uri="{BB962C8B-B14F-4D97-AF65-F5344CB8AC3E}">
@@ -4918,7 +5471,7 @@
     </a:clrScheme>
     <a:fontScheme name="Office">
       <a:majorFont>
-        <a:latin typeface="等线 Light" panose="020F0302020204030204"/>
+        <a:latin typeface="等线 Light"/>
         <a:ea typeface=""/>
         <a:cs typeface=""/>
         <a:font script="Jpan" typeface="游ゴシック Light"/>
@@ -4970,7 +5523,7 @@
         <a:font script="Tfng" typeface="Ebrima"/>
       </a:majorFont>
       <a:minorFont>
-        <a:latin typeface="等线" panose="020F0502020204030204"/>
+        <a:latin typeface="等线"/>
         <a:ea typeface=""/>
         <a:cs typeface=""/>
         <a:font script="Jpan" typeface="游ゴシック"/>
@@ -5164,7 +5717,7 @@
   <a:extraClrSchemeLst/>
   <a:extLst>
     <a:ext uri="{05A4C25C-085E-4340-85A3-A5531E510DB2}">
-      <thm15:themeFamily xmlns:thm15="http://schemas.microsoft.com/office/thememl/2012/main" name="Office Theme" id="{62F939B6-93AF-4DB8-9C6B-D6C7DFDC589F}" vid="{4A3C46E8-61CC-4603-A589-7422A47A8E4A}"/>
+      <thm15:themeFamily xmlns:thm15="http://schemas.microsoft.com/office/thememl/2012/main" xmlns="" name="Office Theme" id="{62F939B6-93AF-4DB8-9C6B-D6C7DFDC589F}" vid="{4A3C46E8-61CC-4603-A589-7422A47A8E4A}"/>
     </a:ext>
   </a:extLst>
 </a:theme>

--- a/基于加密搜索的可靠在线文件管理系统.pptx
+++ b/基于加密搜索的可靠在线文件管理系统.pptx
@@ -10,7 +10,11 @@
     <p:sldId id="262" r:id="rId4"/>
     <p:sldId id="257" r:id="rId5"/>
     <p:sldId id="259" r:id="rId6"/>
-    <p:sldId id="261" r:id="rId7"/>
+    <p:sldId id="263" r:id="rId7"/>
+    <p:sldId id="264" r:id="rId8"/>
+    <p:sldId id="265" r:id="rId9"/>
+    <p:sldId id="267" r:id="rId10"/>
+    <p:sldId id="266" r:id="rId11"/>
   </p:sldIdLst>
   <p:sldSz cx="12192000" cy="6858000"/>
   <p:notesSz cx="6858000" cy="9144000"/>
@@ -111,7 +115,18 @@
   </p:defaultTextStyle>
   <p:extLst>
     <p:ext uri="{EFAFB233-063F-42B5-8137-9DF3F51BA10A}">
-      <p15:sldGuideLst xmlns:p15="http://schemas.microsoft.com/office/powerpoint/2012/main" xmlns=""/>
+      <p15:sldGuideLst xmlns:p15="http://schemas.microsoft.com/office/powerpoint/2012/main">
+        <p15:guide id="1" orient="horz" pos="2160">
+          <p15:clr>
+            <a:srgbClr val="A4A3A4"/>
+          </p15:clr>
+        </p15:guide>
+        <p15:guide id="2" pos="3840">
+          <p15:clr>
+            <a:srgbClr val="A4A3A4"/>
+          </p15:clr>
+        </p15:guide>
+      </p15:sldGuideLst>
     </p:ext>
   </p:extLst>
 </p:presentation>
@@ -139,7 +154,7 @@
           <p:cNvPr id="2" name="标题 1">
             <a:extLst>
               <a:ext uri="{FF2B5EF4-FFF2-40B4-BE49-F238E27FC236}">
-                <a16:creationId xmlns:a16="http://schemas.microsoft.com/office/drawing/2014/main" xmlns="" id="{CFDBEC1E-5120-4D17-BA78-924EAB5814DF}"/>
+                <a16:creationId xmlns:a16="http://schemas.microsoft.com/office/drawing/2014/main" id="{CFDBEC1E-5120-4D17-BA78-924EAB5814DF}"/>
               </a:ext>
             </a:extLst>
           </p:cNvPr>
@@ -176,7 +191,7 @@
           <p:cNvPr id="3" name="副标题 2">
             <a:extLst>
               <a:ext uri="{FF2B5EF4-FFF2-40B4-BE49-F238E27FC236}">
-                <a16:creationId xmlns:a16="http://schemas.microsoft.com/office/drawing/2014/main" xmlns="" id="{D8571E82-D3FD-49A7-AE02-FB99E086E64D}"/>
+                <a16:creationId xmlns:a16="http://schemas.microsoft.com/office/drawing/2014/main" id="{D8571E82-D3FD-49A7-AE02-FB99E086E64D}"/>
               </a:ext>
             </a:extLst>
           </p:cNvPr>
@@ -246,7 +261,7 @@
           <p:cNvPr id="4" name="日期占位符 3">
             <a:extLst>
               <a:ext uri="{FF2B5EF4-FFF2-40B4-BE49-F238E27FC236}">
-                <a16:creationId xmlns:a16="http://schemas.microsoft.com/office/drawing/2014/main" xmlns="" id="{8947A308-728D-4B9E-AD19-9C189C89D536}"/>
+                <a16:creationId xmlns:a16="http://schemas.microsoft.com/office/drawing/2014/main" id="{8947A308-728D-4B9E-AD19-9C189C89D536}"/>
               </a:ext>
             </a:extLst>
           </p:cNvPr>
@@ -275,7 +290,7 @@
           <p:cNvPr id="5" name="页脚占位符 4">
             <a:extLst>
               <a:ext uri="{FF2B5EF4-FFF2-40B4-BE49-F238E27FC236}">
-                <a16:creationId xmlns:a16="http://schemas.microsoft.com/office/drawing/2014/main" xmlns="" id="{E6EE8F5B-782C-402D-A679-A834D3D6C9A8}"/>
+                <a16:creationId xmlns:a16="http://schemas.microsoft.com/office/drawing/2014/main" id="{E6EE8F5B-782C-402D-A679-A834D3D6C9A8}"/>
               </a:ext>
             </a:extLst>
           </p:cNvPr>
@@ -300,7 +315,7 @@
           <p:cNvPr id="6" name="灯片编号占位符 5">
             <a:extLst>
               <a:ext uri="{FF2B5EF4-FFF2-40B4-BE49-F238E27FC236}">
-                <a16:creationId xmlns:a16="http://schemas.microsoft.com/office/drawing/2014/main" xmlns="" id="{060A72DC-5BD5-41FA-81D3-F3226290D385}"/>
+                <a16:creationId xmlns:a16="http://schemas.microsoft.com/office/drawing/2014/main" id="{060A72DC-5BD5-41FA-81D3-F3226290D385}"/>
               </a:ext>
             </a:extLst>
           </p:cNvPr>
@@ -359,7 +374,7 @@
           <p:cNvPr id="2" name="标题 1">
             <a:extLst>
               <a:ext uri="{FF2B5EF4-FFF2-40B4-BE49-F238E27FC236}">
-                <a16:creationId xmlns:a16="http://schemas.microsoft.com/office/drawing/2014/main" xmlns="" id="{C7617C15-D648-45E3-9DA1-80851024AAB1}"/>
+                <a16:creationId xmlns:a16="http://schemas.microsoft.com/office/drawing/2014/main" id="{C7617C15-D648-45E3-9DA1-80851024AAB1}"/>
               </a:ext>
             </a:extLst>
           </p:cNvPr>
@@ -387,7 +402,7 @@
           <p:cNvPr id="3" name="竖排文字占位符 2">
             <a:extLst>
               <a:ext uri="{FF2B5EF4-FFF2-40B4-BE49-F238E27FC236}">
-                <a16:creationId xmlns:a16="http://schemas.microsoft.com/office/drawing/2014/main" xmlns="" id="{501FAC70-DC8C-4652-9723-3BF09CA09937}"/>
+                <a16:creationId xmlns:a16="http://schemas.microsoft.com/office/drawing/2014/main" id="{501FAC70-DC8C-4652-9723-3BF09CA09937}"/>
               </a:ext>
             </a:extLst>
           </p:cNvPr>
@@ -444,7 +459,7 @@
           <p:cNvPr id="4" name="日期占位符 3">
             <a:extLst>
               <a:ext uri="{FF2B5EF4-FFF2-40B4-BE49-F238E27FC236}">
-                <a16:creationId xmlns:a16="http://schemas.microsoft.com/office/drawing/2014/main" xmlns="" id="{D3F2756C-EAFC-4D97-A2DB-DF6BCC200D01}"/>
+                <a16:creationId xmlns:a16="http://schemas.microsoft.com/office/drawing/2014/main" id="{D3F2756C-EAFC-4D97-A2DB-DF6BCC200D01}"/>
               </a:ext>
             </a:extLst>
           </p:cNvPr>
@@ -473,7 +488,7 @@
           <p:cNvPr id="5" name="页脚占位符 4">
             <a:extLst>
               <a:ext uri="{FF2B5EF4-FFF2-40B4-BE49-F238E27FC236}">
-                <a16:creationId xmlns:a16="http://schemas.microsoft.com/office/drawing/2014/main" xmlns="" id="{0DCA9483-CF80-4F29-86A7-A756D84AF6CC}"/>
+                <a16:creationId xmlns:a16="http://schemas.microsoft.com/office/drawing/2014/main" id="{0DCA9483-CF80-4F29-86A7-A756D84AF6CC}"/>
               </a:ext>
             </a:extLst>
           </p:cNvPr>
@@ -498,7 +513,7 @@
           <p:cNvPr id="6" name="灯片编号占位符 5">
             <a:extLst>
               <a:ext uri="{FF2B5EF4-FFF2-40B4-BE49-F238E27FC236}">
-                <a16:creationId xmlns:a16="http://schemas.microsoft.com/office/drawing/2014/main" xmlns="" id="{FFA251D7-6007-4CEC-A252-D603CB55E754}"/>
+                <a16:creationId xmlns:a16="http://schemas.microsoft.com/office/drawing/2014/main" id="{FFA251D7-6007-4CEC-A252-D603CB55E754}"/>
               </a:ext>
             </a:extLst>
           </p:cNvPr>
@@ -557,7 +572,7 @@
           <p:cNvPr id="2" name="竖排标题 1">
             <a:extLst>
               <a:ext uri="{FF2B5EF4-FFF2-40B4-BE49-F238E27FC236}">
-                <a16:creationId xmlns:a16="http://schemas.microsoft.com/office/drawing/2014/main" xmlns="" id="{AF6C29AA-7421-4F10-AD46-55DABD6B1BC0}"/>
+                <a16:creationId xmlns:a16="http://schemas.microsoft.com/office/drawing/2014/main" id="{AF6C29AA-7421-4F10-AD46-55DABD6B1BC0}"/>
               </a:ext>
             </a:extLst>
           </p:cNvPr>
@@ -590,7 +605,7 @@
           <p:cNvPr id="3" name="竖排文字占位符 2">
             <a:extLst>
               <a:ext uri="{FF2B5EF4-FFF2-40B4-BE49-F238E27FC236}">
-                <a16:creationId xmlns:a16="http://schemas.microsoft.com/office/drawing/2014/main" xmlns="" id="{DC50F623-DBD3-482C-95AC-6105DC3AB7F4}"/>
+                <a16:creationId xmlns:a16="http://schemas.microsoft.com/office/drawing/2014/main" id="{DC50F623-DBD3-482C-95AC-6105DC3AB7F4}"/>
               </a:ext>
             </a:extLst>
           </p:cNvPr>
@@ -652,7 +667,7 @@
           <p:cNvPr id="4" name="日期占位符 3">
             <a:extLst>
               <a:ext uri="{FF2B5EF4-FFF2-40B4-BE49-F238E27FC236}">
-                <a16:creationId xmlns:a16="http://schemas.microsoft.com/office/drawing/2014/main" xmlns="" id="{E9E90DE0-E74D-47EB-933C-F5B31489092D}"/>
+                <a16:creationId xmlns:a16="http://schemas.microsoft.com/office/drawing/2014/main" id="{E9E90DE0-E74D-47EB-933C-F5B31489092D}"/>
               </a:ext>
             </a:extLst>
           </p:cNvPr>
@@ -681,7 +696,7 @@
           <p:cNvPr id="5" name="页脚占位符 4">
             <a:extLst>
               <a:ext uri="{FF2B5EF4-FFF2-40B4-BE49-F238E27FC236}">
-                <a16:creationId xmlns:a16="http://schemas.microsoft.com/office/drawing/2014/main" xmlns="" id="{89319263-96B3-4A83-BFA4-DEFF863AF6FF}"/>
+                <a16:creationId xmlns:a16="http://schemas.microsoft.com/office/drawing/2014/main" id="{89319263-96B3-4A83-BFA4-DEFF863AF6FF}"/>
               </a:ext>
             </a:extLst>
           </p:cNvPr>
@@ -706,7 +721,7 @@
           <p:cNvPr id="6" name="灯片编号占位符 5">
             <a:extLst>
               <a:ext uri="{FF2B5EF4-FFF2-40B4-BE49-F238E27FC236}">
-                <a16:creationId xmlns:a16="http://schemas.microsoft.com/office/drawing/2014/main" xmlns="" id="{2CC7AC68-844C-48CB-B561-0565CF2A7E0F}"/>
+                <a16:creationId xmlns:a16="http://schemas.microsoft.com/office/drawing/2014/main" id="{2CC7AC68-844C-48CB-B561-0565CF2A7E0F}"/>
               </a:ext>
             </a:extLst>
           </p:cNvPr>
@@ -765,7 +780,7 @@
           <p:cNvPr id="2" name="标题 1">
             <a:extLst>
               <a:ext uri="{FF2B5EF4-FFF2-40B4-BE49-F238E27FC236}">
-                <a16:creationId xmlns:a16="http://schemas.microsoft.com/office/drawing/2014/main" xmlns="" id="{BDED66CB-D6D8-4D78-A72A-D9C2521418EA}"/>
+                <a16:creationId xmlns:a16="http://schemas.microsoft.com/office/drawing/2014/main" id="{BDED66CB-D6D8-4D78-A72A-D9C2521418EA}"/>
               </a:ext>
             </a:extLst>
           </p:cNvPr>
@@ -793,7 +808,7 @@
           <p:cNvPr id="3" name="内容占位符 2">
             <a:extLst>
               <a:ext uri="{FF2B5EF4-FFF2-40B4-BE49-F238E27FC236}">
-                <a16:creationId xmlns:a16="http://schemas.microsoft.com/office/drawing/2014/main" xmlns="" id="{8718AE8D-6BBF-45B9-B0D7-77174CBFBC53}"/>
+                <a16:creationId xmlns:a16="http://schemas.microsoft.com/office/drawing/2014/main" id="{8718AE8D-6BBF-45B9-B0D7-77174CBFBC53}"/>
               </a:ext>
             </a:extLst>
           </p:cNvPr>
@@ -850,7 +865,7 @@
           <p:cNvPr id="4" name="日期占位符 3">
             <a:extLst>
               <a:ext uri="{FF2B5EF4-FFF2-40B4-BE49-F238E27FC236}">
-                <a16:creationId xmlns:a16="http://schemas.microsoft.com/office/drawing/2014/main" xmlns="" id="{C3C7BABD-957A-42B7-900F-24D6EEA21322}"/>
+                <a16:creationId xmlns:a16="http://schemas.microsoft.com/office/drawing/2014/main" id="{C3C7BABD-957A-42B7-900F-24D6EEA21322}"/>
               </a:ext>
             </a:extLst>
           </p:cNvPr>
@@ -879,7 +894,7 @@
           <p:cNvPr id="5" name="页脚占位符 4">
             <a:extLst>
               <a:ext uri="{FF2B5EF4-FFF2-40B4-BE49-F238E27FC236}">
-                <a16:creationId xmlns:a16="http://schemas.microsoft.com/office/drawing/2014/main" xmlns="" id="{2464973B-6557-480C-B8BF-A7F3D1766145}"/>
+                <a16:creationId xmlns:a16="http://schemas.microsoft.com/office/drawing/2014/main" id="{2464973B-6557-480C-B8BF-A7F3D1766145}"/>
               </a:ext>
             </a:extLst>
           </p:cNvPr>
@@ -904,7 +919,7 @@
           <p:cNvPr id="6" name="灯片编号占位符 5">
             <a:extLst>
               <a:ext uri="{FF2B5EF4-FFF2-40B4-BE49-F238E27FC236}">
-                <a16:creationId xmlns:a16="http://schemas.microsoft.com/office/drawing/2014/main" xmlns="" id="{ED7932EE-E3AB-4AAF-8A81-EBB5376E252D}"/>
+                <a16:creationId xmlns:a16="http://schemas.microsoft.com/office/drawing/2014/main" id="{ED7932EE-E3AB-4AAF-8A81-EBB5376E252D}"/>
               </a:ext>
             </a:extLst>
           </p:cNvPr>
@@ -963,7 +978,7 @@
           <p:cNvPr id="2" name="标题 1">
             <a:extLst>
               <a:ext uri="{FF2B5EF4-FFF2-40B4-BE49-F238E27FC236}">
-                <a16:creationId xmlns:a16="http://schemas.microsoft.com/office/drawing/2014/main" xmlns="" id="{637BA29A-CDFC-4911-ACAE-F621B2B63605}"/>
+                <a16:creationId xmlns:a16="http://schemas.microsoft.com/office/drawing/2014/main" id="{637BA29A-CDFC-4911-ACAE-F621B2B63605}"/>
               </a:ext>
             </a:extLst>
           </p:cNvPr>
@@ -1000,7 +1015,7 @@
           <p:cNvPr id="3" name="文本占位符 2">
             <a:extLst>
               <a:ext uri="{FF2B5EF4-FFF2-40B4-BE49-F238E27FC236}">
-                <a16:creationId xmlns:a16="http://schemas.microsoft.com/office/drawing/2014/main" xmlns="" id="{1483E88C-8F6A-4D2C-A57F-BB9965B3319D}"/>
+                <a16:creationId xmlns:a16="http://schemas.microsoft.com/office/drawing/2014/main" id="{1483E88C-8F6A-4D2C-A57F-BB9965B3319D}"/>
               </a:ext>
             </a:extLst>
           </p:cNvPr>
@@ -1125,7 +1140,7 @@
           <p:cNvPr id="4" name="日期占位符 3">
             <a:extLst>
               <a:ext uri="{FF2B5EF4-FFF2-40B4-BE49-F238E27FC236}">
-                <a16:creationId xmlns:a16="http://schemas.microsoft.com/office/drawing/2014/main" xmlns="" id="{695E6DA0-F124-4E24-B715-AF53FC6127FD}"/>
+                <a16:creationId xmlns:a16="http://schemas.microsoft.com/office/drawing/2014/main" id="{695E6DA0-F124-4E24-B715-AF53FC6127FD}"/>
               </a:ext>
             </a:extLst>
           </p:cNvPr>
@@ -1154,7 +1169,7 @@
           <p:cNvPr id="5" name="页脚占位符 4">
             <a:extLst>
               <a:ext uri="{FF2B5EF4-FFF2-40B4-BE49-F238E27FC236}">
-                <a16:creationId xmlns:a16="http://schemas.microsoft.com/office/drawing/2014/main" xmlns="" id="{D05322E8-CED6-4A5D-B672-0C78948566A5}"/>
+                <a16:creationId xmlns:a16="http://schemas.microsoft.com/office/drawing/2014/main" id="{D05322E8-CED6-4A5D-B672-0C78948566A5}"/>
               </a:ext>
             </a:extLst>
           </p:cNvPr>
@@ -1179,7 +1194,7 @@
           <p:cNvPr id="6" name="灯片编号占位符 5">
             <a:extLst>
               <a:ext uri="{FF2B5EF4-FFF2-40B4-BE49-F238E27FC236}">
-                <a16:creationId xmlns:a16="http://schemas.microsoft.com/office/drawing/2014/main" xmlns="" id="{4E44C7A4-430C-48CE-B00B-541BF8EBE4B4}"/>
+                <a16:creationId xmlns:a16="http://schemas.microsoft.com/office/drawing/2014/main" id="{4E44C7A4-430C-48CE-B00B-541BF8EBE4B4}"/>
               </a:ext>
             </a:extLst>
           </p:cNvPr>
@@ -1238,7 +1253,7 @@
           <p:cNvPr id="2" name="标题 1">
             <a:extLst>
               <a:ext uri="{FF2B5EF4-FFF2-40B4-BE49-F238E27FC236}">
-                <a16:creationId xmlns:a16="http://schemas.microsoft.com/office/drawing/2014/main" xmlns="" id="{0E00BD96-3C0F-4474-8204-A408DDC36DE8}"/>
+                <a16:creationId xmlns:a16="http://schemas.microsoft.com/office/drawing/2014/main" id="{0E00BD96-3C0F-4474-8204-A408DDC36DE8}"/>
               </a:ext>
             </a:extLst>
           </p:cNvPr>
@@ -1266,7 +1281,7 @@
           <p:cNvPr id="3" name="内容占位符 2">
             <a:extLst>
               <a:ext uri="{FF2B5EF4-FFF2-40B4-BE49-F238E27FC236}">
-                <a16:creationId xmlns:a16="http://schemas.microsoft.com/office/drawing/2014/main" xmlns="" id="{4FF3F043-C43D-4F81-80EC-7210DE26DEA6}"/>
+                <a16:creationId xmlns:a16="http://schemas.microsoft.com/office/drawing/2014/main" id="{4FF3F043-C43D-4F81-80EC-7210DE26DEA6}"/>
               </a:ext>
             </a:extLst>
           </p:cNvPr>
@@ -1328,7 +1343,7 @@
           <p:cNvPr id="4" name="内容占位符 3">
             <a:extLst>
               <a:ext uri="{FF2B5EF4-FFF2-40B4-BE49-F238E27FC236}">
-                <a16:creationId xmlns:a16="http://schemas.microsoft.com/office/drawing/2014/main" xmlns="" id="{91C97BAD-5F06-4C7B-9D08-F7A2B27C67D5}"/>
+                <a16:creationId xmlns:a16="http://schemas.microsoft.com/office/drawing/2014/main" id="{91C97BAD-5F06-4C7B-9D08-F7A2B27C67D5}"/>
               </a:ext>
             </a:extLst>
           </p:cNvPr>
@@ -1390,7 +1405,7 @@
           <p:cNvPr id="5" name="日期占位符 4">
             <a:extLst>
               <a:ext uri="{FF2B5EF4-FFF2-40B4-BE49-F238E27FC236}">
-                <a16:creationId xmlns:a16="http://schemas.microsoft.com/office/drawing/2014/main" xmlns="" id="{5C67AEE3-1AF2-4D6B-B1E3-B558625E2F87}"/>
+                <a16:creationId xmlns:a16="http://schemas.microsoft.com/office/drawing/2014/main" id="{5C67AEE3-1AF2-4D6B-B1E3-B558625E2F87}"/>
               </a:ext>
             </a:extLst>
           </p:cNvPr>
@@ -1419,7 +1434,7 @@
           <p:cNvPr id="6" name="页脚占位符 5">
             <a:extLst>
               <a:ext uri="{FF2B5EF4-FFF2-40B4-BE49-F238E27FC236}">
-                <a16:creationId xmlns:a16="http://schemas.microsoft.com/office/drawing/2014/main" xmlns="" id="{C88CB547-BC2D-4D25-8D6D-CD453276F0C2}"/>
+                <a16:creationId xmlns:a16="http://schemas.microsoft.com/office/drawing/2014/main" id="{C88CB547-BC2D-4D25-8D6D-CD453276F0C2}"/>
               </a:ext>
             </a:extLst>
           </p:cNvPr>
@@ -1444,7 +1459,7 @@
           <p:cNvPr id="7" name="灯片编号占位符 6">
             <a:extLst>
               <a:ext uri="{FF2B5EF4-FFF2-40B4-BE49-F238E27FC236}">
-                <a16:creationId xmlns:a16="http://schemas.microsoft.com/office/drawing/2014/main" xmlns="" id="{88D5228F-E646-4228-86E3-1335522B66E7}"/>
+                <a16:creationId xmlns:a16="http://schemas.microsoft.com/office/drawing/2014/main" id="{88D5228F-E646-4228-86E3-1335522B66E7}"/>
               </a:ext>
             </a:extLst>
           </p:cNvPr>
@@ -1503,7 +1518,7 @@
           <p:cNvPr id="2" name="标题 1">
             <a:extLst>
               <a:ext uri="{FF2B5EF4-FFF2-40B4-BE49-F238E27FC236}">
-                <a16:creationId xmlns:a16="http://schemas.microsoft.com/office/drawing/2014/main" xmlns="" id="{150E466F-5DD1-4031-96C8-EC80062E58A2}"/>
+                <a16:creationId xmlns:a16="http://schemas.microsoft.com/office/drawing/2014/main" id="{150E466F-5DD1-4031-96C8-EC80062E58A2}"/>
               </a:ext>
             </a:extLst>
           </p:cNvPr>
@@ -1536,7 +1551,7 @@
           <p:cNvPr id="3" name="文本占位符 2">
             <a:extLst>
               <a:ext uri="{FF2B5EF4-FFF2-40B4-BE49-F238E27FC236}">
-                <a16:creationId xmlns:a16="http://schemas.microsoft.com/office/drawing/2014/main" xmlns="" id="{F13C06CF-D68F-40DB-852E-4B2FC0375C95}"/>
+                <a16:creationId xmlns:a16="http://schemas.microsoft.com/office/drawing/2014/main" id="{F13C06CF-D68F-40DB-852E-4B2FC0375C95}"/>
               </a:ext>
             </a:extLst>
           </p:cNvPr>
@@ -1607,7 +1622,7 @@
           <p:cNvPr id="4" name="内容占位符 3">
             <a:extLst>
               <a:ext uri="{FF2B5EF4-FFF2-40B4-BE49-F238E27FC236}">
-                <a16:creationId xmlns:a16="http://schemas.microsoft.com/office/drawing/2014/main" xmlns="" id="{DD29A979-51CB-4C81-858E-AE6B64C30326}"/>
+                <a16:creationId xmlns:a16="http://schemas.microsoft.com/office/drawing/2014/main" id="{DD29A979-51CB-4C81-858E-AE6B64C30326}"/>
               </a:ext>
             </a:extLst>
           </p:cNvPr>
@@ -1669,7 +1684,7 @@
           <p:cNvPr id="5" name="文本占位符 4">
             <a:extLst>
               <a:ext uri="{FF2B5EF4-FFF2-40B4-BE49-F238E27FC236}">
-                <a16:creationId xmlns:a16="http://schemas.microsoft.com/office/drawing/2014/main" xmlns="" id="{62534E95-FA44-4794-93C5-B9643B4D84D6}"/>
+                <a16:creationId xmlns:a16="http://schemas.microsoft.com/office/drawing/2014/main" id="{62534E95-FA44-4794-93C5-B9643B4D84D6}"/>
               </a:ext>
             </a:extLst>
           </p:cNvPr>
@@ -1740,7 +1755,7 @@
           <p:cNvPr id="6" name="内容占位符 5">
             <a:extLst>
               <a:ext uri="{FF2B5EF4-FFF2-40B4-BE49-F238E27FC236}">
-                <a16:creationId xmlns:a16="http://schemas.microsoft.com/office/drawing/2014/main" xmlns="" id="{7B7E2DA2-3BB9-4134-81C9-336398556C11}"/>
+                <a16:creationId xmlns:a16="http://schemas.microsoft.com/office/drawing/2014/main" id="{7B7E2DA2-3BB9-4134-81C9-336398556C11}"/>
               </a:ext>
             </a:extLst>
           </p:cNvPr>
@@ -1802,7 +1817,7 @@
           <p:cNvPr id="7" name="日期占位符 6">
             <a:extLst>
               <a:ext uri="{FF2B5EF4-FFF2-40B4-BE49-F238E27FC236}">
-                <a16:creationId xmlns:a16="http://schemas.microsoft.com/office/drawing/2014/main" xmlns="" id="{C525979D-1E5C-4DEB-8423-46C7FFB30A5C}"/>
+                <a16:creationId xmlns:a16="http://schemas.microsoft.com/office/drawing/2014/main" id="{C525979D-1E5C-4DEB-8423-46C7FFB30A5C}"/>
               </a:ext>
             </a:extLst>
           </p:cNvPr>
@@ -1831,7 +1846,7 @@
           <p:cNvPr id="8" name="页脚占位符 7">
             <a:extLst>
               <a:ext uri="{FF2B5EF4-FFF2-40B4-BE49-F238E27FC236}">
-                <a16:creationId xmlns:a16="http://schemas.microsoft.com/office/drawing/2014/main" xmlns="" id="{200F9938-8011-44B1-A112-3C1B64D01909}"/>
+                <a16:creationId xmlns:a16="http://schemas.microsoft.com/office/drawing/2014/main" id="{200F9938-8011-44B1-A112-3C1B64D01909}"/>
               </a:ext>
             </a:extLst>
           </p:cNvPr>
@@ -1856,7 +1871,7 @@
           <p:cNvPr id="9" name="灯片编号占位符 8">
             <a:extLst>
               <a:ext uri="{FF2B5EF4-FFF2-40B4-BE49-F238E27FC236}">
-                <a16:creationId xmlns:a16="http://schemas.microsoft.com/office/drawing/2014/main" xmlns="" id="{4A822F2E-1845-4A20-82F4-5E35FC89C115}"/>
+                <a16:creationId xmlns:a16="http://schemas.microsoft.com/office/drawing/2014/main" id="{4A822F2E-1845-4A20-82F4-5E35FC89C115}"/>
               </a:ext>
             </a:extLst>
           </p:cNvPr>
@@ -1915,7 +1930,7 @@
           <p:cNvPr id="2" name="标题 1">
             <a:extLst>
               <a:ext uri="{FF2B5EF4-FFF2-40B4-BE49-F238E27FC236}">
-                <a16:creationId xmlns:a16="http://schemas.microsoft.com/office/drawing/2014/main" xmlns="" id="{BDE8D87F-0E49-429F-AC3C-3C5AF1D5068E}"/>
+                <a16:creationId xmlns:a16="http://schemas.microsoft.com/office/drawing/2014/main" id="{BDE8D87F-0E49-429F-AC3C-3C5AF1D5068E}"/>
               </a:ext>
             </a:extLst>
           </p:cNvPr>
@@ -1943,7 +1958,7 @@
           <p:cNvPr id="3" name="日期占位符 2">
             <a:extLst>
               <a:ext uri="{FF2B5EF4-FFF2-40B4-BE49-F238E27FC236}">
-                <a16:creationId xmlns:a16="http://schemas.microsoft.com/office/drawing/2014/main" xmlns="" id="{CB3BCA71-A0D6-49B8-9432-108E4271E51D}"/>
+                <a16:creationId xmlns:a16="http://schemas.microsoft.com/office/drawing/2014/main" id="{CB3BCA71-A0D6-49B8-9432-108E4271E51D}"/>
               </a:ext>
             </a:extLst>
           </p:cNvPr>
@@ -1972,7 +1987,7 @@
           <p:cNvPr id="4" name="页脚占位符 3">
             <a:extLst>
               <a:ext uri="{FF2B5EF4-FFF2-40B4-BE49-F238E27FC236}">
-                <a16:creationId xmlns:a16="http://schemas.microsoft.com/office/drawing/2014/main" xmlns="" id="{6455F210-738E-4D3B-8E93-E50DE7DAC21F}"/>
+                <a16:creationId xmlns:a16="http://schemas.microsoft.com/office/drawing/2014/main" id="{6455F210-738E-4D3B-8E93-E50DE7DAC21F}"/>
               </a:ext>
             </a:extLst>
           </p:cNvPr>
@@ -1997,7 +2012,7 @@
           <p:cNvPr id="5" name="灯片编号占位符 4">
             <a:extLst>
               <a:ext uri="{FF2B5EF4-FFF2-40B4-BE49-F238E27FC236}">
-                <a16:creationId xmlns:a16="http://schemas.microsoft.com/office/drawing/2014/main" xmlns="" id="{D3A831FA-5F84-4ACB-81F0-AC08853F69DB}"/>
+                <a16:creationId xmlns:a16="http://schemas.microsoft.com/office/drawing/2014/main" id="{D3A831FA-5F84-4ACB-81F0-AC08853F69DB}"/>
               </a:ext>
             </a:extLst>
           </p:cNvPr>
@@ -2056,7 +2071,7 @@
           <p:cNvPr id="2" name="日期占位符 1">
             <a:extLst>
               <a:ext uri="{FF2B5EF4-FFF2-40B4-BE49-F238E27FC236}">
-                <a16:creationId xmlns:a16="http://schemas.microsoft.com/office/drawing/2014/main" xmlns="" id="{85F2274F-0AEE-49AE-9B8F-4D65AC42DF29}"/>
+                <a16:creationId xmlns:a16="http://schemas.microsoft.com/office/drawing/2014/main" id="{85F2274F-0AEE-49AE-9B8F-4D65AC42DF29}"/>
               </a:ext>
             </a:extLst>
           </p:cNvPr>
@@ -2085,7 +2100,7 @@
           <p:cNvPr id="3" name="页脚占位符 2">
             <a:extLst>
               <a:ext uri="{FF2B5EF4-FFF2-40B4-BE49-F238E27FC236}">
-                <a16:creationId xmlns:a16="http://schemas.microsoft.com/office/drawing/2014/main" xmlns="" id="{342EF080-CC43-4CDB-B528-5D779562CA9A}"/>
+                <a16:creationId xmlns:a16="http://schemas.microsoft.com/office/drawing/2014/main" id="{342EF080-CC43-4CDB-B528-5D779562CA9A}"/>
               </a:ext>
             </a:extLst>
           </p:cNvPr>
@@ -2110,7 +2125,7 @@
           <p:cNvPr id="4" name="灯片编号占位符 3">
             <a:extLst>
               <a:ext uri="{FF2B5EF4-FFF2-40B4-BE49-F238E27FC236}">
-                <a16:creationId xmlns:a16="http://schemas.microsoft.com/office/drawing/2014/main" xmlns="" id="{DB748072-4CF5-413B-89FD-1E074A4F632C}"/>
+                <a16:creationId xmlns:a16="http://schemas.microsoft.com/office/drawing/2014/main" id="{DB748072-4CF5-413B-89FD-1E074A4F632C}"/>
               </a:ext>
             </a:extLst>
           </p:cNvPr>
@@ -2169,7 +2184,7 @@
           <p:cNvPr id="2" name="标题 1">
             <a:extLst>
               <a:ext uri="{FF2B5EF4-FFF2-40B4-BE49-F238E27FC236}">
-                <a16:creationId xmlns:a16="http://schemas.microsoft.com/office/drawing/2014/main" xmlns="" id="{255843E6-CFA6-4EE1-A4AB-56EFAB873C71}"/>
+                <a16:creationId xmlns:a16="http://schemas.microsoft.com/office/drawing/2014/main" id="{255843E6-CFA6-4EE1-A4AB-56EFAB873C71}"/>
               </a:ext>
             </a:extLst>
           </p:cNvPr>
@@ -2206,7 +2221,7 @@
           <p:cNvPr id="3" name="内容占位符 2">
             <a:extLst>
               <a:ext uri="{FF2B5EF4-FFF2-40B4-BE49-F238E27FC236}">
-                <a16:creationId xmlns:a16="http://schemas.microsoft.com/office/drawing/2014/main" xmlns="" id="{0D1E8D95-E11F-47A3-A8A4-DE14FCAE08F6}"/>
+                <a16:creationId xmlns:a16="http://schemas.microsoft.com/office/drawing/2014/main" id="{0D1E8D95-E11F-47A3-A8A4-DE14FCAE08F6}"/>
               </a:ext>
             </a:extLst>
           </p:cNvPr>
@@ -2296,7 +2311,7 @@
           <p:cNvPr id="4" name="文本占位符 3">
             <a:extLst>
               <a:ext uri="{FF2B5EF4-FFF2-40B4-BE49-F238E27FC236}">
-                <a16:creationId xmlns:a16="http://schemas.microsoft.com/office/drawing/2014/main" xmlns="" id="{C3B537E8-DAA5-4F62-B533-3104A04B7A1B}"/>
+                <a16:creationId xmlns:a16="http://schemas.microsoft.com/office/drawing/2014/main" id="{C3B537E8-DAA5-4F62-B533-3104A04B7A1B}"/>
               </a:ext>
             </a:extLst>
           </p:cNvPr>
@@ -2367,7 +2382,7 @@
           <p:cNvPr id="5" name="日期占位符 4">
             <a:extLst>
               <a:ext uri="{FF2B5EF4-FFF2-40B4-BE49-F238E27FC236}">
-                <a16:creationId xmlns:a16="http://schemas.microsoft.com/office/drawing/2014/main" xmlns="" id="{366B5DC6-23B0-4D2F-8417-8B58E1512EFD}"/>
+                <a16:creationId xmlns:a16="http://schemas.microsoft.com/office/drawing/2014/main" id="{366B5DC6-23B0-4D2F-8417-8B58E1512EFD}"/>
               </a:ext>
             </a:extLst>
           </p:cNvPr>
@@ -2396,7 +2411,7 @@
           <p:cNvPr id="6" name="页脚占位符 5">
             <a:extLst>
               <a:ext uri="{FF2B5EF4-FFF2-40B4-BE49-F238E27FC236}">
-                <a16:creationId xmlns:a16="http://schemas.microsoft.com/office/drawing/2014/main" xmlns="" id="{CD6C2D68-8671-404A-BF41-D6C755B976E5}"/>
+                <a16:creationId xmlns:a16="http://schemas.microsoft.com/office/drawing/2014/main" id="{CD6C2D68-8671-404A-BF41-D6C755B976E5}"/>
               </a:ext>
             </a:extLst>
           </p:cNvPr>
@@ -2421,7 +2436,7 @@
           <p:cNvPr id="7" name="灯片编号占位符 6">
             <a:extLst>
               <a:ext uri="{FF2B5EF4-FFF2-40B4-BE49-F238E27FC236}">
-                <a16:creationId xmlns:a16="http://schemas.microsoft.com/office/drawing/2014/main" xmlns="" id="{8142BC3D-6D42-46F8-8988-1A3F99940F8C}"/>
+                <a16:creationId xmlns:a16="http://schemas.microsoft.com/office/drawing/2014/main" id="{8142BC3D-6D42-46F8-8988-1A3F99940F8C}"/>
               </a:ext>
             </a:extLst>
           </p:cNvPr>
@@ -2480,7 +2495,7 @@
           <p:cNvPr id="2" name="标题 1">
             <a:extLst>
               <a:ext uri="{FF2B5EF4-FFF2-40B4-BE49-F238E27FC236}">
-                <a16:creationId xmlns:a16="http://schemas.microsoft.com/office/drawing/2014/main" xmlns="" id="{08D23EEE-A04D-4475-B03B-4B4375242003}"/>
+                <a16:creationId xmlns:a16="http://schemas.microsoft.com/office/drawing/2014/main" id="{08D23EEE-A04D-4475-B03B-4B4375242003}"/>
               </a:ext>
             </a:extLst>
           </p:cNvPr>
@@ -2517,7 +2532,7 @@
           <p:cNvPr id="3" name="图片占位符 2">
             <a:extLst>
               <a:ext uri="{FF2B5EF4-FFF2-40B4-BE49-F238E27FC236}">
-                <a16:creationId xmlns:a16="http://schemas.microsoft.com/office/drawing/2014/main" xmlns="" id="{8DD4E027-B1D0-4D9B-A3B5-BDC53A2EB46A}"/>
+                <a16:creationId xmlns:a16="http://schemas.microsoft.com/office/drawing/2014/main" id="{8DD4E027-B1D0-4D9B-A3B5-BDC53A2EB46A}"/>
               </a:ext>
             </a:extLst>
           </p:cNvPr>
@@ -2584,7 +2599,7 @@
           <p:cNvPr id="4" name="文本占位符 3">
             <a:extLst>
               <a:ext uri="{FF2B5EF4-FFF2-40B4-BE49-F238E27FC236}">
-                <a16:creationId xmlns:a16="http://schemas.microsoft.com/office/drawing/2014/main" xmlns="" id="{29A1BA51-1E2C-4D2E-97F6-C4DAC437C780}"/>
+                <a16:creationId xmlns:a16="http://schemas.microsoft.com/office/drawing/2014/main" id="{29A1BA51-1E2C-4D2E-97F6-C4DAC437C780}"/>
               </a:ext>
             </a:extLst>
           </p:cNvPr>
@@ -2655,7 +2670,7 @@
           <p:cNvPr id="5" name="日期占位符 4">
             <a:extLst>
               <a:ext uri="{FF2B5EF4-FFF2-40B4-BE49-F238E27FC236}">
-                <a16:creationId xmlns:a16="http://schemas.microsoft.com/office/drawing/2014/main" xmlns="" id="{C8F6E0ED-9A88-4A38-8171-CF163859304D}"/>
+                <a16:creationId xmlns:a16="http://schemas.microsoft.com/office/drawing/2014/main" id="{C8F6E0ED-9A88-4A38-8171-CF163859304D}"/>
               </a:ext>
             </a:extLst>
           </p:cNvPr>
@@ -2684,7 +2699,7 @@
           <p:cNvPr id="6" name="页脚占位符 5">
             <a:extLst>
               <a:ext uri="{FF2B5EF4-FFF2-40B4-BE49-F238E27FC236}">
-                <a16:creationId xmlns:a16="http://schemas.microsoft.com/office/drawing/2014/main" xmlns="" id="{41409E58-B8D4-4C9F-9B92-C7F47FF89037}"/>
+                <a16:creationId xmlns:a16="http://schemas.microsoft.com/office/drawing/2014/main" id="{41409E58-B8D4-4C9F-9B92-C7F47FF89037}"/>
               </a:ext>
             </a:extLst>
           </p:cNvPr>
@@ -2709,7 +2724,7 @@
           <p:cNvPr id="7" name="灯片编号占位符 6">
             <a:extLst>
               <a:ext uri="{FF2B5EF4-FFF2-40B4-BE49-F238E27FC236}">
-                <a16:creationId xmlns:a16="http://schemas.microsoft.com/office/drawing/2014/main" xmlns="" id="{F08926A0-CD08-44A0-8016-C0546C701CF2}"/>
+                <a16:creationId xmlns:a16="http://schemas.microsoft.com/office/drawing/2014/main" id="{F08926A0-CD08-44A0-8016-C0546C701CF2}"/>
               </a:ext>
             </a:extLst>
           </p:cNvPr>
@@ -2773,7 +2788,7 @@
           <p:cNvPr id="2" name="标题占位符 1">
             <a:extLst>
               <a:ext uri="{FF2B5EF4-FFF2-40B4-BE49-F238E27FC236}">
-                <a16:creationId xmlns:a16="http://schemas.microsoft.com/office/drawing/2014/main" xmlns="" id="{5C2BA416-A5D4-4B24-BB65-555CEB7747AF}"/>
+                <a16:creationId xmlns:a16="http://schemas.microsoft.com/office/drawing/2014/main" id="{5C2BA416-A5D4-4B24-BB65-555CEB7747AF}"/>
               </a:ext>
             </a:extLst>
           </p:cNvPr>
@@ -2811,7 +2826,7 @@
           <p:cNvPr id="3" name="文本占位符 2">
             <a:extLst>
               <a:ext uri="{FF2B5EF4-FFF2-40B4-BE49-F238E27FC236}">
-                <a16:creationId xmlns:a16="http://schemas.microsoft.com/office/drawing/2014/main" xmlns="" id="{783DA2D0-478E-492C-8D63-C6199E1CA294}"/>
+                <a16:creationId xmlns:a16="http://schemas.microsoft.com/office/drawing/2014/main" id="{783DA2D0-478E-492C-8D63-C6199E1CA294}"/>
               </a:ext>
             </a:extLst>
           </p:cNvPr>
@@ -2878,7 +2893,7 @@
           <p:cNvPr id="4" name="日期占位符 3">
             <a:extLst>
               <a:ext uri="{FF2B5EF4-FFF2-40B4-BE49-F238E27FC236}">
-                <a16:creationId xmlns:a16="http://schemas.microsoft.com/office/drawing/2014/main" xmlns="" id="{8A6AFEEB-3147-4ACB-8583-75B0E772BAD0}"/>
+                <a16:creationId xmlns:a16="http://schemas.microsoft.com/office/drawing/2014/main" id="{8A6AFEEB-3147-4ACB-8583-75B0E772BAD0}"/>
               </a:ext>
             </a:extLst>
           </p:cNvPr>
@@ -2925,7 +2940,7 @@
           <p:cNvPr id="5" name="页脚占位符 4">
             <a:extLst>
               <a:ext uri="{FF2B5EF4-FFF2-40B4-BE49-F238E27FC236}">
-                <a16:creationId xmlns:a16="http://schemas.microsoft.com/office/drawing/2014/main" xmlns="" id="{8074FD56-2384-4980-8EE4-5C57B4092060}"/>
+                <a16:creationId xmlns:a16="http://schemas.microsoft.com/office/drawing/2014/main" id="{8074FD56-2384-4980-8EE4-5C57B4092060}"/>
               </a:ext>
             </a:extLst>
           </p:cNvPr>
@@ -2968,7 +2983,7 @@
           <p:cNvPr id="6" name="灯片编号占位符 5">
             <a:extLst>
               <a:ext uri="{FF2B5EF4-FFF2-40B4-BE49-F238E27FC236}">
-                <a16:creationId xmlns:a16="http://schemas.microsoft.com/office/drawing/2014/main" xmlns="" id="{275747C1-D251-4731-8BCA-4016A91A7641}"/>
+                <a16:creationId xmlns:a16="http://schemas.microsoft.com/office/drawing/2014/main" id="{275747C1-D251-4731-8BCA-4016A91A7641}"/>
               </a:ext>
             </a:extLst>
           </p:cNvPr>
@@ -3336,7 +3351,7 @@
           <p:cNvPr id="2" name="标题 1">
             <a:extLst>
               <a:ext uri="{FF2B5EF4-FFF2-40B4-BE49-F238E27FC236}">
-                <a16:creationId xmlns:a16="http://schemas.microsoft.com/office/drawing/2014/main" xmlns="" id="{95079543-BACE-480C-B25E-A0AD58BB7761}"/>
+                <a16:creationId xmlns:a16="http://schemas.microsoft.com/office/drawing/2014/main" id="{95079543-BACE-480C-B25E-A0AD58BB7761}"/>
               </a:ext>
             </a:extLst>
           </p:cNvPr>
@@ -3374,6 +3389,1062 @@
   <p:clrMapOvr>
     <a:masterClrMapping/>
   </p:clrMapOvr>
+</p:sld>
+</file>
+
+<file path=ppt/slides/slide10.xml><?xml version="1.0" encoding="utf-8"?>
+<p:sld xmlns:a="http://schemas.openxmlformats.org/drawingml/2006/main" xmlns:r="http://schemas.openxmlformats.org/officeDocument/2006/relationships" xmlns:p="http://schemas.openxmlformats.org/presentationml/2006/main">
+  <p:cSld>
+    <p:spTree>
+      <p:nvGrpSpPr>
+        <p:cNvPr id="1" name=""/>
+        <p:cNvGrpSpPr/>
+        <p:nvPr/>
+      </p:nvGrpSpPr>
+      <p:grpSpPr>
+        <a:xfrm>
+          <a:off x="0" y="0"/>
+          <a:ext cx="0" cy="0"/>
+          <a:chOff x="0" y="0"/>
+          <a:chExt cx="0" cy="0"/>
+        </a:xfrm>
+      </p:grpSpPr>
+      <p:sp>
+        <p:nvSpPr>
+          <p:cNvPr id="2" name="标题 1">
+            <a:extLst>
+              <a:ext uri="{FF2B5EF4-FFF2-40B4-BE49-F238E27FC236}">
+                <a16:creationId xmlns:a16="http://schemas.microsoft.com/office/drawing/2014/main" id="{1B0E31AD-0856-4967-BA45-E9147D356A62}"/>
+              </a:ext>
+            </a:extLst>
+          </p:cNvPr>
+          <p:cNvSpPr>
+            <a:spLocks noGrp="1"/>
+          </p:cNvSpPr>
+          <p:nvPr>
+            <p:ph type="title"/>
+          </p:nvPr>
+        </p:nvSpPr>
+        <p:spPr>
+          <a:xfrm>
+            <a:off x="838200" y="365125"/>
+            <a:ext cx="4361116" cy="1591266"/>
+          </a:xfrm>
+        </p:spPr>
+        <p:txBody>
+          <a:bodyPr>
+            <a:normAutofit fontScale="90000"/>
+          </a:bodyPr>
+          <a:lstStyle/>
+          <a:p>
+            <a:r>
+              <a:rPr lang="zh-CN" altLang="en-US" dirty="0"/>
+              <a:t>文件的上传与下载</a:t>
+            </a:r>
+            <a:br>
+              <a:rPr lang="en-US" altLang="zh-CN" dirty="0"/>
+            </a:br>
+            <a:endParaRPr lang="zh-CN" altLang="en-US" dirty="0"/>
+          </a:p>
+        </p:txBody>
+      </p:sp>
+      <p:sp>
+        <p:nvSpPr>
+          <p:cNvPr id="4" name="矩形 3"/>
+          <p:cNvSpPr/>
+          <p:nvPr/>
+        </p:nvSpPr>
+        <p:spPr>
+          <a:xfrm>
+            <a:off x="2205317" y="2086984"/>
+            <a:ext cx="1893346" cy="1118795"/>
+          </a:xfrm>
+          <a:prstGeom prst="rect">
+            <a:avLst/>
+          </a:prstGeom>
+        </p:spPr>
+        <p:style>
+          <a:lnRef idx="2">
+            <a:schemeClr val="dk1"/>
+          </a:lnRef>
+          <a:fillRef idx="1">
+            <a:schemeClr val="lt1"/>
+          </a:fillRef>
+          <a:effectRef idx="0">
+            <a:schemeClr val="dk1"/>
+          </a:effectRef>
+          <a:fontRef idx="minor">
+            <a:schemeClr val="dk1"/>
+          </a:fontRef>
+        </p:style>
+        <p:txBody>
+          <a:bodyPr rtlCol="0" anchor="ctr"/>
+          <a:lstStyle/>
+          <a:p>
+            <a:pPr algn="ctr"/>
+            <a:r>
+              <a:rPr lang="zh-CN" altLang="en-US" sz="2800" dirty="0"/>
+              <a:t>加密模块</a:t>
+            </a:r>
+          </a:p>
+        </p:txBody>
+      </p:sp>
+      <p:sp>
+        <p:nvSpPr>
+          <p:cNvPr id="5" name="矩形 4"/>
+          <p:cNvSpPr/>
+          <p:nvPr/>
+        </p:nvSpPr>
+        <p:spPr>
+          <a:xfrm>
+            <a:off x="2205317" y="4003637"/>
+            <a:ext cx="1893346" cy="1118795"/>
+          </a:xfrm>
+          <a:prstGeom prst="rect">
+            <a:avLst/>
+          </a:prstGeom>
+        </p:spPr>
+        <p:style>
+          <a:lnRef idx="2">
+            <a:schemeClr val="dk1"/>
+          </a:lnRef>
+          <a:fillRef idx="1">
+            <a:schemeClr val="lt1"/>
+          </a:fillRef>
+          <a:effectRef idx="0">
+            <a:schemeClr val="dk1"/>
+          </a:effectRef>
+          <a:fontRef idx="minor">
+            <a:schemeClr val="dk1"/>
+          </a:fontRef>
+        </p:style>
+        <p:txBody>
+          <a:bodyPr rtlCol="0" anchor="ctr"/>
+          <a:lstStyle/>
+          <a:p>
+            <a:pPr algn="ctr"/>
+            <a:r>
+              <a:rPr lang="zh-CN" altLang="en-US" sz="2800" dirty="0"/>
+              <a:t>传输模块</a:t>
+            </a:r>
+          </a:p>
+        </p:txBody>
+      </p:sp>
+      <p:sp>
+        <p:nvSpPr>
+          <p:cNvPr id="6" name="矩形 5"/>
+          <p:cNvSpPr/>
+          <p:nvPr/>
+        </p:nvSpPr>
+        <p:spPr>
+          <a:xfrm>
+            <a:off x="8333074" y="3293633"/>
+            <a:ext cx="1893346" cy="1118795"/>
+          </a:xfrm>
+          <a:prstGeom prst="rect">
+            <a:avLst/>
+          </a:prstGeom>
+        </p:spPr>
+        <p:style>
+          <a:lnRef idx="2">
+            <a:schemeClr val="dk1"/>
+          </a:lnRef>
+          <a:fillRef idx="1">
+            <a:schemeClr val="lt1"/>
+          </a:fillRef>
+          <a:effectRef idx="0">
+            <a:schemeClr val="dk1"/>
+          </a:effectRef>
+          <a:fontRef idx="minor">
+            <a:schemeClr val="dk1"/>
+          </a:fontRef>
+        </p:style>
+        <p:txBody>
+          <a:bodyPr rtlCol="0" anchor="ctr"/>
+          <a:lstStyle/>
+          <a:p>
+            <a:pPr algn="ctr"/>
+            <a:r>
+              <a:rPr lang="zh-CN" altLang="en-US" sz="2800" dirty="0"/>
+              <a:t>存储模块</a:t>
+            </a:r>
+          </a:p>
+        </p:txBody>
+      </p:sp>
+      <p:sp>
+        <p:nvSpPr>
+          <p:cNvPr id="8" name="矩形 7"/>
+          <p:cNvSpPr/>
+          <p:nvPr/>
+        </p:nvSpPr>
+        <p:spPr>
+          <a:xfrm>
+            <a:off x="5307107" y="5873676"/>
+            <a:ext cx="1502484" cy="785308"/>
+          </a:xfrm>
+          <a:prstGeom prst="rect">
+            <a:avLst/>
+          </a:prstGeom>
+        </p:spPr>
+        <p:style>
+          <a:lnRef idx="2">
+            <a:schemeClr val="dk1"/>
+          </a:lnRef>
+          <a:fillRef idx="1">
+            <a:schemeClr val="lt1"/>
+          </a:fillRef>
+          <a:effectRef idx="0">
+            <a:schemeClr val="dk1"/>
+          </a:effectRef>
+          <a:fontRef idx="minor">
+            <a:schemeClr val="dk1"/>
+          </a:fontRef>
+        </p:style>
+        <p:txBody>
+          <a:bodyPr rtlCol="0" anchor="ctr"/>
+          <a:lstStyle/>
+          <a:p>
+            <a:pPr algn="ctr"/>
+            <a:r>
+              <a:rPr lang="zh-CN" altLang="en-US" sz="2800" dirty="0"/>
+              <a:t>服务端</a:t>
+            </a:r>
+          </a:p>
+        </p:txBody>
+      </p:sp>
+      <p:sp>
+        <p:nvSpPr>
+          <p:cNvPr id="35" name="矩形 34">
+            <a:extLst>
+              <a:ext uri="{FF2B5EF4-FFF2-40B4-BE49-F238E27FC236}">
+                <a16:creationId xmlns:a16="http://schemas.microsoft.com/office/drawing/2014/main" id="{0AA2D357-8EAD-416D-AE0D-A0647F45FFDB}"/>
+              </a:ext>
+            </a:extLst>
+          </p:cNvPr>
+          <p:cNvSpPr/>
+          <p:nvPr/>
+        </p:nvSpPr>
+        <p:spPr>
+          <a:xfrm>
+            <a:off x="5307107" y="462236"/>
+            <a:ext cx="1502484" cy="792480"/>
+          </a:xfrm>
+          <a:prstGeom prst="rect">
+            <a:avLst/>
+          </a:prstGeom>
+        </p:spPr>
+        <p:style>
+          <a:lnRef idx="2">
+            <a:schemeClr val="dk1"/>
+          </a:lnRef>
+          <a:fillRef idx="1">
+            <a:schemeClr val="lt1"/>
+          </a:fillRef>
+          <a:effectRef idx="0">
+            <a:schemeClr val="dk1"/>
+          </a:effectRef>
+          <a:fontRef idx="minor">
+            <a:schemeClr val="dk1"/>
+          </a:fontRef>
+        </p:style>
+        <p:txBody>
+          <a:bodyPr rtlCol="0" anchor="ctr"/>
+          <a:lstStyle/>
+          <a:p>
+            <a:pPr algn="ctr"/>
+            <a:r>
+              <a:rPr lang="zh-CN" altLang="en-US" sz="2800" dirty="0"/>
+              <a:t>客户端</a:t>
+            </a:r>
+          </a:p>
+        </p:txBody>
+      </p:sp>
+      <p:cxnSp>
+        <p:nvCxnSpPr>
+          <p:cNvPr id="9" name="直接箭头连接符 8">
+            <a:extLst>
+              <a:ext uri="{FF2B5EF4-FFF2-40B4-BE49-F238E27FC236}">
+                <a16:creationId xmlns:a16="http://schemas.microsoft.com/office/drawing/2014/main" id="{09EBC45B-E790-46A7-9C60-53A3749F908E}"/>
+              </a:ext>
+            </a:extLst>
+          </p:cNvPr>
+          <p:cNvCxnSpPr>
+            <a:cxnSpLocks/>
+            <a:stCxn id="35" idx="2"/>
+            <a:endCxn id="4" idx="0"/>
+          </p:cNvCxnSpPr>
+          <p:nvPr/>
+        </p:nvCxnSpPr>
+        <p:spPr>
+          <a:xfrm flipH="1">
+            <a:off x="3151990" y="1254716"/>
+            <a:ext cx="2906359" cy="832268"/>
+          </a:xfrm>
+          <a:prstGeom prst="straightConnector1">
+            <a:avLst/>
+          </a:prstGeom>
+          <a:ln w="50800">
+            <a:tailEnd type="triangle"/>
+          </a:ln>
+        </p:spPr>
+        <p:style>
+          <a:lnRef idx="1">
+            <a:schemeClr val="accent1"/>
+          </a:lnRef>
+          <a:fillRef idx="0">
+            <a:schemeClr val="accent1"/>
+          </a:fillRef>
+          <a:effectRef idx="0">
+            <a:schemeClr val="accent1"/>
+          </a:effectRef>
+          <a:fontRef idx="minor">
+            <a:schemeClr val="tx1"/>
+          </a:fontRef>
+        </p:style>
+      </p:cxnSp>
+      <p:cxnSp>
+        <p:nvCxnSpPr>
+          <p:cNvPr id="15" name="直接箭头连接符 14">
+            <a:extLst>
+              <a:ext uri="{FF2B5EF4-FFF2-40B4-BE49-F238E27FC236}">
+                <a16:creationId xmlns:a16="http://schemas.microsoft.com/office/drawing/2014/main" id="{EB6077E2-656A-4F1E-9658-0F617E450CCD}"/>
+              </a:ext>
+            </a:extLst>
+          </p:cNvPr>
+          <p:cNvCxnSpPr>
+            <a:stCxn id="4" idx="3"/>
+            <a:endCxn id="35" idx="2"/>
+          </p:cNvCxnSpPr>
+          <p:nvPr/>
+        </p:nvCxnSpPr>
+        <p:spPr>
+          <a:xfrm flipV="1">
+            <a:off x="4098663" y="1254716"/>
+            <a:ext cx="1959686" cy="1391666"/>
+          </a:xfrm>
+          <a:prstGeom prst="straightConnector1">
+            <a:avLst/>
+          </a:prstGeom>
+          <a:ln w="50800">
+            <a:tailEnd type="triangle"/>
+          </a:ln>
+        </p:spPr>
+        <p:style>
+          <a:lnRef idx="1">
+            <a:schemeClr val="accent1"/>
+          </a:lnRef>
+          <a:fillRef idx="0">
+            <a:schemeClr val="accent1"/>
+          </a:fillRef>
+          <a:effectRef idx="0">
+            <a:schemeClr val="accent1"/>
+          </a:effectRef>
+          <a:fontRef idx="minor">
+            <a:schemeClr val="tx1"/>
+          </a:fontRef>
+        </p:style>
+      </p:cxnSp>
+      <p:cxnSp>
+        <p:nvCxnSpPr>
+          <p:cNvPr id="20" name="直接箭头连接符 19">
+            <a:extLst>
+              <a:ext uri="{FF2B5EF4-FFF2-40B4-BE49-F238E27FC236}">
+                <a16:creationId xmlns:a16="http://schemas.microsoft.com/office/drawing/2014/main" id="{12F3992F-C44C-480E-8789-46E566F17B64}"/>
+              </a:ext>
+            </a:extLst>
+          </p:cNvPr>
+          <p:cNvCxnSpPr>
+            <a:cxnSpLocks/>
+            <a:stCxn id="35" idx="2"/>
+            <a:endCxn id="8" idx="0"/>
+          </p:cNvCxnSpPr>
+          <p:nvPr/>
+        </p:nvCxnSpPr>
+        <p:spPr>
+          <a:xfrm>
+            <a:off x="6058349" y="1254716"/>
+            <a:ext cx="0" cy="4618960"/>
+          </a:xfrm>
+          <a:prstGeom prst="straightConnector1">
+            <a:avLst/>
+          </a:prstGeom>
+          <a:ln w="50800">
+            <a:tailEnd type="triangle"/>
+          </a:ln>
+        </p:spPr>
+        <p:style>
+          <a:lnRef idx="1">
+            <a:schemeClr val="accent1"/>
+          </a:lnRef>
+          <a:fillRef idx="0">
+            <a:schemeClr val="accent1"/>
+          </a:fillRef>
+          <a:effectRef idx="0">
+            <a:schemeClr val="accent1"/>
+          </a:effectRef>
+          <a:fontRef idx="minor">
+            <a:schemeClr val="tx1"/>
+          </a:fontRef>
+        </p:style>
+      </p:cxnSp>
+      <p:cxnSp>
+        <p:nvCxnSpPr>
+          <p:cNvPr id="24" name="直接箭头连接符 23">
+            <a:extLst>
+              <a:ext uri="{FF2B5EF4-FFF2-40B4-BE49-F238E27FC236}">
+                <a16:creationId xmlns:a16="http://schemas.microsoft.com/office/drawing/2014/main" id="{98D2B1D8-6E76-4DBC-9B2D-A2C23A499464}"/>
+              </a:ext>
+            </a:extLst>
+          </p:cNvPr>
+          <p:cNvCxnSpPr>
+            <a:cxnSpLocks/>
+            <a:stCxn id="8" idx="1"/>
+            <a:endCxn id="4" idx="2"/>
+          </p:cNvCxnSpPr>
+          <p:nvPr/>
+        </p:nvCxnSpPr>
+        <p:spPr>
+          <a:xfrm flipH="1" flipV="1">
+            <a:off x="3151990" y="3205779"/>
+            <a:ext cx="2155117" cy="3060551"/>
+          </a:xfrm>
+          <a:prstGeom prst="straightConnector1">
+            <a:avLst/>
+          </a:prstGeom>
+          <a:ln w="50800">
+            <a:tailEnd type="triangle"/>
+          </a:ln>
+        </p:spPr>
+        <p:style>
+          <a:lnRef idx="1">
+            <a:schemeClr val="accent1"/>
+          </a:lnRef>
+          <a:fillRef idx="0">
+            <a:schemeClr val="accent1"/>
+          </a:fillRef>
+          <a:effectRef idx="0">
+            <a:schemeClr val="accent1"/>
+          </a:effectRef>
+          <a:fontRef idx="minor">
+            <a:schemeClr val="tx1"/>
+          </a:fontRef>
+        </p:style>
+      </p:cxnSp>
+      <p:cxnSp>
+        <p:nvCxnSpPr>
+          <p:cNvPr id="27" name="直接箭头连接符 26">
+            <a:extLst>
+              <a:ext uri="{FF2B5EF4-FFF2-40B4-BE49-F238E27FC236}">
+                <a16:creationId xmlns:a16="http://schemas.microsoft.com/office/drawing/2014/main" id="{E38DF529-FDB7-47ED-8A47-230AD6A49556}"/>
+              </a:ext>
+            </a:extLst>
+          </p:cNvPr>
+          <p:cNvCxnSpPr>
+            <a:endCxn id="6" idx="1"/>
+          </p:cNvCxnSpPr>
+          <p:nvPr/>
+        </p:nvCxnSpPr>
+        <p:spPr>
+          <a:xfrm>
+            <a:off x="4098663" y="2646382"/>
+            <a:ext cx="4234411" cy="1206649"/>
+          </a:xfrm>
+          <a:prstGeom prst="straightConnector1">
+            <a:avLst/>
+          </a:prstGeom>
+          <a:ln w="50800">
+            <a:tailEnd type="triangle"/>
+          </a:ln>
+        </p:spPr>
+        <p:style>
+          <a:lnRef idx="1">
+            <a:schemeClr val="accent1"/>
+          </a:lnRef>
+          <a:fillRef idx="0">
+            <a:schemeClr val="accent1"/>
+          </a:fillRef>
+          <a:effectRef idx="0">
+            <a:schemeClr val="accent1"/>
+          </a:effectRef>
+          <a:fontRef idx="minor">
+            <a:schemeClr val="tx1"/>
+          </a:fontRef>
+        </p:style>
+      </p:cxnSp>
+      <p:cxnSp>
+        <p:nvCxnSpPr>
+          <p:cNvPr id="29" name="直接箭头连接符 28">
+            <a:extLst>
+              <a:ext uri="{FF2B5EF4-FFF2-40B4-BE49-F238E27FC236}">
+                <a16:creationId xmlns:a16="http://schemas.microsoft.com/office/drawing/2014/main" id="{F43314F4-86A8-4724-8C1B-3592D656E6F7}"/>
+              </a:ext>
+            </a:extLst>
+          </p:cNvPr>
+          <p:cNvCxnSpPr>
+            <a:cxnSpLocks/>
+            <a:stCxn id="6" idx="2"/>
+            <a:endCxn id="8" idx="3"/>
+          </p:cNvCxnSpPr>
+          <p:nvPr/>
+        </p:nvCxnSpPr>
+        <p:spPr>
+          <a:xfrm flipH="1">
+            <a:off x="6809591" y="4412428"/>
+            <a:ext cx="2470156" cy="1853902"/>
+          </a:xfrm>
+          <a:prstGeom prst="straightConnector1">
+            <a:avLst/>
+          </a:prstGeom>
+          <a:ln w="50800">
+            <a:tailEnd type="triangle"/>
+          </a:ln>
+        </p:spPr>
+        <p:style>
+          <a:lnRef idx="1">
+            <a:schemeClr val="accent1"/>
+          </a:lnRef>
+          <a:fillRef idx="0">
+            <a:schemeClr val="accent1"/>
+          </a:fillRef>
+          <a:effectRef idx="0">
+            <a:schemeClr val="accent1"/>
+          </a:effectRef>
+          <a:fontRef idx="minor">
+            <a:schemeClr val="tx1"/>
+          </a:fontRef>
+        </p:style>
+      </p:cxnSp>
+      <p:cxnSp>
+        <p:nvCxnSpPr>
+          <p:cNvPr id="32" name="直接箭头连接符 31">
+            <a:extLst>
+              <a:ext uri="{FF2B5EF4-FFF2-40B4-BE49-F238E27FC236}">
+                <a16:creationId xmlns:a16="http://schemas.microsoft.com/office/drawing/2014/main" id="{0E56C6E8-1A46-48C8-ABE6-7F637D7695FB}"/>
+              </a:ext>
+            </a:extLst>
+          </p:cNvPr>
+          <p:cNvCxnSpPr/>
+          <p:nvPr/>
+        </p:nvCxnSpPr>
+        <p:spPr>
+          <a:xfrm flipV="1">
+            <a:off x="6368902" y="1254716"/>
+            <a:ext cx="0" cy="4618960"/>
+          </a:xfrm>
+          <a:prstGeom prst="straightConnector1">
+            <a:avLst/>
+          </a:prstGeom>
+          <a:ln w="50800">
+            <a:tailEnd type="triangle"/>
+          </a:ln>
+        </p:spPr>
+        <p:style>
+          <a:lnRef idx="1">
+            <a:schemeClr val="accent1"/>
+          </a:lnRef>
+          <a:fillRef idx="0">
+            <a:schemeClr val="accent1"/>
+          </a:fillRef>
+          <a:effectRef idx="0">
+            <a:schemeClr val="accent1"/>
+          </a:effectRef>
+          <a:fontRef idx="minor">
+            <a:schemeClr val="tx1"/>
+          </a:fontRef>
+        </p:style>
+      </p:cxnSp>
+    </p:spTree>
+    <p:extLst>
+      <p:ext uri="{BB962C8B-B14F-4D97-AF65-F5344CB8AC3E}">
+        <p14:creationId xmlns:p14="http://schemas.microsoft.com/office/powerpoint/2010/main" val="3545555340"/>
+      </p:ext>
+    </p:extLst>
+  </p:cSld>
+  <p:clrMapOvr>
+    <a:masterClrMapping/>
+  </p:clrMapOvr>
+  <p:timing>
+    <p:tnLst>
+      <p:par>
+        <p:cTn id="1" dur="indefinite" restart="never" nodeType="tmRoot">
+          <p:childTnLst>
+            <p:seq concurrent="1" nextAc="seek">
+              <p:cTn id="2" dur="indefinite" nodeType="mainSeq">
+                <p:childTnLst>
+                  <p:par>
+                    <p:cTn id="3" fill="hold">
+                      <p:stCondLst>
+                        <p:cond delay="indefinite"/>
+                      </p:stCondLst>
+                      <p:childTnLst>
+                        <p:par>
+                          <p:cTn id="4" fill="hold">
+                            <p:stCondLst>
+                              <p:cond delay="0"/>
+                            </p:stCondLst>
+                            <p:childTnLst>
+                              <p:par>
+                                <p:cTn id="5" presetID="10" presetClass="entr" presetSubtype="0" fill="hold" nodeType="clickEffect">
+                                  <p:stCondLst>
+                                    <p:cond delay="0"/>
+                                  </p:stCondLst>
+                                  <p:childTnLst>
+                                    <p:set>
+                                      <p:cBhvr>
+                                        <p:cTn id="6" dur="1" fill="hold">
+                                          <p:stCondLst>
+                                            <p:cond delay="0"/>
+                                          </p:stCondLst>
+                                        </p:cTn>
+                                        <p:tgtEl>
+                                          <p:spTgt spid="9"/>
+                                        </p:tgtEl>
+                                        <p:attrNameLst>
+                                          <p:attrName>style.visibility</p:attrName>
+                                        </p:attrNameLst>
+                                      </p:cBhvr>
+                                      <p:to>
+                                        <p:strVal val="visible"/>
+                                      </p:to>
+                                    </p:set>
+                                    <p:animEffect transition="in" filter="fade">
+                                      <p:cBhvr>
+                                        <p:cTn id="7" dur="500"/>
+                                        <p:tgtEl>
+                                          <p:spTgt spid="9"/>
+                                        </p:tgtEl>
+                                      </p:cBhvr>
+                                    </p:animEffect>
+                                  </p:childTnLst>
+                                </p:cTn>
+                              </p:par>
+                            </p:childTnLst>
+                          </p:cTn>
+                        </p:par>
+                      </p:childTnLst>
+                    </p:cTn>
+                  </p:par>
+                  <p:par>
+                    <p:cTn id="8" fill="hold">
+                      <p:stCondLst>
+                        <p:cond delay="indefinite"/>
+                      </p:stCondLst>
+                      <p:childTnLst>
+                        <p:par>
+                          <p:cTn id="9" fill="hold">
+                            <p:stCondLst>
+                              <p:cond delay="0"/>
+                            </p:stCondLst>
+                            <p:childTnLst>
+                              <p:par>
+                                <p:cTn id="10" presetID="10" presetClass="entr" presetSubtype="0" fill="hold" nodeType="clickEffect">
+                                  <p:stCondLst>
+                                    <p:cond delay="0"/>
+                                  </p:stCondLst>
+                                  <p:childTnLst>
+                                    <p:set>
+                                      <p:cBhvr>
+                                        <p:cTn id="11" dur="1" fill="hold">
+                                          <p:stCondLst>
+                                            <p:cond delay="0"/>
+                                          </p:stCondLst>
+                                        </p:cTn>
+                                        <p:tgtEl>
+                                          <p:spTgt spid="15"/>
+                                        </p:tgtEl>
+                                        <p:attrNameLst>
+                                          <p:attrName>style.visibility</p:attrName>
+                                        </p:attrNameLst>
+                                      </p:cBhvr>
+                                      <p:to>
+                                        <p:strVal val="visible"/>
+                                      </p:to>
+                                    </p:set>
+                                    <p:animEffect transition="in" filter="fade">
+                                      <p:cBhvr>
+                                        <p:cTn id="12" dur="500"/>
+                                        <p:tgtEl>
+                                          <p:spTgt spid="15"/>
+                                        </p:tgtEl>
+                                      </p:cBhvr>
+                                    </p:animEffect>
+                                  </p:childTnLst>
+                                </p:cTn>
+                              </p:par>
+                            </p:childTnLst>
+                          </p:cTn>
+                        </p:par>
+                      </p:childTnLst>
+                    </p:cTn>
+                  </p:par>
+                  <p:par>
+                    <p:cTn id="13" fill="hold">
+                      <p:stCondLst>
+                        <p:cond delay="indefinite"/>
+                      </p:stCondLst>
+                      <p:childTnLst>
+                        <p:par>
+                          <p:cTn id="14" fill="hold">
+                            <p:stCondLst>
+                              <p:cond delay="0"/>
+                            </p:stCondLst>
+                            <p:childTnLst>
+                              <p:par>
+                                <p:cTn id="15" presetID="10" presetClass="entr" presetSubtype="0" fill="hold" nodeType="clickEffect">
+                                  <p:stCondLst>
+                                    <p:cond delay="0"/>
+                                  </p:stCondLst>
+                                  <p:childTnLst>
+                                    <p:set>
+                                      <p:cBhvr>
+                                        <p:cTn id="16" dur="1" fill="hold">
+                                          <p:stCondLst>
+                                            <p:cond delay="0"/>
+                                          </p:stCondLst>
+                                        </p:cTn>
+                                        <p:tgtEl>
+                                          <p:spTgt spid="20"/>
+                                        </p:tgtEl>
+                                        <p:attrNameLst>
+                                          <p:attrName>style.visibility</p:attrName>
+                                        </p:attrNameLst>
+                                      </p:cBhvr>
+                                      <p:to>
+                                        <p:strVal val="visible"/>
+                                      </p:to>
+                                    </p:set>
+                                    <p:animEffect transition="in" filter="fade">
+                                      <p:cBhvr>
+                                        <p:cTn id="17" dur="500"/>
+                                        <p:tgtEl>
+                                          <p:spTgt spid="20"/>
+                                        </p:tgtEl>
+                                      </p:cBhvr>
+                                    </p:animEffect>
+                                  </p:childTnLst>
+                                </p:cTn>
+                              </p:par>
+                            </p:childTnLst>
+                          </p:cTn>
+                        </p:par>
+                      </p:childTnLst>
+                    </p:cTn>
+                  </p:par>
+                  <p:par>
+                    <p:cTn id="18" fill="hold">
+                      <p:stCondLst>
+                        <p:cond delay="indefinite"/>
+                      </p:stCondLst>
+                      <p:childTnLst>
+                        <p:par>
+                          <p:cTn id="19" fill="hold">
+                            <p:stCondLst>
+                              <p:cond delay="0"/>
+                            </p:stCondLst>
+                            <p:childTnLst>
+                              <p:par>
+                                <p:cTn id="20" presetID="1" presetClass="exit" presetSubtype="0" fill="hold" nodeType="clickEffect">
+                                  <p:stCondLst>
+                                    <p:cond delay="0"/>
+                                  </p:stCondLst>
+                                  <p:childTnLst>
+                                    <p:set>
+                                      <p:cBhvr>
+                                        <p:cTn id="21" dur="1" fill="hold">
+                                          <p:stCondLst>
+                                            <p:cond delay="0"/>
+                                          </p:stCondLst>
+                                        </p:cTn>
+                                        <p:tgtEl>
+                                          <p:spTgt spid="9"/>
+                                        </p:tgtEl>
+                                        <p:attrNameLst>
+                                          <p:attrName>style.visibility</p:attrName>
+                                        </p:attrNameLst>
+                                      </p:cBhvr>
+                                      <p:to>
+                                        <p:strVal val="hidden"/>
+                                      </p:to>
+                                    </p:set>
+                                  </p:childTnLst>
+                                </p:cTn>
+                              </p:par>
+                              <p:par>
+                                <p:cTn id="22" presetID="1" presetClass="exit" presetSubtype="0" fill="hold" nodeType="withEffect">
+                                  <p:stCondLst>
+                                    <p:cond delay="0"/>
+                                  </p:stCondLst>
+                                  <p:childTnLst>
+                                    <p:set>
+                                      <p:cBhvr>
+                                        <p:cTn id="23" dur="1" fill="hold">
+                                          <p:stCondLst>
+                                            <p:cond delay="0"/>
+                                          </p:stCondLst>
+                                        </p:cTn>
+                                        <p:tgtEl>
+                                          <p:spTgt spid="15"/>
+                                        </p:tgtEl>
+                                        <p:attrNameLst>
+                                          <p:attrName>style.visibility</p:attrName>
+                                        </p:attrNameLst>
+                                      </p:cBhvr>
+                                      <p:to>
+                                        <p:strVal val="hidden"/>
+                                      </p:to>
+                                    </p:set>
+                                  </p:childTnLst>
+                                </p:cTn>
+                              </p:par>
+                              <p:par>
+                                <p:cTn id="24" presetID="1" presetClass="exit" presetSubtype="0" fill="hold" nodeType="withEffect">
+                                  <p:stCondLst>
+                                    <p:cond delay="0"/>
+                                  </p:stCondLst>
+                                  <p:childTnLst>
+                                    <p:set>
+                                      <p:cBhvr>
+                                        <p:cTn id="25" dur="1" fill="hold">
+                                          <p:stCondLst>
+                                            <p:cond delay="0"/>
+                                          </p:stCondLst>
+                                        </p:cTn>
+                                        <p:tgtEl>
+                                          <p:spTgt spid="20"/>
+                                        </p:tgtEl>
+                                        <p:attrNameLst>
+                                          <p:attrName>style.visibility</p:attrName>
+                                        </p:attrNameLst>
+                                      </p:cBhvr>
+                                      <p:to>
+                                        <p:strVal val="hidden"/>
+                                      </p:to>
+                                    </p:set>
+                                  </p:childTnLst>
+                                </p:cTn>
+                              </p:par>
+                              <p:par>
+                                <p:cTn id="26" presetID="10" presetClass="entr" presetSubtype="0" fill="hold" nodeType="withEffect">
+                                  <p:stCondLst>
+                                    <p:cond delay="0"/>
+                                  </p:stCondLst>
+                                  <p:childTnLst>
+                                    <p:set>
+                                      <p:cBhvr>
+                                        <p:cTn id="27" dur="1" fill="hold">
+                                          <p:stCondLst>
+                                            <p:cond delay="0"/>
+                                          </p:stCondLst>
+                                        </p:cTn>
+                                        <p:tgtEl>
+                                          <p:spTgt spid="24"/>
+                                        </p:tgtEl>
+                                        <p:attrNameLst>
+                                          <p:attrName>style.visibility</p:attrName>
+                                        </p:attrNameLst>
+                                      </p:cBhvr>
+                                      <p:to>
+                                        <p:strVal val="visible"/>
+                                      </p:to>
+                                    </p:set>
+                                    <p:animEffect transition="in" filter="fade">
+                                      <p:cBhvr>
+                                        <p:cTn id="28" dur="500"/>
+                                        <p:tgtEl>
+                                          <p:spTgt spid="24"/>
+                                        </p:tgtEl>
+                                      </p:cBhvr>
+                                    </p:animEffect>
+                                  </p:childTnLst>
+                                </p:cTn>
+                              </p:par>
+                            </p:childTnLst>
+                          </p:cTn>
+                        </p:par>
+                      </p:childTnLst>
+                    </p:cTn>
+                  </p:par>
+                  <p:par>
+                    <p:cTn id="29" fill="hold">
+                      <p:stCondLst>
+                        <p:cond delay="indefinite"/>
+                      </p:stCondLst>
+                      <p:childTnLst>
+                        <p:par>
+                          <p:cTn id="30" fill="hold">
+                            <p:stCondLst>
+                              <p:cond delay="0"/>
+                            </p:stCondLst>
+                            <p:childTnLst>
+                              <p:par>
+                                <p:cTn id="31" presetID="10" presetClass="entr" presetSubtype="0" fill="hold" nodeType="clickEffect">
+                                  <p:stCondLst>
+                                    <p:cond delay="0"/>
+                                  </p:stCondLst>
+                                  <p:childTnLst>
+                                    <p:set>
+                                      <p:cBhvr>
+                                        <p:cTn id="32" dur="1" fill="hold">
+                                          <p:stCondLst>
+                                            <p:cond delay="0"/>
+                                          </p:stCondLst>
+                                        </p:cTn>
+                                        <p:tgtEl>
+                                          <p:spTgt spid="27"/>
+                                        </p:tgtEl>
+                                        <p:attrNameLst>
+                                          <p:attrName>style.visibility</p:attrName>
+                                        </p:attrNameLst>
+                                      </p:cBhvr>
+                                      <p:to>
+                                        <p:strVal val="visible"/>
+                                      </p:to>
+                                    </p:set>
+                                    <p:animEffect transition="in" filter="fade">
+                                      <p:cBhvr>
+                                        <p:cTn id="33" dur="500"/>
+                                        <p:tgtEl>
+                                          <p:spTgt spid="27"/>
+                                        </p:tgtEl>
+                                      </p:cBhvr>
+                                    </p:animEffect>
+                                  </p:childTnLst>
+                                </p:cTn>
+                              </p:par>
+                            </p:childTnLst>
+                          </p:cTn>
+                        </p:par>
+                      </p:childTnLst>
+                    </p:cTn>
+                  </p:par>
+                  <p:par>
+                    <p:cTn id="34" fill="hold">
+                      <p:stCondLst>
+                        <p:cond delay="indefinite"/>
+                      </p:stCondLst>
+                      <p:childTnLst>
+                        <p:par>
+                          <p:cTn id="35" fill="hold">
+                            <p:stCondLst>
+                              <p:cond delay="0"/>
+                            </p:stCondLst>
+                            <p:childTnLst>
+                              <p:par>
+                                <p:cTn id="36" presetID="10" presetClass="entr" presetSubtype="0" fill="hold" nodeType="clickEffect">
+                                  <p:stCondLst>
+                                    <p:cond delay="0"/>
+                                  </p:stCondLst>
+                                  <p:childTnLst>
+                                    <p:set>
+                                      <p:cBhvr>
+                                        <p:cTn id="37" dur="1" fill="hold">
+                                          <p:stCondLst>
+                                            <p:cond delay="0"/>
+                                          </p:stCondLst>
+                                        </p:cTn>
+                                        <p:tgtEl>
+                                          <p:spTgt spid="29"/>
+                                        </p:tgtEl>
+                                        <p:attrNameLst>
+                                          <p:attrName>style.visibility</p:attrName>
+                                        </p:attrNameLst>
+                                      </p:cBhvr>
+                                      <p:to>
+                                        <p:strVal val="visible"/>
+                                      </p:to>
+                                    </p:set>
+                                    <p:animEffect transition="in" filter="fade">
+                                      <p:cBhvr>
+                                        <p:cTn id="38" dur="500"/>
+                                        <p:tgtEl>
+                                          <p:spTgt spid="29"/>
+                                        </p:tgtEl>
+                                      </p:cBhvr>
+                                    </p:animEffect>
+                                  </p:childTnLst>
+                                </p:cTn>
+                              </p:par>
+                            </p:childTnLst>
+                          </p:cTn>
+                        </p:par>
+                      </p:childTnLst>
+                    </p:cTn>
+                  </p:par>
+                  <p:par>
+                    <p:cTn id="39" fill="hold">
+                      <p:stCondLst>
+                        <p:cond delay="indefinite"/>
+                      </p:stCondLst>
+                      <p:childTnLst>
+                        <p:par>
+                          <p:cTn id="40" fill="hold">
+                            <p:stCondLst>
+                              <p:cond delay="0"/>
+                            </p:stCondLst>
+                            <p:childTnLst>
+                              <p:par>
+                                <p:cTn id="41" presetID="10" presetClass="entr" presetSubtype="0" fill="hold" nodeType="clickEffect">
+                                  <p:stCondLst>
+                                    <p:cond delay="0"/>
+                                  </p:stCondLst>
+                                  <p:childTnLst>
+                                    <p:set>
+                                      <p:cBhvr>
+                                        <p:cTn id="42" dur="1" fill="hold">
+                                          <p:stCondLst>
+                                            <p:cond delay="0"/>
+                                          </p:stCondLst>
+                                        </p:cTn>
+                                        <p:tgtEl>
+                                          <p:spTgt spid="32"/>
+                                        </p:tgtEl>
+                                        <p:attrNameLst>
+                                          <p:attrName>style.visibility</p:attrName>
+                                        </p:attrNameLst>
+                                      </p:cBhvr>
+                                      <p:to>
+                                        <p:strVal val="visible"/>
+                                      </p:to>
+                                    </p:set>
+                                    <p:animEffect transition="in" filter="fade">
+                                      <p:cBhvr>
+                                        <p:cTn id="43" dur="500"/>
+                                        <p:tgtEl>
+                                          <p:spTgt spid="32"/>
+                                        </p:tgtEl>
+                                      </p:cBhvr>
+                                    </p:animEffect>
+                                  </p:childTnLst>
+                                </p:cTn>
+                              </p:par>
+                            </p:childTnLst>
+                          </p:cTn>
+                        </p:par>
+                      </p:childTnLst>
+                    </p:cTn>
+                  </p:par>
+                </p:childTnLst>
+              </p:cTn>
+              <p:prevCondLst>
+                <p:cond evt="onPrev" delay="0">
+                  <p:tgtEl>
+                    <p:sldTgt/>
+                  </p:tgtEl>
+                </p:cond>
+              </p:prevCondLst>
+              <p:nextCondLst>
+                <p:cond evt="onNext" delay="0">
+                  <p:tgtEl>
+                    <p:sldTgt/>
+                  </p:tgtEl>
+                </p:cond>
+              </p:nextCondLst>
+            </p:seq>
+          </p:childTnLst>
+        </p:cTn>
+      </p:par>
+    </p:tnLst>
+  </p:timing>
 </p:sld>
 </file>
 
@@ -3399,7 +4470,7 @@
           <p:cNvPr id="2" name="标题 1">
             <a:extLst>
               <a:ext uri="{FF2B5EF4-FFF2-40B4-BE49-F238E27FC236}">
-                <a16:creationId xmlns:a16="http://schemas.microsoft.com/office/drawing/2014/main" xmlns="" id="{9F68167F-6F3A-4C5F-A441-51FEA245AA01}"/>
+                <a16:creationId xmlns:a16="http://schemas.microsoft.com/office/drawing/2014/main" id="{9F68167F-6F3A-4C5F-A441-51FEA245AA01}"/>
               </a:ext>
             </a:extLst>
           </p:cNvPr>
@@ -3427,7 +4498,7 @@
           <p:cNvPr id="3" name="内容占位符 2">
             <a:extLst>
               <a:ext uri="{FF2B5EF4-FFF2-40B4-BE49-F238E27FC236}">
-                <a16:creationId xmlns:a16="http://schemas.microsoft.com/office/drawing/2014/main" xmlns="" id="{DA6BCD99-EF91-46E6-8F16-D2137649CF32}"/>
+                <a16:creationId xmlns:a16="http://schemas.microsoft.com/office/drawing/2014/main" id="{DA6BCD99-EF91-46E6-8F16-D2137649CF32}"/>
               </a:ext>
             </a:extLst>
           </p:cNvPr>
@@ -3598,7 +4669,7 @@
           <p:cNvPr id="2" name="标题 1">
             <a:extLst>
               <a:ext uri="{FF2B5EF4-FFF2-40B4-BE49-F238E27FC236}">
-                <a16:creationId xmlns:a16="http://schemas.microsoft.com/office/drawing/2014/main" xmlns="" id="{675CCCC4-B17D-4399-821B-06D44E86498E}"/>
+                <a16:creationId xmlns:a16="http://schemas.microsoft.com/office/drawing/2014/main" id="{675CCCC4-B17D-4399-821B-06D44E86498E}"/>
               </a:ext>
             </a:extLst>
           </p:cNvPr>
@@ -3626,7 +4697,7 @@
           <p:cNvPr id="3" name="内容占位符 2">
             <a:extLst>
               <a:ext uri="{FF2B5EF4-FFF2-40B4-BE49-F238E27FC236}">
-                <a16:creationId xmlns:a16="http://schemas.microsoft.com/office/drawing/2014/main" xmlns="" id="{46AEA745-7399-46C5-BAE5-8B4FD892E6B7}"/>
+                <a16:creationId xmlns:a16="http://schemas.microsoft.com/office/drawing/2014/main" id="{46AEA745-7399-46C5-BAE5-8B4FD892E6B7}"/>
               </a:ext>
             </a:extLst>
           </p:cNvPr>
@@ -3788,7 +4859,7 @@
           <p:cNvPr id="4" name="矩形 3">
             <a:extLst>
               <a:ext uri="{FF2B5EF4-FFF2-40B4-BE49-F238E27FC236}">
-                <a16:creationId xmlns:a16="http://schemas.microsoft.com/office/drawing/2014/main" xmlns="" id="{705ADC4E-457D-43E8-AC6D-1B5979E44C85}"/>
+                <a16:creationId xmlns:a16="http://schemas.microsoft.com/office/drawing/2014/main" id="{705ADC4E-457D-43E8-AC6D-1B5979E44C85}"/>
               </a:ext>
             </a:extLst>
           </p:cNvPr>
@@ -3835,7 +4906,7 @@
           <p:cNvPr id="5" name="文本框 4">
             <a:extLst>
               <a:ext uri="{FF2B5EF4-FFF2-40B4-BE49-F238E27FC236}">
-                <a16:creationId xmlns:a16="http://schemas.microsoft.com/office/drawing/2014/main" xmlns="" id="{4AD7CDFA-05E1-46D3-AE0A-087C0FFC8A83}"/>
+                <a16:creationId xmlns:a16="http://schemas.microsoft.com/office/drawing/2014/main" id="{4AD7CDFA-05E1-46D3-AE0A-087C0FFC8A83}"/>
               </a:ext>
             </a:extLst>
           </p:cNvPr>
@@ -3870,7 +4941,7 @@
           <p:cNvPr id="7" name="直接箭头连接符 6">
             <a:extLst>
               <a:ext uri="{FF2B5EF4-FFF2-40B4-BE49-F238E27FC236}">
-                <a16:creationId xmlns:a16="http://schemas.microsoft.com/office/drawing/2014/main" xmlns="" id="{EF66CFD1-73CA-4D6A-8367-A474A95BDDA4}"/>
+                <a16:creationId xmlns:a16="http://schemas.microsoft.com/office/drawing/2014/main" id="{EF66CFD1-73CA-4D6A-8367-A474A95BDDA4}"/>
               </a:ext>
             </a:extLst>
           </p:cNvPr>
@@ -3913,7 +4984,7 @@
           <p:cNvPr id="9" name="矩形 8">
             <a:extLst>
               <a:ext uri="{FF2B5EF4-FFF2-40B4-BE49-F238E27FC236}">
-                <a16:creationId xmlns:a16="http://schemas.microsoft.com/office/drawing/2014/main" xmlns="" id="{CB79E62F-A53E-48F6-B7A1-D78BBB77F629}"/>
+                <a16:creationId xmlns:a16="http://schemas.microsoft.com/office/drawing/2014/main" id="{CB79E62F-A53E-48F6-B7A1-D78BBB77F629}"/>
               </a:ext>
             </a:extLst>
           </p:cNvPr>
@@ -3960,7 +5031,7 @@
           <p:cNvPr id="13" name="矩形 12">
             <a:extLst>
               <a:ext uri="{FF2B5EF4-FFF2-40B4-BE49-F238E27FC236}">
-                <a16:creationId xmlns:a16="http://schemas.microsoft.com/office/drawing/2014/main" xmlns="" id="{FB44383B-3F09-4A17-8CEF-E7B65987A07A}"/>
+                <a16:creationId xmlns:a16="http://schemas.microsoft.com/office/drawing/2014/main" id="{FB44383B-3F09-4A17-8CEF-E7B65987A07A}"/>
               </a:ext>
             </a:extLst>
           </p:cNvPr>
@@ -4007,7 +5078,7 @@
           <p:cNvPr id="16" name="矩形 15">
             <a:extLst>
               <a:ext uri="{FF2B5EF4-FFF2-40B4-BE49-F238E27FC236}">
-                <a16:creationId xmlns:a16="http://schemas.microsoft.com/office/drawing/2014/main" xmlns="" id="{398A1D7D-0344-4BF2-8961-A7F2AAE45248}"/>
+                <a16:creationId xmlns:a16="http://schemas.microsoft.com/office/drawing/2014/main" id="{398A1D7D-0344-4BF2-8961-A7F2AAE45248}"/>
               </a:ext>
             </a:extLst>
           </p:cNvPr>
@@ -4054,7 +5125,7 @@
           <p:cNvPr id="17" name="矩形 16">
             <a:extLst>
               <a:ext uri="{FF2B5EF4-FFF2-40B4-BE49-F238E27FC236}">
-                <a16:creationId xmlns:a16="http://schemas.microsoft.com/office/drawing/2014/main" xmlns="" id="{B5D56593-E251-4886-8ED9-73280E0C5B92}"/>
+                <a16:creationId xmlns:a16="http://schemas.microsoft.com/office/drawing/2014/main" id="{B5D56593-E251-4886-8ED9-73280E0C5B92}"/>
               </a:ext>
             </a:extLst>
           </p:cNvPr>
@@ -4101,7 +5172,7 @@
           <p:cNvPr id="18" name="矩形 17">
             <a:extLst>
               <a:ext uri="{FF2B5EF4-FFF2-40B4-BE49-F238E27FC236}">
-                <a16:creationId xmlns:a16="http://schemas.microsoft.com/office/drawing/2014/main" xmlns="" id="{43F0B40D-1CC2-417B-8A16-7E7A9BC892B0}"/>
+                <a16:creationId xmlns:a16="http://schemas.microsoft.com/office/drawing/2014/main" id="{43F0B40D-1CC2-417B-8A16-7E7A9BC892B0}"/>
               </a:ext>
             </a:extLst>
           </p:cNvPr>
@@ -4148,7 +5219,7 @@
           <p:cNvPr id="22" name="直接箭头连接符 21">
             <a:extLst>
               <a:ext uri="{FF2B5EF4-FFF2-40B4-BE49-F238E27FC236}">
-                <a16:creationId xmlns:a16="http://schemas.microsoft.com/office/drawing/2014/main" xmlns="" id="{C0C6B983-29B6-4A2D-9C7E-480AD4BE4E1D}"/>
+                <a16:creationId xmlns:a16="http://schemas.microsoft.com/office/drawing/2014/main" id="{C0C6B983-29B6-4A2D-9C7E-480AD4BE4E1D}"/>
               </a:ext>
             </a:extLst>
           </p:cNvPr>
@@ -4189,7 +5260,7 @@
           <p:cNvPr id="24" name="直接箭头连接符 23">
             <a:extLst>
               <a:ext uri="{FF2B5EF4-FFF2-40B4-BE49-F238E27FC236}">
-                <a16:creationId xmlns:a16="http://schemas.microsoft.com/office/drawing/2014/main" xmlns="" id="{27905E43-68C4-47B7-BCA3-21BE929A31D0}"/>
+                <a16:creationId xmlns:a16="http://schemas.microsoft.com/office/drawing/2014/main" id="{27905E43-68C4-47B7-BCA3-21BE929A31D0}"/>
               </a:ext>
             </a:extLst>
           </p:cNvPr>
@@ -4231,7 +5302,7 @@
           <p:cNvPr id="26" name="直接箭头连接符 25">
             <a:extLst>
               <a:ext uri="{FF2B5EF4-FFF2-40B4-BE49-F238E27FC236}">
-                <a16:creationId xmlns:a16="http://schemas.microsoft.com/office/drawing/2014/main" xmlns="" id="{7494102E-5DD2-465A-8F32-B506BF394D23}"/>
+                <a16:creationId xmlns:a16="http://schemas.microsoft.com/office/drawing/2014/main" id="{7494102E-5DD2-465A-8F32-B506BF394D23}"/>
               </a:ext>
             </a:extLst>
           </p:cNvPr>
@@ -4273,7 +5344,7 @@
           <p:cNvPr id="28" name="直接箭头连接符 27">
             <a:extLst>
               <a:ext uri="{FF2B5EF4-FFF2-40B4-BE49-F238E27FC236}">
-                <a16:creationId xmlns:a16="http://schemas.microsoft.com/office/drawing/2014/main" xmlns="" id="{6354A523-8390-41BD-8D25-96A36ADC0C89}"/>
+                <a16:creationId xmlns:a16="http://schemas.microsoft.com/office/drawing/2014/main" id="{6354A523-8390-41BD-8D25-96A36ADC0C89}"/>
               </a:ext>
             </a:extLst>
           </p:cNvPr>
@@ -4345,7 +5416,7 @@
           <p:cNvPr id="5" name="文本框 4">
             <a:extLst>
               <a:ext uri="{FF2B5EF4-FFF2-40B4-BE49-F238E27FC236}">
-                <a16:creationId xmlns:a16="http://schemas.microsoft.com/office/drawing/2014/main" xmlns="" id="{4AD7CDFA-05E1-46D3-AE0A-087C0FFC8A83}"/>
+                <a16:creationId xmlns:a16="http://schemas.microsoft.com/office/drawing/2014/main" id="{4AD7CDFA-05E1-46D3-AE0A-087C0FFC8A83}"/>
               </a:ext>
             </a:extLst>
           </p:cNvPr>
@@ -4380,7 +5451,7 @@
           <p:cNvPr id="2" name="矩形 1">
             <a:extLst>
               <a:ext uri="{FF2B5EF4-FFF2-40B4-BE49-F238E27FC236}">
-                <a16:creationId xmlns:a16="http://schemas.microsoft.com/office/drawing/2014/main" xmlns="" id="{B3AFC852-09F4-40F5-B52F-9966595A1D43}"/>
+                <a16:creationId xmlns:a16="http://schemas.microsoft.com/office/drawing/2014/main" id="{B3AFC852-09F4-40F5-B52F-9966595A1D43}"/>
               </a:ext>
             </a:extLst>
           </p:cNvPr>
@@ -4427,7 +5498,7 @@
           <p:cNvPr id="3" name="矩形 2">
             <a:extLst>
               <a:ext uri="{FF2B5EF4-FFF2-40B4-BE49-F238E27FC236}">
-                <a16:creationId xmlns:a16="http://schemas.microsoft.com/office/drawing/2014/main" xmlns="" id="{562F3925-4A11-4D9E-AA6F-4864A678548D}"/>
+                <a16:creationId xmlns:a16="http://schemas.microsoft.com/office/drawing/2014/main" id="{562F3925-4A11-4D9E-AA6F-4864A678548D}"/>
               </a:ext>
             </a:extLst>
           </p:cNvPr>
@@ -4474,7 +5545,7 @@
           <p:cNvPr id="6" name="矩形 5">
             <a:extLst>
               <a:ext uri="{FF2B5EF4-FFF2-40B4-BE49-F238E27FC236}">
-                <a16:creationId xmlns:a16="http://schemas.microsoft.com/office/drawing/2014/main" xmlns="" id="{D9946413-9E9D-44AB-8726-3F7DB08CAC63}"/>
+                <a16:creationId xmlns:a16="http://schemas.microsoft.com/office/drawing/2014/main" id="{D9946413-9E9D-44AB-8726-3F7DB08CAC63}"/>
               </a:ext>
             </a:extLst>
           </p:cNvPr>
@@ -4521,7 +5592,7 @@
           <p:cNvPr id="8" name="矩形 7">
             <a:extLst>
               <a:ext uri="{FF2B5EF4-FFF2-40B4-BE49-F238E27FC236}">
-                <a16:creationId xmlns:a16="http://schemas.microsoft.com/office/drawing/2014/main" xmlns="" id="{CD16D58C-08A4-4536-92D8-512FA26A6317}"/>
+                <a16:creationId xmlns:a16="http://schemas.microsoft.com/office/drawing/2014/main" id="{CD16D58C-08A4-4536-92D8-512FA26A6317}"/>
               </a:ext>
             </a:extLst>
           </p:cNvPr>
@@ -4568,7 +5639,7 @@
           <p:cNvPr id="19" name="矩形 18">
             <a:extLst>
               <a:ext uri="{FF2B5EF4-FFF2-40B4-BE49-F238E27FC236}">
-                <a16:creationId xmlns:a16="http://schemas.microsoft.com/office/drawing/2014/main" xmlns="" id="{A08C5E6A-7B84-4EF2-82D2-67107E0E7AFF}"/>
+                <a16:creationId xmlns:a16="http://schemas.microsoft.com/office/drawing/2014/main" id="{A08C5E6A-7B84-4EF2-82D2-67107E0E7AFF}"/>
               </a:ext>
             </a:extLst>
           </p:cNvPr>
@@ -4615,7 +5686,7 @@
           <p:cNvPr id="11" name="直接箭头连接符 10">
             <a:extLst>
               <a:ext uri="{FF2B5EF4-FFF2-40B4-BE49-F238E27FC236}">
-                <a16:creationId xmlns:a16="http://schemas.microsoft.com/office/drawing/2014/main" xmlns="" id="{E726EE18-7D70-4949-8AAB-7AB5515E2FDD}"/>
+                <a16:creationId xmlns:a16="http://schemas.microsoft.com/office/drawing/2014/main" id="{E726EE18-7D70-4949-8AAB-7AB5515E2FDD}"/>
               </a:ext>
             </a:extLst>
           </p:cNvPr>
@@ -4657,7 +5728,7 @@
           <p:cNvPr id="14" name="直接箭头连接符 13">
             <a:extLst>
               <a:ext uri="{FF2B5EF4-FFF2-40B4-BE49-F238E27FC236}">
-                <a16:creationId xmlns:a16="http://schemas.microsoft.com/office/drawing/2014/main" xmlns="" id="{C41A7E82-B5E0-4395-AF02-13742F67D551}"/>
+                <a16:creationId xmlns:a16="http://schemas.microsoft.com/office/drawing/2014/main" id="{C41A7E82-B5E0-4395-AF02-13742F67D551}"/>
               </a:ext>
             </a:extLst>
           </p:cNvPr>
@@ -4700,7 +5771,7 @@
           <p:cNvPr id="20" name="直接箭头连接符 19">
             <a:extLst>
               <a:ext uri="{FF2B5EF4-FFF2-40B4-BE49-F238E27FC236}">
-                <a16:creationId xmlns:a16="http://schemas.microsoft.com/office/drawing/2014/main" xmlns="" id="{92003281-8E3A-427D-984C-5D739686AD87}"/>
+                <a16:creationId xmlns:a16="http://schemas.microsoft.com/office/drawing/2014/main" id="{92003281-8E3A-427D-984C-5D739686AD87}"/>
               </a:ext>
             </a:extLst>
           </p:cNvPr>
@@ -4742,7 +5813,7 @@
           <p:cNvPr id="23" name="直接箭头连接符 22">
             <a:extLst>
               <a:ext uri="{FF2B5EF4-FFF2-40B4-BE49-F238E27FC236}">
-                <a16:creationId xmlns:a16="http://schemas.microsoft.com/office/drawing/2014/main" xmlns="" id="{F768EC90-F337-4746-9232-567D6854C9E4}"/>
+                <a16:creationId xmlns:a16="http://schemas.microsoft.com/office/drawing/2014/main" id="{F768EC90-F337-4746-9232-567D6854C9E4}"/>
               </a:ext>
             </a:extLst>
           </p:cNvPr>
@@ -4814,7 +5885,7 @@
           <p:cNvPr id="2" name="标题 1">
             <a:extLst>
               <a:ext uri="{FF2B5EF4-FFF2-40B4-BE49-F238E27FC236}">
-                <a16:creationId xmlns:a16="http://schemas.microsoft.com/office/drawing/2014/main" xmlns="" id="{1B0E31AD-0856-4967-BA45-E9147D356A62}"/>
+                <a16:creationId xmlns:a16="http://schemas.microsoft.com/office/drawing/2014/main" id="{1B0E31AD-0856-4967-BA45-E9147D356A62}"/>
               </a:ext>
             </a:extLst>
           </p:cNvPr>
@@ -4827,13 +5898,26 @@
         </p:nvSpPr>
         <p:spPr/>
         <p:txBody>
-          <a:bodyPr/>
+          <a:bodyPr>
+            <a:normAutofit fontScale="90000"/>
+          </a:bodyPr>
           <a:lstStyle/>
           <a:p>
             <a:r>
               <a:rPr lang="zh-CN" altLang="en-US" dirty="0"/>
-              <a:t>模块交互方式</a:t>
-            </a:r>
+              <a:t>模块交互方式：</a:t>
+            </a:r>
+            <a:br>
+              <a:rPr lang="en-US" altLang="zh-CN" dirty="0"/>
+            </a:br>
+            <a:r>
+              <a:rPr lang="zh-CN" altLang="en-US" dirty="0"/>
+              <a:t>初始化</a:t>
+            </a:r>
+            <a:br>
+              <a:rPr lang="en-US" altLang="zh-CN" dirty="0"/>
+            </a:br>
+            <a:endParaRPr lang="zh-CN" altLang="en-US" dirty="0"/>
           </a:p>
         </p:txBody>
       </p:sp>
@@ -4872,10 +5956,9 @@
           <a:p>
             <a:pPr algn="ctr"/>
             <a:r>
-              <a:rPr lang="zh-CN" altLang="en-US" sz="2800" dirty="0" smtClean="0"/>
+              <a:rPr lang="zh-CN" altLang="en-US" sz="2800" dirty="0"/>
               <a:t>加密模块</a:t>
             </a:r>
-            <a:endParaRPr lang="zh-CN" altLang="en-US" sz="2800" dirty="0"/>
           </a:p>
         </p:txBody>
       </p:sp>
@@ -4914,10 +5997,9 @@
           <a:p>
             <a:pPr algn="ctr"/>
             <a:r>
-              <a:rPr lang="zh-CN" altLang="en-US" sz="2800" dirty="0" smtClean="0"/>
+              <a:rPr lang="zh-CN" altLang="en-US" sz="2800" dirty="0"/>
               <a:t>传输模块</a:t>
             </a:r>
-            <a:endParaRPr lang="zh-CN" altLang="en-US" sz="2800" dirty="0"/>
           </a:p>
         </p:txBody>
       </p:sp>
@@ -4929,7 +6011,7 @@
         </p:nvSpPr>
         <p:spPr>
           <a:xfrm>
-            <a:off x="8306697" y="3293633"/>
+            <a:off x="8333074" y="3293633"/>
             <a:ext cx="1893346" cy="1118795"/>
           </a:xfrm>
           <a:prstGeom prst="rect">
@@ -4956,23 +6038,22 @@
           <a:p>
             <a:pPr algn="ctr"/>
             <a:r>
-              <a:rPr lang="zh-CN" altLang="en-US" sz="2800" dirty="0" smtClean="0"/>
+              <a:rPr lang="zh-CN" altLang="en-US" sz="2800" dirty="0"/>
               <a:t>存储模块</a:t>
             </a:r>
-            <a:endParaRPr lang="zh-CN" altLang="en-US" sz="2800" dirty="0"/>
-          </a:p>
-        </p:txBody>
-      </p:sp>
-      <p:sp>
-        <p:nvSpPr>
-          <p:cNvPr id="7" name="矩形 6"/>
+          </a:p>
+        </p:txBody>
+      </p:sp>
+      <p:sp>
+        <p:nvSpPr>
+          <p:cNvPr id="8" name="矩形 7"/>
           <p:cNvSpPr/>
           <p:nvPr/>
         </p:nvSpPr>
         <p:spPr>
           <a:xfrm>
-            <a:off x="5307107" y="444651"/>
-            <a:ext cx="1502484" cy="792480"/>
+            <a:off x="5307107" y="5873676"/>
+            <a:ext cx="1502484" cy="785308"/>
           </a:xfrm>
           <a:prstGeom prst="rect">
             <a:avLst/>
@@ -4998,23 +6079,63 @@
           <a:p>
             <a:pPr algn="ctr"/>
             <a:r>
-              <a:rPr lang="zh-CN" altLang="en-US" sz="2800" dirty="0" smtClean="0"/>
-              <a:t>客户端</a:t>
-            </a:r>
-            <a:endParaRPr lang="zh-CN" altLang="en-US" sz="2800" dirty="0"/>
-          </a:p>
-        </p:txBody>
-      </p:sp>
-      <p:sp>
-        <p:nvSpPr>
-          <p:cNvPr id="8" name="矩形 7"/>
+              <a:rPr lang="zh-CN" altLang="en-US" sz="2800" dirty="0"/>
+              <a:t>服务端</a:t>
+            </a:r>
+          </a:p>
+        </p:txBody>
+      </p:sp>
+      <p:cxnSp>
+        <p:nvCxnSpPr>
+          <p:cNvPr id="16" name="直接箭头连接符 15"/>
+          <p:cNvCxnSpPr>
+            <a:cxnSpLocks/>
+          </p:cNvCxnSpPr>
+          <p:nvPr/>
+        </p:nvCxnSpPr>
+        <p:spPr>
+          <a:xfrm flipV="1">
+            <a:off x="6820330" y="4412428"/>
+            <a:ext cx="2470156" cy="1853902"/>
+          </a:xfrm>
+          <a:prstGeom prst="straightConnector1">
+            <a:avLst/>
+          </a:prstGeom>
+          <a:ln w="50800">
+            <a:tailEnd type="arrow"/>
+          </a:ln>
+        </p:spPr>
+        <p:style>
+          <a:lnRef idx="1">
+            <a:schemeClr val="accent1"/>
+          </a:lnRef>
+          <a:fillRef idx="0">
+            <a:schemeClr val="accent1"/>
+          </a:fillRef>
+          <a:effectRef idx="0">
+            <a:schemeClr val="accent1"/>
+          </a:effectRef>
+          <a:fontRef idx="minor">
+            <a:schemeClr val="tx1"/>
+          </a:fontRef>
+        </p:style>
+      </p:cxnSp>
+      <p:sp>
+        <p:nvSpPr>
+          <p:cNvPr id="35" name="矩形 34">
+            <a:extLst>
+              <a:ext uri="{FF2B5EF4-FFF2-40B4-BE49-F238E27FC236}">
+                <a16:creationId xmlns:a16="http://schemas.microsoft.com/office/drawing/2014/main" id="{0AA2D357-8EAD-416D-AE0D-A0647F45FFDB}"/>
+              </a:ext>
+            </a:extLst>
+          </p:cNvPr>
           <p:cNvSpPr/>
           <p:nvPr/>
         </p:nvSpPr>
         <p:spPr>
           <a:xfrm>
-            <a:off x="5307107" y="5873676"/>
-            <a:ext cx="1502484" cy="785308"/>
+            <a:off x="5307107" y="462236"/>
+            <a:ext cx="1502484" cy="792480"/>
           </a:xfrm>
           <a:prstGeom prst="rect">
             <a:avLst/>
@@ -5040,29 +6161,34 @@
           <a:p>
             <a:pPr algn="ctr"/>
             <a:r>
-              <a:rPr lang="zh-CN" altLang="en-US" sz="2800" dirty="0" smtClean="0"/>
-              <a:t>服务端</a:t>
-            </a:r>
-            <a:endParaRPr lang="zh-CN" altLang="en-US" sz="2800" dirty="0"/>
+              <a:rPr lang="zh-CN" altLang="en-US" sz="2800" dirty="0"/>
+              <a:t>客户端</a:t>
+            </a:r>
           </a:p>
         </p:txBody>
       </p:sp>
       <p:cxnSp>
         <p:nvCxnSpPr>
-          <p:cNvPr id="14" name="直接箭头连接符 13"/>
+          <p:cNvPr id="32" name="直接箭头连接符 31">
+            <a:extLst>
+              <a:ext uri="{FF2B5EF4-FFF2-40B4-BE49-F238E27FC236}">
+                <a16:creationId xmlns:a16="http://schemas.microsoft.com/office/drawing/2014/main" id="{B4F7779C-E7B7-489D-93E8-21B4621A5E86}"/>
+              </a:ext>
+            </a:extLst>
+          </p:cNvPr>
           <p:cNvCxnSpPr/>
           <p:nvPr/>
         </p:nvCxnSpPr>
         <p:spPr>
           <a:xfrm>
-            <a:off x="6058349" y="1237131"/>
-            <a:ext cx="0" cy="4625788"/>
+            <a:off x="6392008" y="1254716"/>
+            <a:ext cx="0" cy="4618960"/>
           </a:xfrm>
           <a:prstGeom prst="straightConnector1">
             <a:avLst/>
           </a:prstGeom>
-          <a:ln>
-            <a:tailEnd type="arrow"/>
+          <a:ln w="50800">
+            <a:tailEnd type="triangle"/>
           </a:ln>
         </p:spPr>
         <p:style>
@@ -5082,23 +6208,28 @@
       </p:cxnSp>
       <p:cxnSp>
         <p:nvCxnSpPr>
-          <p:cNvPr id="16" name="直接箭头连接符 15"/>
+          <p:cNvPr id="43" name="直接箭头连接符 42">
+            <a:extLst>
+              <a:ext uri="{FF2B5EF4-FFF2-40B4-BE49-F238E27FC236}">
+                <a16:creationId xmlns:a16="http://schemas.microsoft.com/office/drawing/2014/main" id="{DEBCE0E6-218C-43BD-84E0-2B6AB8EB042A}"/>
+              </a:ext>
+            </a:extLst>
+          </p:cNvPr>
           <p:cNvCxnSpPr>
-            <a:stCxn id="8" idx="3"/>
-            <a:endCxn id="6" idx="2"/>
+            <a:stCxn id="6" idx="2"/>
           </p:cNvCxnSpPr>
           <p:nvPr/>
         </p:nvCxnSpPr>
         <p:spPr>
-          <a:xfrm flipV="1">
+          <a:xfrm flipH="1">
             <a:off x="6809591" y="4412428"/>
-            <a:ext cx="2443779" cy="1853902"/>
+            <a:ext cx="2470156" cy="1722558"/>
           </a:xfrm>
           <a:prstGeom prst="straightConnector1">
             <a:avLst/>
           </a:prstGeom>
-          <a:ln>
-            <a:tailEnd type="arrow"/>
+          <a:ln w="50800">
+            <a:tailEnd type="triangle"/>
           </a:ln>
         </p:spPr>
         <p:style>
@@ -5118,27 +6249,29 @@
       </p:cxnSp>
       <p:cxnSp>
         <p:nvCxnSpPr>
-          <p:cNvPr id="22" name="直接箭头连接符 21"/>
+          <p:cNvPr id="45" name="直接箭头连接符 44">
+            <a:extLst>
+              <a:ext uri="{FF2B5EF4-FFF2-40B4-BE49-F238E27FC236}">
+                <a16:creationId xmlns:a16="http://schemas.microsoft.com/office/drawing/2014/main" id="{83F1E6E9-60AD-4414-9A72-A449C741C647}"/>
+              </a:ext>
+            </a:extLst>
+          </p:cNvPr>
           <p:cNvCxnSpPr>
-            <a:stCxn id="7" idx="1"/>
-            <a:endCxn id="4" idx="0"/>
+            <a:cxnSpLocks/>
+            <a:endCxn id="4" idx="2"/>
           </p:cNvCxnSpPr>
           <p:nvPr/>
         </p:nvCxnSpPr>
         <p:spPr>
-          <a:xfrm flipH="1">
-            <a:off x="3151990" y="840891"/>
-            <a:ext cx="2155117" cy="1246093"/>
+          <a:xfrm flipH="1" flipV="1">
+            <a:off x="3151990" y="3205779"/>
+            <a:ext cx="2557694" cy="2667898"/>
           </a:xfrm>
           <a:prstGeom prst="straightConnector1">
             <a:avLst/>
           </a:prstGeom>
-          <a:ln>
-            <a:solidFill>
-              <a:srgbClr val="FF0000"/>
-            </a:solidFill>
-            <a:headEnd type="arrow"/>
-            <a:tailEnd type="arrow"/>
+          <a:ln w="50800">
+            <a:tailEnd type="triangle"/>
           </a:ln>
         </p:spPr>
         <p:style>
@@ -5158,246 +6291,28 @@
       </p:cxnSp>
       <p:cxnSp>
         <p:nvCxnSpPr>
-          <p:cNvPr id="24" name="直接箭头连接符 23"/>
+          <p:cNvPr id="50" name="直接箭头连接符 49">
+            <a:extLst>
+              <a:ext uri="{FF2B5EF4-FFF2-40B4-BE49-F238E27FC236}">
+                <a16:creationId xmlns:a16="http://schemas.microsoft.com/office/drawing/2014/main" id="{FBD75EC2-E239-44F0-863B-81B999E55D4E}"/>
+              </a:ext>
+            </a:extLst>
+          </p:cNvPr>
           <p:cNvCxnSpPr>
-            <a:stCxn id="4" idx="2"/>
-            <a:endCxn id="5" idx="0"/>
+            <a:stCxn id="4" idx="0"/>
           </p:cNvCxnSpPr>
           <p:nvPr/>
         </p:nvCxnSpPr>
         <p:spPr>
-          <a:xfrm>
-            <a:off x="3151990" y="3205779"/>
-            <a:ext cx="0" cy="797858"/>
+          <a:xfrm flipV="1">
+            <a:off x="3151990" y="1254716"/>
+            <a:ext cx="2557694" cy="832268"/>
           </a:xfrm>
           <a:prstGeom prst="straightConnector1">
             <a:avLst/>
           </a:prstGeom>
-          <a:ln>
-            <a:solidFill>
-              <a:srgbClr val="FF0000"/>
-            </a:solidFill>
-            <a:headEnd type="arrow"/>
-            <a:tailEnd type="arrow"/>
-          </a:ln>
-        </p:spPr>
-        <p:style>
-          <a:lnRef idx="1">
-            <a:schemeClr val="accent1"/>
-          </a:lnRef>
-          <a:fillRef idx="0">
-            <a:schemeClr val="accent1"/>
-          </a:fillRef>
-          <a:effectRef idx="0">
-            <a:schemeClr val="accent1"/>
-          </a:effectRef>
-          <a:fontRef idx="minor">
-            <a:schemeClr val="tx1"/>
-          </a:fontRef>
-        </p:style>
-      </p:cxnSp>
-      <p:cxnSp>
-        <p:nvCxnSpPr>
-          <p:cNvPr id="26" name="直接箭头连接符 25"/>
-          <p:cNvCxnSpPr>
-            <a:stCxn id="5" idx="2"/>
-            <a:endCxn id="8" idx="1"/>
-          </p:cNvCxnSpPr>
-          <p:nvPr/>
-        </p:nvCxnSpPr>
-        <p:spPr>
-          <a:xfrm>
-            <a:off x="3151990" y="5122432"/>
-            <a:ext cx="2155117" cy="1143898"/>
-          </a:xfrm>
-          <a:prstGeom prst="straightConnector1">
-            <a:avLst/>
-          </a:prstGeom>
-          <a:ln>
-            <a:solidFill>
-              <a:srgbClr val="FF0000"/>
-            </a:solidFill>
-            <a:headEnd type="arrow"/>
-            <a:tailEnd type="arrow"/>
-          </a:ln>
-        </p:spPr>
-        <p:style>
-          <a:lnRef idx="1">
-            <a:schemeClr val="accent1"/>
-          </a:lnRef>
-          <a:fillRef idx="0">
-            <a:schemeClr val="accent1"/>
-          </a:fillRef>
-          <a:effectRef idx="0">
-            <a:schemeClr val="accent1"/>
-          </a:effectRef>
-          <a:fontRef idx="minor">
-            <a:schemeClr val="tx1"/>
-          </a:fontRef>
-        </p:style>
-      </p:cxnSp>
-      <p:cxnSp>
-        <p:nvCxnSpPr>
-          <p:cNvPr id="28" name="直接箭头连接符 27"/>
-          <p:cNvCxnSpPr>
-            <a:stCxn id="7" idx="2"/>
-            <a:endCxn id="7" idx="2"/>
-          </p:cNvCxnSpPr>
-          <p:nvPr/>
-        </p:nvCxnSpPr>
-        <p:spPr>
-          <a:xfrm>
-            <a:off x="6058349" y="1237131"/>
-            <a:ext cx="0" cy="0"/>
-          </a:xfrm>
-          <a:prstGeom prst="straightConnector1">
-            <a:avLst/>
-          </a:prstGeom>
-          <a:ln>
-            <a:tailEnd type="arrow"/>
-          </a:ln>
-        </p:spPr>
-        <p:style>
-          <a:lnRef idx="1">
-            <a:schemeClr val="accent1"/>
-          </a:lnRef>
-          <a:fillRef idx="0">
-            <a:schemeClr val="accent1"/>
-          </a:fillRef>
-          <a:effectRef idx="0">
-            <a:schemeClr val="accent1"/>
-          </a:effectRef>
-          <a:fontRef idx="minor">
-            <a:schemeClr val="tx1"/>
-          </a:fontRef>
-        </p:style>
-      </p:cxnSp>
-      <p:cxnSp>
-        <p:nvCxnSpPr>
-          <p:cNvPr id="38" name="直接箭头连接符 37"/>
-          <p:cNvCxnSpPr>
-            <a:endCxn id="4" idx="0"/>
-          </p:cNvCxnSpPr>
-          <p:nvPr/>
-        </p:nvCxnSpPr>
-        <p:spPr>
-          <a:xfrm flipH="1">
-            <a:off x="3151990" y="1237131"/>
-            <a:ext cx="2951182" cy="849853"/>
-          </a:xfrm>
-          <a:prstGeom prst="straightConnector1">
-            <a:avLst/>
-          </a:prstGeom>
-          <a:ln>
-            <a:tailEnd type="arrow"/>
-          </a:ln>
-        </p:spPr>
-        <p:style>
-          <a:lnRef idx="1">
-            <a:schemeClr val="accent1"/>
-          </a:lnRef>
-          <a:fillRef idx="0">
-            <a:schemeClr val="accent1"/>
-          </a:fillRef>
-          <a:effectRef idx="0">
-            <a:schemeClr val="accent1"/>
-          </a:effectRef>
-          <a:fontRef idx="minor">
-            <a:schemeClr val="tx1"/>
-          </a:fontRef>
-        </p:style>
-      </p:cxnSp>
-      <p:cxnSp>
-        <p:nvCxnSpPr>
-          <p:cNvPr id="40" name="直接箭头连接符 39"/>
-          <p:cNvCxnSpPr>
-            <a:stCxn id="6" idx="1"/>
-            <a:endCxn id="4" idx="3"/>
-          </p:cNvCxnSpPr>
-          <p:nvPr/>
-        </p:nvCxnSpPr>
-        <p:spPr>
-          <a:xfrm flipH="1" flipV="1">
-            <a:off x="4098663" y="2646382"/>
-            <a:ext cx="4208034" cy="1206649"/>
-          </a:xfrm>
-          <a:prstGeom prst="straightConnector1">
-            <a:avLst/>
-          </a:prstGeom>
-          <a:ln>
-            <a:tailEnd type="arrow"/>
-          </a:ln>
-        </p:spPr>
-        <p:style>
-          <a:lnRef idx="1">
-            <a:schemeClr val="accent1"/>
-          </a:lnRef>
-          <a:fillRef idx="0">
-            <a:schemeClr val="accent1"/>
-          </a:fillRef>
-          <a:effectRef idx="0">
-            <a:schemeClr val="accent1"/>
-          </a:effectRef>
-          <a:fontRef idx="minor">
-            <a:schemeClr val="tx1"/>
-          </a:fontRef>
-        </p:style>
-      </p:cxnSp>
-      <p:cxnSp>
-        <p:nvCxnSpPr>
-          <p:cNvPr id="46" name="直接箭头连接符 45"/>
-          <p:cNvCxnSpPr>
-            <a:stCxn id="4" idx="2"/>
-            <a:endCxn id="8" idx="0"/>
-          </p:cNvCxnSpPr>
-          <p:nvPr/>
-        </p:nvCxnSpPr>
-        <p:spPr>
-          <a:xfrm>
-            <a:off x="3151990" y="3205779"/>
-            <a:ext cx="2906359" cy="2667897"/>
-          </a:xfrm>
-          <a:prstGeom prst="straightConnector1">
-            <a:avLst/>
-          </a:prstGeom>
-          <a:ln>
-            <a:tailEnd type="arrow"/>
-          </a:ln>
-        </p:spPr>
-        <p:style>
-          <a:lnRef idx="1">
-            <a:schemeClr val="accent1"/>
-          </a:lnRef>
-          <a:fillRef idx="0">
-            <a:schemeClr val="accent1"/>
-          </a:fillRef>
-          <a:effectRef idx="0">
-            <a:schemeClr val="accent1"/>
-          </a:effectRef>
-          <a:fontRef idx="minor">
-            <a:schemeClr val="tx1"/>
-          </a:fontRef>
-        </p:style>
-      </p:cxnSp>
-      <p:cxnSp>
-        <p:nvCxnSpPr>
-          <p:cNvPr id="49" name="直接箭头连接符 48"/>
-          <p:cNvCxnSpPr>
-            <a:stCxn id="4" idx="3"/>
-            <a:endCxn id="7" idx="2"/>
-          </p:cNvCxnSpPr>
-          <p:nvPr/>
-        </p:nvCxnSpPr>
-        <p:spPr>
-          <a:xfrm flipV="1">
-            <a:off x="4098663" y="1237131"/>
-            <a:ext cx="1959686" cy="1409251"/>
-          </a:xfrm>
-          <a:prstGeom prst="straightConnector1">
-            <a:avLst/>
-          </a:prstGeom>
-          <a:ln>
-            <a:tailEnd type="arrow"/>
+          <a:ln w="50800">
+            <a:tailEnd type="triangle"/>
           </a:ln>
         </p:spPr>
         <p:style>
@@ -5418,13 +6333,2960 @@
     </p:spTree>
     <p:extLst>
       <p:ext uri="{BB962C8B-B14F-4D97-AF65-F5344CB8AC3E}">
-        <p14:creationId xmlns:p14="http://schemas.microsoft.com/office/powerpoint/2010/main" val="2492519182"/>
+        <p14:creationId xmlns:p14="http://schemas.microsoft.com/office/powerpoint/2010/main" val="2767220760"/>
       </p:ext>
     </p:extLst>
   </p:cSld>
   <p:clrMapOvr>
     <a:masterClrMapping/>
   </p:clrMapOvr>
+  <p:timing>
+    <p:tnLst>
+      <p:par>
+        <p:cTn id="1" dur="indefinite" restart="never" nodeType="tmRoot">
+          <p:childTnLst>
+            <p:seq concurrent="1" nextAc="seek">
+              <p:cTn id="2" dur="indefinite" nodeType="mainSeq">
+                <p:childTnLst>
+                  <p:par>
+                    <p:cTn id="3" fill="hold">
+                      <p:stCondLst>
+                        <p:cond delay="indefinite"/>
+                      </p:stCondLst>
+                      <p:childTnLst>
+                        <p:par>
+                          <p:cTn id="4" fill="hold">
+                            <p:stCondLst>
+                              <p:cond delay="0"/>
+                            </p:stCondLst>
+                            <p:childTnLst>
+                              <p:par>
+                                <p:cTn id="5" presetID="10" presetClass="entr" presetSubtype="0" fill="hold" nodeType="clickEffect">
+                                  <p:stCondLst>
+                                    <p:cond delay="0"/>
+                                  </p:stCondLst>
+                                  <p:childTnLst>
+                                    <p:set>
+                                      <p:cBhvr>
+                                        <p:cTn id="6" dur="1" fill="hold">
+                                          <p:stCondLst>
+                                            <p:cond delay="0"/>
+                                          </p:stCondLst>
+                                        </p:cTn>
+                                        <p:tgtEl>
+                                          <p:spTgt spid="32"/>
+                                        </p:tgtEl>
+                                        <p:attrNameLst>
+                                          <p:attrName>style.visibility</p:attrName>
+                                        </p:attrNameLst>
+                                      </p:cBhvr>
+                                      <p:to>
+                                        <p:strVal val="visible"/>
+                                      </p:to>
+                                    </p:set>
+                                    <p:animEffect transition="in" filter="fade">
+                                      <p:cBhvr>
+                                        <p:cTn id="7" dur="500"/>
+                                        <p:tgtEl>
+                                          <p:spTgt spid="32"/>
+                                        </p:tgtEl>
+                                      </p:cBhvr>
+                                    </p:animEffect>
+                                  </p:childTnLst>
+                                </p:cTn>
+                              </p:par>
+                            </p:childTnLst>
+                          </p:cTn>
+                        </p:par>
+                      </p:childTnLst>
+                    </p:cTn>
+                  </p:par>
+                  <p:par>
+                    <p:cTn id="8" fill="hold">
+                      <p:stCondLst>
+                        <p:cond delay="indefinite"/>
+                      </p:stCondLst>
+                      <p:childTnLst>
+                        <p:par>
+                          <p:cTn id="9" fill="hold">
+                            <p:stCondLst>
+                              <p:cond delay="0"/>
+                            </p:stCondLst>
+                            <p:childTnLst>
+                              <p:par>
+                                <p:cTn id="10" presetID="10" presetClass="entr" presetSubtype="0" fill="hold" nodeType="clickEffect">
+                                  <p:stCondLst>
+                                    <p:cond delay="0"/>
+                                  </p:stCondLst>
+                                  <p:childTnLst>
+                                    <p:set>
+                                      <p:cBhvr>
+                                        <p:cTn id="11" dur="1" fill="hold">
+                                          <p:stCondLst>
+                                            <p:cond delay="0"/>
+                                          </p:stCondLst>
+                                        </p:cTn>
+                                        <p:tgtEl>
+                                          <p:spTgt spid="16"/>
+                                        </p:tgtEl>
+                                        <p:attrNameLst>
+                                          <p:attrName>style.visibility</p:attrName>
+                                        </p:attrNameLst>
+                                      </p:cBhvr>
+                                      <p:to>
+                                        <p:strVal val="visible"/>
+                                      </p:to>
+                                    </p:set>
+                                    <p:animEffect transition="in" filter="fade">
+                                      <p:cBhvr>
+                                        <p:cTn id="12" dur="500"/>
+                                        <p:tgtEl>
+                                          <p:spTgt spid="16"/>
+                                        </p:tgtEl>
+                                      </p:cBhvr>
+                                    </p:animEffect>
+                                  </p:childTnLst>
+                                </p:cTn>
+                              </p:par>
+                            </p:childTnLst>
+                          </p:cTn>
+                        </p:par>
+                      </p:childTnLst>
+                    </p:cTn>
+                  </p:par>
+                  <p:par>
+                    <p:cTn id="13" fill="hold">
+                      <p:stCondLst>
+                        <p:cond delay="indefinite"/>
+                      </p:stCondLst>
+                      <p:childTnLst>
+                        <p:par>
+                          <p:cTn id="14" fill="hold">
+                            <p:stCondLst>
+                              <p:cond delay="0"/>
+                            </p:stCondLst>
+                            <p:childTnLst>
+                              <p:par>
+                                <p:cTn id="15" presetID="1" presetClass="exit" presetSubtype="0" fill="hold" nodeType="clickEffect">
+                                  <p:stCondLst>
+                                    <p:cond delay="0"/>
+                                  </p:stCondLst>
+                                  <p:childTnLst>
+                                    <p:set>
+                                      <p:cBhvr>
+                                        <p:cTn id="16" dur="1" fill="hold">
+                                          <p:stCondLst>
+                                            <p:cond delay="0"/>
+                                          </p:stCondLst>
+                                        </p:cTn>
+                                        <p:tgtEl>
+                                          <p:spTgt spid="16"/>
+                                        </p:tgtEl>
+                                        <p:attrNameLst>
+                                          <p:attrName>style.visibility</p:attrName>
+                                        </p:attrNameLst>
+                                      </p:cBhvr>
+                                      <p:to>
+                                        <p:strVal val="hidden"/>
+                                      </p:to>
+                                    </p:set>
+                                  </p:childTnLst>
+                                </p:cTn>
+                              </p:par>
+                              <p:par>
+                                <p:cTn id="17" presetID="10" presetClass="entr" presetSubtype="0" fill="hold" nodeType="withEffect">
+                                  <p:stCondLst>
+                                    <p:cond delay="0"/>
+                                  </p:stCondLst>
+                                  <p:childTnLst>
+                                    <p:set>
+                                      <p:cBhvr>
+                                        <p:cTn id="18" dur="1" fill="hold">
+                                          <p:stCondLst>
+                                            <p:cond delay="0"/>
+                                          </p:stCondLst>
+                                        </p:cTn>
+                                        <p:tgtEl>
+                                          <p:spTgt spid="43"/>
+                                        </p:tgtEl>
+                                        <p:attrNameLst>
+                                          <p:attrName>style.visibility</p:attrName>
+                                        </p:attrNameLst>
+                                      </p:cBhvr>
+                                      <p:to>
+                                        <p:strVal val="visible"/>
+                                      </p:to>
+                                    </p:set>
+                                    <p:animEffect transition="in" filter="fade">
+                                      <p:cBhvr>
+                                        <p:cTn id="19" dur="500"/>
+                                        <p:tgtEl>
+                                          <p:spTgt spid="43"/>
+                                        </p:tgtEl>
+                                      </p:cBhvr>
+                                    </p:animEffect>
+                                  </p:childTnLst>
+                                </p:cTn>
+                              </p:par>
+                            </p:childTnLst>
+                          </p:cTn>
+                        </p:par>
+                      </p:childTnLst>
+                    </p:cTn>
+                  </p:par>
+                  <p:par>
+                    <p:cTn id="20" fill="hold">
+                      <p:stCondLst>
+                        <p:cond delay="indefinite"/>
+                      </p:stCondLst>
+                      <p:childTnLst>
+                        <p:par>
+                          <p:cTn id="21" fill="hold">
+                            <p:stCondLst>
+                              <p:cond delay="0"/>
+                            </p:stCondLst>
+                            <p:childTnLst>
+                              <p:par>
+                                <p:cTn id="22" presetID="10" presetClass="entr" presetSubtype="0" fill="hold" nodeType="clickEffect">
+                                  <p:stCondLst>
+                                    <p:cond delay="0"/>
+                                  </p:stCondLst>
+                                  <p:childTnLst>
+                                    <p:set>
+                                      <p:cBhvr>
+                                        <p:cTn id="23" dur="1" fill="hold">
+                                          <p:stCondLst>
+                                            <p:cond delay="0"/>
+                                          </p:stCondLst>
+                                        </p:cTn>
+                                        <p:tgtEl>
+                                          <p:spTgt spid="45"/>
+                                        </p:tgtEl>
+                                        <p:attrNameLst>
+                                          <p:attrName>style.visibility</p:attrName>
+                                        </p:attrNameLst>
+                                      </p:cBhvr>
+                                      <p:to>
+                                        <p:strVal val="visible"/>
+                                      </p:to>
+                                    </p:set>
+                                    <p:animEffect transition="in" filter="fade">
+                                      <p:cBhvr>
+                                        <p:cTn id="24" dur="500"/>
+                                        <p:tgtEl>
+                                          <p:spTgt spid="45"/>
+                                        </p:tgtEl>
+                                      </p:cBhvr>
+                                    </p:animEffect>
+                                  </p:childTnLst>
+                                </p:cTn>
+                              </p:par>
+                            </p:childTnLst>
+                          </p:cTn>
+                        </p:par>
+                      </p:childTnLst>
+                    </p:cTn>
+                  </p:par>
+                  <p:par>
+                    <p:cTn id="25" fill="hold">
+                      <p:stCondLst>
+                        <p:cond delay="indefinite"/>
+                      </p:stCondLst>
+                      <p:childTnLst>
+                        <p:par>
+                          <p:cTn id="26" fill="hold">
+                            <p:stCondLst>
+                              <p:cond delay="0"/>
+                            </p:stCondLst>
+                            <p:childTnLst>
+                              <p:par>
+                                <p:cTn id="27" presetID="10" presetClass="entr" presetSubtype="0" fill="hold" nodeType="clickEffect">
+                                  <p:stCondLst>
+                                    <p:cond delay="0"/>
+                                  </p:stCondLst>
+                                  <p:childTnLst>
+                                    <p:set>
+                                      <p:cBhvr>
+                                        <p:cTn id="28" dur="1" fill="hold">
+                                          <p:stCondLst>
+                                            <p:cond delay="0"/>
+                                          </p:stCondLst>
+                                        </p:cTn>
+                                        <p:tgtEl>
+                                          <p:spTgt spid="50"/>
+                                        </p:tgtEl>
+                                        <p:attrNameLst>
+                                          <p:attrName>style.visibility</p:attrName>
+                                        </p:attrNameLst>
+                                      </p:cBhvr>
+                                      <p:to>
+                                        <p:strVal val="visible"/>
+                                      </p:to>
+                                    </p:set>
+                                    <p:animEffect transition="in" filter="fade">
+                                      <p:cBhvr>
+                                        <p:cTn id="29" dur="500"/>
+                                        <p:tgtEl>
+                                          <p:spTgt spid="50"/>
+                                        </p:tgtEl>
+                                      </p:cBhvr>
+                                    </p:animEffect>
+                                  </p:childTnLst>
+                                </p:cTn>
+                              </p:par>
+                            </p:childTnLst>
+                          </p:cTn>
+                        </p:par>
+                      </p:childTnLst>
+                    </p:cTn>
+                  </p:par>
+                </p:childTnLst>
+              </p:cTn>
+              <p:prevCondLst>
+                <p:cond evt="onPrev" delay="0">
+                  <p:tgtEl>
+                    <p:sldTgt/>
+                  </p:tgtEl>
+                </p:cond>
+              </p:prevCondLst>
+              <p:nextCondLst>
+                <p:cond evt="onNext" delay="0">
+                  <p:tgtEl>
+                    <p:sldTgt/>
+                  </p:tgtEl>
+                </p:cond>
+              </p:nextCondLst>
+            </p:seq>
+          </p:childTnLst>
+        </p:cTn>
+      </p:par>
+    </p:tnLst>
+  </p:timing>
+</p:sld>
+</file>
+
+<file path=ppt/slides/slide7.xml><?xml version="1.0" encoding="utf-8"?>
+<p:sld xmlns:a="http://schemas.openxmlformats.org/drawingml/2006/main" xmlns:r="http://schemas.openxmlformats.org/officeDocument/2006/relationships" xmlns:p="http://schemas.openxmlformats.org/presentationml/2006/main">
+  <p:cSld>
+    <p:spTree>
+      <p:nvGrpSpPr>
+        <p:cNvPr id="1" name=""/>
+        <p:cNvGrpSpPr/>
+        <p:nvPr/>
+      </p:nvGrpSpPr>
+      <p:grpSpPr>
+        <a:xfrm>
+          <a:off x="0" y="0"/>
+          <a:ext cx="0" cy="0"/>
+          <a:chOff x="0" y="0"/>
+          <a:chExt cx="0" cy="0"/>
+        </a:xfrm>
+      </p:grpSpPr>
+      <p:sp>
+        <p:nvSpPr>
+          <p:cNvPr id="2" name="标题 1">
+            <a:extLst>
+              <a:ext uri="{FF2B5EF4-FFF2-40B4-BE49-F238E27FC236}">
+                <a16:creationId xmlns:a16="http://schemas.microsoft.com/office/drawing/2014/main" id="{1B0E31AD-0856-4967-BA45-E9147D356A62}"/>
+              </a:ext>
+            </a:extLst>
+          </p:cNvPr>
+          <p:cNvSpPr>
+            <a:spLocks noGrp="1"/>
+          </p:cNvSpPr>
+          <p:nvPr>
+            <p:ph type="title"/>
+          </p:nvPr>
+        </p:nvSpPr>
+        <p:spPr>
+          <a:xfrm>
+            <a:off x="838200" y="365125"/>
+            <a:ext cx="4361116" cy="1591266"/>
+          </a:xfrm>
+        </p:spPr>
+        <p:txBody>
+          <a:bodyPr>
+            <a:normAutofit fontScale="90000"/>
+          </a:bodyPr>
+          <a:lstStyle/>
+          <a:p>
+            <a:r>
+              <a:rPr lang="zh-CN" altLang="en-US" sz="3600" dirty="0"/>
+              <a:t>文件（夹）的删除移动和重命名</a:t>
+            </a:r>
+            <a:br>
+              <a:rPr lang="en-US" altLang="zh-CN" dirty="0"/>
+            </a:br>
+            <a:endParaRPr lang="zh-CN" altLang="en-US" dirty="0"/>
+          </a:p>
+        </p:txBody>
+      </p:sp>
+      <p:sp>
+        <p:nvSpPr>
+          <p:cNvPr id="4" name="矩形 3"/>
+          <p:cNvSpPr/>
+          <p:nvPr/>
+        </p:nvSpPr>
+        <p:spPr>
+          <a:xfrm>
+            <a:off x="2205317" y="2086984"/>
+            <a:ext cx="1893346" cy="1118795"/>
+          </a:xfrm>
+          <a:prstGeom prst="rect">
+            <a:avLst/>
+          </a:prstGeom>
+        </p:spPr>
+        <p:style>
+          <a:lnRef idx="2">
+            <a:schemeClr val="dk1"/>
+          </a:lnRef>
+          <a:fillRef idx="1">
+            <a:schemeClr val="lt1"/>
+          </a:fillRef>
+          <a:effectRef idx="0">
+            <a:schemeClr val="dk1"/>
+          </a:effectRef>
+          <a:fontRef idx="minor">
+            <a:schemeClr val="dk1"/>
+          </a:fontRef>
+        </p:style>
+        <p:txBody>
+          <a:bodyPr rtlCol="0" anchor="ctr"/>
+          <a:lstStyle/>
+          <a:p>
+            <a:pPr algn="ctr"/>
+            <a:r>
+              <a:rPr lang="zh-CN" altLang="en-US" sz="2800" dirty="0"/>
+              <a:t>加密模块</a:t>
+            </a:r>
+          </a:p>
+        </p:txBody>
+      </p:sp>
+      <p:sp>
+        <p:nvSpPr>
+          <p:cNvPr id="5" name="矩形 4"/>
+          <p:cNvSpPr/>
+          <p:nvPr/>
+        </p:nvSpPr>
+        <p:spPr>
+          <a:xfrm>
+            <a:off x="2205317" y="4003637"/>
+            <a:ext cx="1893346" cy="1118795"/>
+          </a:xfrm>
+          <a:prstGeom prst="rect">
+            <a:avLst/>
+          </a:prstGeom>
+        </p:spPr>
+        <p:style>
+          <a:lnRef idx="2">
+            <a:schemeClr val="dk1"/>
+          </a:lnRef>
+          <a:fillRef idx="1">
+            <a:schemeClr val="lt1"/>
+          </a:fillRef>
+          <a:effectRef idx="0">
+            <a:schemeClr val="dk1"/>
+          </a:effectRef>
+          <a:fontRef idx="minor">
+            <a:schemeClr val="dk1"/>
+          </a:fontRef>
+        </p:style>
+        <p:txBody>
+          <a:bodyPr rtlCol="0" anchor="ctr"/>
+          <a:lstStyle/>
+          <a:p>
+            <a:pPr algn="ctr"/>
+            <a:r>
+              <a:rPr lang="zh-CN" altLang="en-US" sz="2800" dirty="0"/>
+              <a:t>传输模块</a:t>
+            </a:r>
+          </a:p>
+        </p:txBody>
+      </p:sp>
+      <p:sp>
+        <p:nvSpPr>
+          <p:cNvPr id="6" name="矩形 5"/>
+          <p:cNvSpPr/>
+          <p:nvPr/>
+        </p:nvSpPr>
+        <p:spPr>
+          <a:xfrm>
+            <a:off x="8333074" y="3293633"/>
+            <a:ext cx="1893346" cy="1118795"/>
+          </a:xfrm>
+          <a:prstGeom prst="rect">
+            <a:avLst/>
+          </a:prstGeom>
+        </p:spPr>
+        <p:style>
+          <a:lnRef idx="2">
+            <a:schemeClr val="dk1"/>
+          </a:lnRef>
+          <a:fillRef idx="1">
+            <a:schemeClr val="lt1"/>
+          </a:fillRef>
+          <a:effectRef idx="0">
+            <a:schemeClr val="dk1"/>
+          </a:effectRef>
+          <a:fontRef idx="minor">
+            <a:schemeClr val="dk1"/>
+          </a:fontRef>
+        </p:style>
+        <p:txBody>
+          <a:bodyPr rtlCol="0" anchor="ctr"/>
+          <a:lstStyle/>
+          <a:p>
+            <a:pPr algn="ctr"/>
+            <a:r>
+              <a:rPr lang="zh-CN" altLang="en-US" sz="2800" dirty="0"/>
+              <a:t>存储模块</a:t>
+            </a:r>
+          </a:p>
+        </p:txBody>
+      </p:sp>
+      <p:sp>
+        <p:nvSpPr>
+          <p:cNvPr id="8" name="矩形 7"/>
+          <p:cNvSpPr/>
+          <p:nvPr/>
+        </p:nvSpPr>
+        <p:spPr>
+          <a:xfrm>
+            <a:off x="5307107" y="5873676"/>
+            <a:ext cx="1502484" cy="785308"/>
+          </a:xfrm>
+          <a:prstGeom prst="rect">
+            <a:avLst/>
+          </a:prstGeom>
+        </p:spPr>
+        <p:style>
+          <a:lnRef idx="2">
+            <a:schemeClr val="dk1"/>
+          </a:lnRef>
+          <a:fillRef idx="1">
+            <a:schemeClr val="lt1"/>
+          </a:fillRef>
+          <a:effectRef idx="0">
+            <a:schemeClr val="dk1"/>
+          </a:effectRef>
+          <a:fontRef idx="minor">
+            <a:schemeClr val="dk1"/>
+          </a:fontRef>
+        </p:style>
+        <p:txBody>
+          <a:bodyPr rtlCol="0" anchor="ctr"/>
+          <a:lstStyle/>
+          <a:p>
+            <a:pPr algn="ctr"/>
+            <a:r>
+              <a:rPr lang="zh-CN" altLang="en-US" sz="2800" dirty="0"/>
+              <a:t>服务端</a:t>
+            </a:r>
+          </a:p>
+        </p:txBody>
+      </p:sp>
+      <p:cxnSp>
+        <p:nvCxnSpPr>
+          <p:cNvPr id="16" name="直接箭头连接符 15"/>
+          <p:cNvCxnSpPr>
+            <a:cxnSpLocks/>
+          </p:cNvCxnSpPr>
+          <p:nvPr/>
+        </p:nvCxnSpPr>
+        <p:spPr>
+          <a:xfrm flipV="1">
+            <a:off x="6820330" y="4412428"/>
+            <a:ext cx="2470156" cy="1853902"/>
+          </a:xfrm>
+          <a:prstGeom prst="straightConnector1">
+            <a:avLst/>
+          </a:prstGeom>
+          <a:ln w="50800">
+            <a:tailEnd type="arrow"/>
+          </a:ln>
+        </p:spPr>
+        <p:style>
+          <a:lnRef idx="1">
+            <a:schemeClr val="accent1"/>
+          </a:lnRef>
+          <a:fillRef idx="0">
+            <a:schemeClr val="accent1"/>
+          </a:fillRef>
+          <a:effectRef idx="0">
+            <a:schemeClr val="accent1"/>
+          </a:effectRef>
+          <a:fontRef idx="minor">
+            <a:schemeClr val="tx1"/>
+          </a:fontRef>
+        </p:style>
+      </p:cxnSp>
+      <p:sp>
+        <p:nvSpPr>
+          <p:cNvPr id="35" name="矩形 34">
+            <a:extLst>
+              <a:ext uri="{FF2B5EF4-FFF2-40B4-BE49-F238E27FC236}">
+                <a16:creationId xmlns:a16="http://schemas.microsoft.com/office/drawing/2014/main" id="{0AA2D357-8EAD-416D-AE0D-A0647F45FFDB}"/>
+              </a:ext>
+            </a:extLst>
+          </p:cNvPr>
+          <p:cNvSpPr/>
+          <p:nvPr/>
+        </p:nvSpPr>
+        <p:spPr>
+          <a:xfrm>
+            <a:off x="5307107" y="462236"/>
+            <a:ext cx="1502484" cy="792480"/>
+          </a:xfrm>
+          <a:prstGeom prst="rect">
+            <a:avLst/>
+          </a:prstGeom>
+        </p:spPr>
+        <p:style>
+          <a:lnRef idx="2">
+            <a:schemeClr val="dk1"/>
+          </a:lnRef>
+          <a:fillRef idx="1">
+            <a:schemeClr val="lt1"/>
+          </a:fillRef>
+          <a:effectRef idx="0">
+            <a:schemeClr val="dk1"/>
+          </a:effectRef>
+          <a:fontRef idx="minor">
+            <a:schemeClr val="dk1"/>
+          </a:fontRef>
+        </p:style>
+        <p:txBody>
+          <a:bodyPr rtlCol="0" anchor="ctr"/>
+          <a:lstStyle/>
+          <a:p>
+            <a:pPr algn="ctr"/>
+            <a:r>
+              <a:rPr lang="zh-CN" altLang="en-US" sz="2800" dirty="0"/>
+              <a:t>客户端</a:t>
+            </a:r>
+          </a:p>
+        </p:txBody>
+      </p:sp>
+      <p:cxnSp>
+        <p:nvCxnSpPr>
+          <p:cNvPr id="32" name="直接箭头连接符 31">
+            <a:extLst>
+              <a:ext uri="{FF2B5EF4-FFF2-40B4-BE49-F238E27FC236}">
+                <a16:creationId xmlns:a16="http://schemas.microsoft.com/office/drawing/2014/main" id="{B4F7779C-E7B7-489D-93E8-21B4621A5E86}"/>
+              </a:ext>
+            </a:extLst>
+          </p:cNvPr>
+          <p:cNvCxnSpPr/>
+          <p:nvPr/>
+        </p:nvCxnSpPr>
+        <p:spPr>
+          <a:xfrm>
+            <a:off x="6392008" y="1254716"/>
+            <a:ext cx="0" cy="4618960"/>
+          </a:xfrm>
+          <a:prstGeom prst="straightConnector1">
+            <a:avLst/>
+          </a:prstGeom>
+          <a:ln w="50800">
+            <a:tailEnd type="triangle"/>
+          </a:ln>
+        </p:spPr>
+        <p:style>
+          <a:lnRef idx="1">
+            <a:schemeClr val="accent1"/>
+          </a:lnRef>
+          <a:fillRef idx="0">
+            <a:schemeClr val="accent1"/>
+          </a:fillRef>
+          <a:effectRef idx="0">
+            <a:schemeClr val="accent1"/>
+          </a:effectRef>
+          <a:fontRef idx="minor">
+            <a:schemeClr val="tx1"/>
+          </a:fontRef>
+        </p:style>
+      </p:cxnSp>
+      <p:cxnSp>
+        <p:nvCxnSpPr>
+          <p:cNvPr id="43" name="直接箭头连接符 42">
+            <a:extLst>
+              <a:ext uri="{FF2B5EF4-FFF2-40B4-BE49-F238E27FC236}">
+                <a16:creationId xmlns:a16="http://schemas.microsoft.com/office/drawing/2014/main" id="{DEBCE0E6-218C-43BD-84E0-2B6AB8EB042A}"/>
+              </a:ext>
+            </a:extLst>
+          </p:cNvPr>
+          <p:cNvCxnSpPr>
+            <a:stCxn id="6" idx="2"/>
+          </p:cNvCxnSpPr>
+          <p:nvPr/>
+        </p:nvCxnSpPr>
+        <p:spPr>
+          <a:xfrm flipH="1">
+            <a:off x="6809591" y="4412428"/>
+            <a:ext cx="2470156" cy="1722558"/>
+          </a:xfrm>
+          <a:prstGeom prst="straightConnector1">
+            <a:avLst/>
+          </a:prstGeom>
+          <a:ln w="50800">
+            <a:tailEnd type="triangle"/>
+          </a:ln>
+        </p:spPr>
+        <p:style>
+          <a:lnRef idx="1">
+            <a:schemeClr val="accent1"/>
+          </a:lnRef>
+          <a:fillRef idx="0">
+            <a:schemeClr val="accent1"/>
+          </a:fillRef>
+          <a:effectRef idx="0">
+            <a:schemeClr val="accent1"/>
+          </a:effectRef>
+          <a:fontRef idx="minor">
+            <a:schemeClr val="tx1"/>
+          </a:fontRef>
+        </p:style>
+      </p:cxnSp>
+      <p:cxnSp>
+        <p:nvCxnSpPr>
+          <p:cNvPr id="45" name="直接箭头连接符 44">
+            <a:extLst>
+              <a:ext uri="{FF2B5EF4-FFF2-40B4-BE49-F238E27FC236}">
+                <a16:creationId xmlns:a16="http://schemas.microsoft.com/office/drawing/2014/main" id="{83F1E6E9-60AD-4414-9A72-A449C741C647}"/>
+              </a:ext>
+            </a:extLst>
+          </p:cNvPr>
+          <p:cNvCxnSpPr/>
+          <p:nvPr/>
+        </p:nvCxnSpPr>
+        <p:spPr>
+          <a:xfrm flipV="1">
+            <a:off x="5709684" y="1254716"/>
+            <a:ext cx="0" cy="4618960"/>
+          </a:xfrm>
+          <a:prstGeom prst="straightConnector1">
+            <a:avLst/>
+          </a:prstGeom>
+          <a:ln w="50800">
+            <a:tailEnd type="triangle"/>
+          </a:ln>
+        </p:spPr>
+        <p:style>
+          <a:lnRef idx="1">
+            <a:schemeClr val="accent1"/>
+          </a:lnRef>
+          <a:fillRef idx="0">
+            <a:schemeClr val="accent1"/>
+          </a:fillRef>
+          <a:effectRef idx="0">
+            <a:schemeClr val="accent1"/>
+          </a:effectRef>
+          <a:fontRef idx="minor">
+            <a:schemeClr val="tx1"/>
+          </a:fontRef>
+        </p:style>
+      </p:cxnSp>
+    </p:spTree>
+    <p:extLst>
+      <p:ext uri="{BB962C8B-B14F-4D97-AF65-F5344CB8AC3E}">
+        <p14:creationId xmlns:p14="http://schemas.microsoft.com/office/powerpoint/2010/main" val="3413872414"/>
+      </p:ext>
+    </p:extLst>
+  </p:cSld>
+  <p:clrMapOvr>
+    <a:masterClrMapping/>
+  </p:clrMapOvr>
+  <p:timing>
+    <p:tnLst>
+      <p:par>
+        <p:cTn id="1" dur="indefinite" restart="never" nodeType="tmRoot">
+          <p:childTnLst>
+            <p:seq concurrent="1" nextAc="seek">
+              <p:cTn id="2" dur="indefinite" nodeType="mainSeq">
+                <p:childTnLst>
+                  <p:par>
+                    <p:cTn id="3" fill="hold">
+                      <p:stCondLst>
+                        <p:cond delay="indefinite"/>
+                      </p:stCondLst>
+                      <p:childTnLst>
+                        <p:par>
+                          <p:cTn id="4" fill="hold">
+                            <p:stCondLst>
+                              <p:cond delay="0"/>
+                            </p:stCondLst>
+                            <p:childTnLst>
+                              <p:par>
+                                <p:cTn id="5" presetID="10" presetClass="entr" presetSubtype="0" fill="hold" nodeType="clickEffect">
+                                  <p:stCondLst>
+                                    <p:cond delay="0"/>
+                                  </p:stCondLst>
+                                  <p:childTnLst>
+                                    <p:set>
+                                      <p:cBhvr>
+                                        <p:cTn id="6" dur="1" fill="hold">
+                                          <p:stCondLst>
+                                            <p:cond delay="0"/>
+                                          </p:stCondLst>
+                                        </p:cTn>
+                                        <p:tgtEl>
+                                          <p:spTgt spid="32"/>
+                                        </p:tgtEl>
+                                        <p:attrNameLst>
+                                          <p:attrName>style.visibility</p:attrName>
+                                        </p:attrNameLst>
+                                      </p:cBhvr>
+                                      <p:to>
+                                        <p:strVal val="visible"/>
+                                      </p:to>
+                                    </p:set>
+                                    <p:animEffect transition="in" filter="fade">
+                                      <p:cBhvr>
+                                        <p:cTn id="7" dur="500"/>
+                                        <p:tgtEl>
+                                          <p:spTgt spid="32"/>
+                                        </p:tgtEl>
+                                      </p:cBhvr>
+                                    </p:animEffect>
+                                  </p:childTnLst>
+                                </p:cTn>
+                              </p:par>
+                            </p:childTnLst>
+                          </p:cTn>
+                        </p:par>
+                      </p:childTnLst>
+                    </p:cTn>
+                  </p:par>
+                  <p:par>
+                    <p:cTn id="8" fill="hold">
+                      <p:stCondLst>
+                        <p:cond delay="indefinite"/>
+                      </p:stCondLst>
+                      <p:childTnLst>
+                        <p:par>
+                          <p:cTn id="9" fill="hold">
+                            <p:stCondLst>
+                              <p:cond delay="0"/>
+                            </p:stCondLst>
+                            <p:childTnLst>
+                              <p:par>
+                                <p:cTn id="10" presetID="10" presetClass="entr" presetSubtype="0" fill="hold" nodeType="clickEffect">
+                                  <p:stCondLst>
+                                    <p:cond delay="0"/>
+                                  </p:stCondLst>
+                                  <p:childTnLst>
+                                    <p:set>
+                                      <p:cBhvr>
+                                        <p:cTn id="11" dur="1" fill="hold">
+                                          <p:stCondLst>
+                                            <p:cond delay="0"/>
+                                          </p:stCondLst>
+                                        </p:cTn>
+                                        <p:tgtEl>
+                                          <p:spTgt spid="16"/>
+                                        </p:tgtEl>
+                                        <p:attrNameLst>
+                                          <p:attrName>style.visibility</p:attrName>
+                                        </p:attrNameLst>
+                                      </p:cBhvr>
+                                      <p:to>
+                                        <p:strVal val="visible"/>
+                                      </p:to>
+                                    </p:set>
+                                    <p:animEffect transition="in" filter="fade">
+                                      <p:cBhvr>
+                                        <p:cTn id="12" dur="500"/>
+                                        <p:tgtEl>
+                                          <p:spTgt spid="16"/>
+                                        </p:tgtEl>
+                                      </p:cBhvr>
+                                    </p:animEffect>
+                                  </p:childTnLst>
+                                </p:cTn>
+                              </p:par>
+                            </p:childTnLst>
+                          </p:cTn>
+                        </p:par>
+                      </p:childTnLst>
+                    </p:cTn>
+                  </p:par>
+                  <p:par>
+                    <p:cTn id="13" fill="hold">
+                      <p:stCondLst>
+                        <p:cond delay="indefinite"/>
+                      </p:stCondLst>
+                      <p:childTnLst>
+                        <p:par>
+                          <p:cTn id="14" fill="hold">
+                            <p:stCondLst>
+                              <p:cond delay="0"/>
+                            </p:stCondLst>
+                            <p:childTnLst>
+                              <p:par>
+                                <p:cTn id="15" presetID="1" presetClass="exit" presetSubtype="0" fill="hold" nodeType="clickEffect">
+                                  <p:stCondLst>
+                                    <p:cond delay="0"/>
+                                  </p:stCondLst>
+                                  <p:childTnLst>
+                                    <p:set>
+                                      <p:cBhvr>
+                                        <p:cTn id="16" dur="1" fill="hold">
+                                          <p:stCondLst>
+                                            <p:cond delay="0"/>
+                                          </p:stCondLst>
+                                        </p:cTn>
+                                        <p:tgtEl>
+                                          <p:spTgt spid="16"/>
+                                        </p:tgtEl>
+                                        <p:attrNameLst>
+                                          <p:attrName>style.visibility</p:attrName>
+                                        </p:attrNameLst>
+                                      </p:cBhvr>
+                                      <p:to>
+                                        <p:strVal val="hidden"/>
+                                      </p:to>
+                                    </p:set>
+                                  </p:childTnLst>
+                                </p:cTn>
+                              </p:par>
+                              <p:par>
+                                <p:cTn id="17" presetID="10" presetClass="entr" presetSubtype="0" fill="hold" nodeType="withEffect">
+                                  <p:stCondLst>
+                                    <p:cond delay="0"/>
+                                  </p:stCondLst>
+                                  <p:childTnLst>
+                                    <p:set>
+                                      <p:cBhvr>
+                                        <p:cTn id="18" dur="1" fill="hold">
+                                          <p:stCondLst>
+                                            <p:cond delay="0"/>
+                                          </p:stCondLst>
+                                        </p:cTn>
+                                        <p:tgtEl>
+                                          <p:spTgt spid="43"/>
+                                        </p:tgtEl>
+                                        <p:attrNameLst>
+                                          <p:attrName>style.visibility</p:attrName>
+                                        </p:attrNameLst>
+                                      </p:cBhvr>
+                                      <p:to>
+                                        <p:strVal val="visible"/>
+                                      </p:to>
+                                    </p:set>
+                                    <p:animEffect transition="in" filter="fade">
+                                      <p:cBhvr>
+                                        <p:cTn id="19" dur="500"/>
+                                        <p:tgtEl>
+                                          <p:spTgt spid="43"/>
+                                        </p:tgtEl>
+                                      </p:cBhvr>
+                                    </p:animEffect>
+                                  </p:childTnLst>
+                                </p:cTn>
+                              </p:par>
+                            </p:childTnLst>
+                          </p:cTn>
+                        </p:par>
+                      </p:childTnLst>
+                    </p:cTn>
+                  </p:par>
+                  <p:par>
+                    <p:cTn id="20" fill="hold">
+                      <p:stCondLst>
+                        <p:cond delay="indefinite"/>
+                      </p:stCondLst>
+                      <p:childTnLst>
+                        <p:par>
+                          <p:cTn id="21" fill="hold">
+                            <p:stCondLst>
+                              <p:cond delay="0"/>
+                            </p:stCondLst>
+                            <p:childTnLst>
+                              <p:par>
+                                <p:cTn id="22" presetID="10" presetClass="entr" presetSubtype="0" fill="hold" nodeType="clickEffect">
+                                  <p:stCondLst>
+                                    <p:cond delay="0"/>
+                                  </p:stCondLst>
+                                  <p:childTnLst>
+                                    <p:set>
+                                      <p:cBhvr>
+                                        <p:cTn id="23" dur="1" fill="hold">
+                                          <p:stCondLst>
+                                            <p:cond delay="0"/>
+                                          </p:stCondLst>
+                                        </p:cTn>
+                                        <p:tgtEl>
+                                          <p:spTgt spid="45"/>
+                                        </p:tgtEl>
+                                        <p:attrNameLst>
+                                          <p:attrName>style.visibility</p:attrName>
+                                        </p:attrNameLst>
+                                      </p:cBhvr>
+                                      <p:to>
+                                        <p:strVal val="visible"/>
+                                      </p:to>
+                                    </p:set>
+                                    <p:animEffect transition="in" filter="fade">
+                                      <p:cBhvr>
+                                        <p:cTn id="24" dur="500"/>
+                                        <p:tgtEl>
+                                          <p:spTgt spid="45"/>
+                                        </p:tgtEl>
+                                      </p:cBhvr>
+                                    </p:animEffect>
+                                  </p:childTnLst>
+                                </p:cTn>
+                              </p:par>
+                            </p:childTnLst>
+                          </p:cTn>
+                        </p:par>
+                      </p:childTnLst>
+                    </p:cTn>
+                  </p:par>
+                </p:childTnLst>
+              </p:cTn>
+              <p:prevCondLst>
+                <p:cond evt="onPrev" delay="0">
+                  <p:tgtEl>
+                    <p:sldTgt/>
+                  </p:tgtEl>
+                </p:cond>
+              </p:prevCondLst>
+              <p:nextCondLst>
+                <p:cond evt="onNext" delay="0">
+                  <p:tgtEl>
+                    <p:sldTgt/>
+                  </p:tgtEl>
+                </p:cond>
+              </p:nextCondLst>
+            </p:seq>
+          </p:childTnLst>
+        </p:cTn>
+      </p:par>
+    </p:tnLst>
+  </p:timing>
+</p:sld>
+</file>
+
+<file path=ppt/slides/slide8.xml><?xml version="1.0" encoding="utf-8"?>
+<p:sld xmlns:a="http://schemas.openxmlformats.org/drawingml/2006/main" xmlns:r="http://schemas.openxmlformats.org/officeDocument/2006/relationships" xmlns:p="http://schemas.openxmlformats.org/presentationml/2006/main">
+  <p:cSld>
+    <p:spTree>
+      <p:nvGrpSpPr>
+        <p:cNvPr id="1" name=""/>
+        <p:cNvGrpSpPr/>
+        <p:nvPr/>
+      </p:nvGrpSpPr>
+      <p:grpSpPr>
+        <a:xfrm>
+          <a:off x="0" y="0"/>
+          <a:ext cx="0" cy="0"/>
+          <a:chOff x="0" y="0"/>
+          <a:chExt cx="0" cy="0"/>
+        </a:xfrm>
+      </p:grpSpPr>
+      <p:sp>
+        <p:nvSpPr>
+          <p:cNvPr id="2" name="标题 1">
+            <a:extLst>
+              <a:ext uri="{FF2B5EF4-FFF2-40B4-BE49-F238E27FC236}">
+                <a16:creationId xmlns:a16="http://schemas.microsoft.com/office/drawing/2014/main" id="{1B0E31AD-0856-4967-BA45-E9147D356A62}"/>
+              </a:ext>
+            </a:extLst>
+          </p:cNvPr>
+          <p:cNvSpPr>
+            <a:spLocks noGrp="1"/>
+          </p:cNvSpPr>
+          <p:nvPr>
+            <p:ph type="title"/>
+          </p:nvPr>
+        </p:nvSpPr>
+        <p:spPr>
+          <a:xfrm>
+            <a:off x="838200" y="365125"/>
+            <a:ext cx="4361116" cy="1591266"/>
+          </a:xfrm>
+        </p:spPr>
+        <p:txBody>
+          <a:bodyPr>
+            <a:normAutofit fontScale="90000"/>
+          </a:bodyPr>
+          <a:lstStyle/>
+          <a:p>
+            <a:r>
+              <a:rPr lang="zh-CN" altLang="en-US" dirty="0"/>
+              <a:t>文件的上传与下载</a:t>
+            </a:r>
+            <a:br>
+              <a:rPr lang="en-US" altLang="zh-CN" dirty="0"/>
+            </a:br>
+            <a:endParaRPr lang="zh-CN" altLang="en-US" dirty="0"/>
+          </a:p>
+        </p:txBody>
+      </p:sp>
+      <p:sp>
+        <p:nvSpPr>
+          <p:cNvPr id="4" name="矩形 3"/>
+          <p:cNvSpPr/>
+          <p:nvPr/>
+        </p:nvSpPr>
+        <p:spPr>
+          <a:xfrm>
+            <a:off x="2205317" y="2086984"/>
+            <a:ext cx="1893346" cy="1118795"/>
+          </a:xfrm>
+          <a:prstGeom prst="rect">
+            <a:avLst/>
+          </a:prstGeom>
+        </p:spPr>
+        <p:style>
+          <a:lnRef idx="2">
+            <a:schemeClr val="dk1"/>
+          </a:lnRef>
+          <a:fillRef idx="1">
+            <a:schemeClr val="lt1"/>
+          </a:fillRef>
+          <a:effectRef idx="0">
+            <a:schemeClr val="dk1"/>
+          </a:effectRef>
+          <a:fontRef idx="minor">
+            <a:schemeClr val="dk1"/>
+          </a:fontRef>
+        </p:style>
+        <p:txBody>
+          <a:bodyPr rtlCol="0" anchor="ctr"/>
+          <a:lstStyle/>
+          <a:p>
+            <a:pPr algn="ctr"/>
+            <a:r>
+              <a:rPr lang="zh-CN" altLang="en-US" sz="2800" dirty="0"/>
+              <a:t>加密模块</a:t>
+            </a:r>
+          </a:p>
+        </p:txBody>
+      </p:sp>
+      <p:sp>
+        <p:nvSpPr>
+          <p:cNvPr id="5" name="矩形 4"/>
+          <p:cNvSpPr/>
+          <p:nvPr/>
+        </p:nvSpPr>
+        <p:spPr>
+          <a:xfrm>
+            <a:off x="2205317" y="4003637"/>
+            <a:ext cx="1893346" cy="1118795"/>
+          </a:xfrm>
+          <a:prstGeom prst="rect">
+            <a:avLst/>
+          </a:prstGeom>
+        </p:spPr>
+        <p:style>
+          <a:lnRef idx="2">
+            <a:schemeClr val="dk1"/>
+          </a:lnRef>
+          <a:fillRef idx="1">
+            <a:schemeClr val="lt1"/>
+          </a:fillRef>
+          <a:effectRef idx="0">
+            <a:schemeClr val="dk1"/>
+          </a:effectRef>
+          <a:fontRef idx="minor">
+            <a:schemeClr val="dk1"/>
+          </a:fontRef>
+        </p:style>
+        <p:txBody>
+          <a:bodyPr rtlCol="0" anchor="ctr"/>
+          <a:lstStyle/>
+          <a:p>
+            <a:pPr algn="ctr"/>
+            <a:r>
+              <a:rPr lang="zh-CN" altLang="en-US" sz="2800" dirty="0"/>
+              <a:t>传输模块</a:t>
+            </a:r>
+          </a:p>
+        </p:txBody>
+      </p:sp>
+      <p:sp>
+        <p:nvSpPr>
+          <p:cNvPr id="6" name="矩形 5"/>
+          <p:cNvSpPr/>
+          <p:nvPr/>
+        </p:nvSpPr>
+        <p:spPr>
+          <a:xfrm>
+            <a:off x="8333074" y="3293633"/>
+            <a:ext cx="1893346" cy="1118795"/>
+          </a:xfrm>
+          <a:prstGeom prst="rect">
+            <a:avLst/>
+          </a:prstGeom>
+        </p:spPr>
+        <p:style>
+          <a:lnRef idx="2">
+            <a:schemeClr val="dk1"/>
+          </a:lnRef>
+          <a:fillRef idx="1">
+            <a:schemeClr val="lt1"/>
+          </a:fillRef>
+          <a:effectRef idx="0">
+            <a:schemeClr val="dk1"/>
+          </a:effectRef>
+          <a:fontRef idx="minor">
+            <a:schemeClr val="dk1"/>
+          </a:fontRef>
+        </p:style>
+        <p:txBody>
+          <a:bodyPr rtlCol="0" anchor="ctr"/>
+          <a:lstStyle/>
+          <a:p>
+            <a:pPr algn="ctr"/>
+            <a:r>
+              <a:rPr lang="zh-CN" altLang="en-US" sz="2800" dirty="0"/>
+              <a:t>存储模块</a:t>
+            </a:r>
+          </a:p>
+        </p:txBody>
+      </p:sp>
+      <p:sp>
+        <p:nvSpPr>
+          <p:cNvPr id="8" name="矩形 7"/>
+          <p:cNvSpPr/>
+          <p:nvPr/>
+        </p:nvSpPr>
+        <p:spPr>
+          <a:xfrm>
+            <a:off x="5307107" y="5873676"/>
+            <a:ext cx="1502484" cy="785308"/>
+          </a:xfrm>
+          <a:prstGeom prst="rect">
+            <a:avLst/>
+          </a:prstGeom>
+        </p:spPr>
+        <p:style>
+          <a:lnRef idx="2">
+            <a:schemeClr val="dk1"/>
+          </a:lnRef>
+          <a:fillRef idx="1">
+            <a:schemeClr val="lt1"/>
+          </a:fillRef>
+          <a:effectRef idx="0">
+            <a:schemeClr val="dk1"/>
+          </a:effectRef>
+          <a:fontRef idx="minor">
+            <a:schemeClr val="dk1"/>
+          </a:fontRef>
+        </p:style>
+        <p:txBody>
+          <a:bodyPr rtlCol="0" anchor="ctr"/>
+          <a:lstStyle/>
+          <a:p>
+            <a:pPr algn="ctr"/>
+            <a:r>
+              <a:rPr lang="zh-CN" altLang="en-US" sz="2800" dirty="0"/>
+              <a:t>服务端</a:t>
+            </a:r>
+          </a:p>
+        </p:txBody>
+      </p:sp>
+      <p:sp>
+        <p:nvSpPr>
+          <p:cNvPr id="35" name="矩形 34">
+            <a:extLst>
+              <a:ext uri="{FF2B5EF4-FFF2-40B4-BE49-F238E27FC236}">
+                <a16:creationId xmlns:a16="http://schemas.microsoft.com/office/drawing/2014/main" id="{0AA2D357-8EAD-416D-AE0D-A0647F45FFDB}"/>
+              </a:ext>
+            </a:extLst>
+          </p:cNvPr>
+          <p:cNvSpPr/>
+          <p:nvPr/>
+        </p:nvSpPr>
+        <p:spPr>
+          <a:xfrm>
+            <a:off x="5307107" y="462236"/>
+            <a:ext cx="1502484" cy="792480"/>
+          </a:xfrm>
+          <a:prstGeom prst="rect">
+            <a:avLst/>
+          </a:prstGeom>
+        </p:spPr>
+        <p:style>
+          <a:lnRef idx="2">
+            <a:schemeClr val="dk1"/>
+          </a:lnRef>
+          <a:fillRef idx="1">
+            <a:schemeClr val="lt1"/>
+          </a:fillRef>
+          <a:effectRef idx="0">
+            <a:schemeClr val="dk1"/>
+          </a:effectRef>
+          <a:fontRef idx="minor">
+            <a:schemeClr val="dk1"/>
+          </a:fontRef>
+        </p:style>
+        <p:txBody>
+          <a:bodyPr rtlCol="0" anchor="ctr"/>
+          <a:lstStyle/>
+          <a:p>
+            <a:pPr algn="ctr"/>
+            <a:r>
+              <a:rPr lang="zh-CN" altLang="en-US" sz="2800" dirty="0"/>
+              <a:t>客户端</a:t>
+            </a:r>
+          </a:p>
+        </p:txBody>
+      </p:sp>
+      <p:cxnSp>
+        <p:nvCxnSpPr>
+          <p:cNvPr id="7" name="直接箭头连接符 6">
+            <a:extLst>
+              <a:ext uri="{FF2B5EF4-FFF2-40B4-BE49-F238E27FC236}">
+                <a16:creationId xmlns:a16="http://schemas.microsoft.com/office/drawing/2014/main" id="{1877FC17-F3E7-4FE8-A668-FAEA91B8889A}"/>
+              </a:ext>
+            </a:extLst>
+          </p:cNvPr>
+          <p:cNvCxnSpPr>
+            <a:stCxn id="35" idx="2"/>
+            <a:endCxn id="4" idx="0"/>
+          </p:cNvCxnSpPr>
+          <p:nvPr/>
+        </p:nvCxnSpPr>
+        <p:spPr>
+          <a:xfrm flipH="1">
+            <a:off x="3151990" y="1254716"/>
+            <a:ext cx="2906359" cy="832268"/>
+          </a:xfrm>
+          <a:prstGeom prst="straightConnector1">
+            <a:avLst/>
+          </a:prstGeom>
+          <a:ln w="50800">
+            <a:tailEnd type="triangle"/>
+          </a:ln>
+        </p:spPr>
+        <p:style>
+          <a:lnRef idx="1">
+            <a:schemeClr val="accent1"/>
+          </a:lnRef>
+          <a:fillRef idx="0">
+            <a:schemeClr val="accent1"/>
+          </a:fillRef>
+          <a:effectRef idx="0">
+            <a:schemeClr val="accent1"/>
+          </a:effectRef>
+          <a:fontRef idx="minor">
+            <a:schemeClr val="tx1"/>
+          </a:fontRef>
+        </p:style>
+      </p:cxnSp>
+      <p:cxnSp>
+        <p:nvCxnSpPr>
+          <p:cNvPr id="10" name="直接箭头连接符 9">
+            <a:extLst>
+              <a:ext uri="{FF2B5EF4-FFF2-40B4-BE49-F238E27FC236}">
+                <a16:creationId xmlns:a16="http://schemas.microsoft.com/office/drawing/2014/main" id="{EE9C9F2B-B83A-48CC-B6A5-6A43663F689F}"/>
+              </a:ext>
+            </a:extLst>
+          </p:cNvPr>
+          <p:cNvCxnSpPr>
+            <a:stCxn id="4" idx="2"/>
+            <a:endCxn id="5" idx="0"/>
+          </p:cNvCxnSpPr>
+          <p:nvPr/>
+        </p:nvCxnSpPr>
+        <p:spPr>
+          <a:xfrm>
+            <a:off x="3151990" y="3205779"/>
+            <a:ext cx="0" cy="797858"/>
+          </a:xfrm>
+          <a:prstGeom prst="straightConnector1">
+            <a:avLst/>
+          </a:prstGeom>
+          <a:ln w="50800">
+            <a:tailEnd type="triangle"/>
+          </a:ln>
+        </p:spPr>
+        <p:style>
+          <a:lnRef idx="1">
+            <a:schemeClr val="accent1"/>
+          </a:lnRef>
+          <a:fillRef idx="0">
+            <a:schemeClr val="accent1"/>
+          </a:fillRef>
+          <a:effectRef idx="0">
+            <a:schemeClr val="accent1"/>
+          </a:effectRef>
+          <a:fontRef idx="minor">
+            <a:schemeClr val="tx1"/>
+          </a:fontRef>
+        </p:style>
+      </p:cxnSp>
+      <p:cxnSp>
+        <p:nvCxnSpPr>
+          <p:cNvPr id="12" name="直接箭头连接符 11">
+            <a:extLst>
+              <a:ext uri="{FF2B5EF4-FFF2-40B4-BE49-F238E27FC236}">
+                <a16:creationId xmlns:a16="http://schemas.microsoft.com/office/drawing/2014/main" id="{6E57EA38-6217-42A5-99E7-55EC40325E3D}"/>
+              </a:ext>
+            </a:extLst>
+          </p:cNvPr>
+          <p:cNvCxnSpPr>
+            <a:stCxn id="5" idx="2"/>
+            <a:endCxn id="8" idx="1"/>
+          </p:cNvCxnSpPr>
+          <p:nvPr/>
+        </p:nvCxnSpPr>
+        <p:spPr>
+          <a:xfrm>
+            <a:off x="3151990" y="5122432"/>
+            <a:ext cx="2155117" cy="1143898"/>
+          </a:xfrm>
+          <a:prstGeom prst="straightConnector1">
+            <a:avLst/>
+          </a:prstGeom>
+          <a:ln w="50800">
+            <a:tailEnd type="triangle"/>
+          </a:ln>
+        </p:spPr>
+        <p:style>
+          <a:lnRef idx="1">
+            <a:schemeClr val="accent1"/>
+          </a:lnRef>
+          <a:fillRef idx="0">
+            <a:schemeClr val="accent1"/>
+          </a:fillRef>
+          <a:effectRef idx="0">
+            <a:schemeClr val="accent1"/>
+          </a:effectRef>
+          <a:fontRef idx="minor">
+            <a:schemeClr val="tx1"/>
+          </a:fontRef>
+        </p:style>
+      </p:cxnSp>
+      <p:cxnSp>
+        <p:nvCxnSpPr>
+          <p:cNvPr id="14" name="直接箭头连接符 13">
+            <a:extLst>
+              <a:ext uri="{FF2B5EF4-FFF2-40B4-BE49-F238E27FC236}">
+                <a16:creationId xmlns:a16="http://schemas.microsoft.com/office/drawing/2014/main" id="{12844C42-9B47-4A32-9A5A-7985616961EA}"/>
+              </a:ext>
+            </a:extLst>
+          </p:cNvPr>
+          <p:cNvCxnSpPr>
+            <a:stCxn id="4" idx="3"/>
+          </p:cNvCxnSpPr>
+          <p:nvPr/>
+        </p:nvCxnSpPr>
+        <p:spPr>
+          <a:xfrm flipV="1">
+            <a:off x="4098663" y="1254716"/>
+            <a:ext cx="1959686" cy="1391666"/>
+          </a:xfrm>
+          <a:prstGeom prst="straightConnector1">
+            <a:avLst/>
+          </a:prstGeom>
+          <a:ln w="50800">
+            <a:tailEnd type="triangle"/>
+          </a:ln>
+        </p:spPr>
+        <p:style>
+          <a:lnRef idx="1">
+            <a:schemeClr val="accent1"/>
+          </a:lnRef>
+          <a:fillRef idx="0">
+            <a:schemeClr val="accent1"/>
+          </a:fillRef>
+          <a:effectRef idx="0">
+            <a:schemeClr val="accent1"/>
+          </a:effectRef>
+          <a:fontRef idx="minor">
+            <a:schemeClr val="tx1"/>
+          </a:fontRef>
+        </p:style>
+      </p:cxnSp>
+      <p:cxnSp>
+        <p:nvCxnSpPr>
+          <p:cNvPr id="17" name="直接箭头连接符 16">
+            <a:extLst>
+              <a:ext uri="{FF2B5EF4-FFF2-40B4-BE49-F238E27FC236}">
+                <a16:creationId xmlns:a16="http://schemas.microsoft.com/office/drawing/2014/main" id="{68AA8798-E00E-4CAE-AD6F-3DC1B8D3FB26}"/>
+              </a:ext>
+            </a:extLst>
+          </p:cNvPr>
+          <p:cNvCxnSpPr>
+            <a:stCxn id="8" idx="3"/>
+            <a:endCxn id="6" idx="2"/>
+          </p:cNvCxnSpPr>
+          <p:nvPr/>
+        </p:nvCxnSpPr>
+        <p:spPr>
+          <a:xfrm flipV="1">
+            <a:off x="6809591" y="4412428"/>
+            <a:ext cx="2470156" cy="1853902"/>
+          </a:xfrm>
+          <a:prstGeom prst="straightConnector1">
+            <a:avLst/>
+          </a:prstGeom>
+          <a:ln w="50800">
+            <a:tailEnd type="triangle"/>
+          </a:ln>
+        </p:spPr>
+        <p:style>
+          <a:lnRef idx="1">
+            <a:schemeClr val="accent1"/>
+          </a:lnRef>
+          <a:fillRef idx="0">
+            <a:schemeClr val="accent1"/>
+          </a:fillRef>
+          <a:effectRef idx="0">
+            <a:schemeClr val="accent1"/>
+          </a:effectRef>
+          <a:fontRef idx="minor">
+            <a:schemeClr val="tx1"/>
+          </a:fontRef>
+        </p:style>
+      </p:cxnSp>
+      <p:cxnSp>
+        <p:nvCxnSpPr>
+          <p:cNvPr id="19" name="直接箭头连接符 18">
+            <a:extLst>
+              <a:ext uri="{FF2B5EF4-FFF2-40B4-BE49-F238E27FC236}">
+                <a16:creationId xmlns:a16="http://schemas.microsoft.com/office/drawing/2014/main" id="{EEAC63AA-1A88-4DFA-8F63-4C715E16D036}"/>
+              </a:ext>
+            </a:extLst>
+          </p:cNvPr>
+          <p:cNvCxnSpPr>
+            <a:stCxn id="35" idx="2"/>
+            <a:endCxn id="8" idx="0"/>
+          </p:cNvCxnSpPr>
+          <p:nvPr/>
+        </p:nvCxnSpPr>
+        <p:spPr>
+          <a:xfrm>
+            <a:off x="6058349" y="1254716"/>
+            <a:ext cx="0" cy="4618960"/>
+          </a:xfrm>
+          <a:prstGeom prst="straightConnector1">
+            <a:avLst/>
+          </a:prstGeom>
+          <a:ln w="50800">
+            <a:tailEnd type="triangle"/>
+          </a:ln>
+        </p:spPr>
+        <p:style>
+          <a:lnRef idx="1">
+            <a:schemeClr val="accent1"/>
+          </a:lnRef>
+          <a:fillRef idx="0">
+            <a:schemeClr val="accent1"/>
+          </a:fillRef>
+          <a:effectRef idx="0">
+            <a:schemeClr val="accent1"/>
+          </a:effectRef>
+          <a:fontRef idx="minor">
+            <a:schemeClr val="tx1"/>
+          </a:fontRef>
+        </p:style>
+      </p:cxnSp>
+    </p:spTree>
+    <p:extLst>
+      <p:ext uri="{BB962C8B-B14F-4D97-AF65-F5344CB8AC3E}">
+        <p14:creationId xmlns:p14="http://schemas.microsoft.com/office/powerpoint/2010/main" val="1882385254"/>
+      </p:ext>
+    </p:extLst>
+  </p:cSld>
+  <p:clrMapOvr>
+    <a:masterClrMapping/>
+  </p:clrMapOvr>
+  <p:timing>
+    <p:tnLst>
+      <p:par>
+        <p:cTn id="1" dur="indefinite" restart="never" nodeType="tmRoot">
+          <p:childTnLst>
+            <p:seq concurrent="1" nextAc="seek">
+              <p:cTn id="2" dur="indefinite" nodeType="mainSeq">
+                <p:childTnLst>
+                  <p:par>
+                    <p:cTn id="3" fill="hold">
+                      <p:stCondLst>
+                        <p:cond delay="indefinite"/>
+                      </p:stCondLst>
+                      <p:childTnLst>
+                        <p:par>
+                          <p:cTn id="4" fill="hold">
+                            <p:stCondLst>
+                              <p:cond delay="0"/>
+                            </p:stCondLst>
+                            <p:childTnLst>
+                              <p:par>
+                                <p:cTn id="5" presetID="10" presetClass="entr" presetSubtype="0" fill="hold" nodeType="clickEffect">
+                                  <p:stCondLst>
+                                    <p:cond delay="0"/>
+                                  </p:stCondLst>
+                                  <p:childTnLst>
+                                    <p:set>
+                                      <p:cBhvr>
+                                        <p:cTn id="6" dur="1" fill="hold">
+                                          <p:stCondLst>
+                                            <p:cond delay="0"/>
+                                          </p:stCondLst>
+                                        </p:cTn>
+                                        <p:tgtEl>
+                                          <p:spTgt spid="19"/>
+                                        </p:tgtEl>
+                                        <p:attrNameLst>
+                                          <p:attrName>style.visibility</p:attrName>
+                                        </p:attrNameLst>
+                                      </p:cBhvr>
+                                      <p:to>
+                                        <p:strVal val="visible"/>
+                                      </p:to>
+                                    </p:set>
+                                    <p:animEffect transition="in" filter="fade">
+                                      <p:cBhvr>
+                                        <p:cTn id="7" dur="500"/>
+                                        <p:tgtEl>
+                                          <p:spTgt spid="19"/>
+                                        </p:tgtEl>
+                                      </p:cBhvr>
+                                    </p:animEffect>
+                                  </p:childTnLst>
+                                </p:cTn>
+                              </p:par>
+                            </p:childTnLst>
+                          </p:cTn>
+                        </p:par>
+                      </p:childTnLst>
+                    </p:cTn>
+                  </p:par>
+                  <p:par>
+                    <p:cTn id="8" fill="hold">
+                      <p:stCondLst>
+                        <p:cond delay="indefinite"/>
+                      </p:stCondLst>
+                      <p:childTnLst>
+                        <p:par>
+                          <p:cTn id="9" fill="hold">
+                            <p:stCondLst>
+                              <p:cond delay="0"/>
+                            </p:stCondLst>
+                            <p:childTnLst>
+                              <p:par>
+                                <p:cTn id="10" presetID="10" presetClass="entr" presetSubtype="0" fill="hold" nodeType="clickEffect">
+                                  <p:stCondLst>
+                                    <p:cond delay="0"/>
+                                  </p:stCondLst>
+                                  <p:childTnLst>
+                                    <p:set>
+                                      <p:cBhvr>
+                                        <p:cTn id="11" dur="1" fill="hold">
+                                          <p:stCondLst>
+                                            <p:cond delay="0"/>
+                                          </p:stCondLst>
+                                        </p:cTn>
+                                        <p:tgtEl>
+                                          <p:spTgt spid="7"/>
+                                        </p:tgtEl>
+                                        <p:attrNameLst>
+                                          <p:attrName>style.visibility</p:attrName>
+                                        </p:attrNameLst>
+                                      </p:cBhvr>
+                                      <p:to>
+                                        <p:strVal val="visible"/>
+                                      </p:to>
+                                    </p:set>
+                                    <p:animEffect transition="in" filter="fade">
+                                      <p:cBhvr>
+                                        <p:cTn id="12" dur="500"/>
+                                        <p:tgtEl>
+                                          <p:spTgt spid="7"/>
+                                        </p:tgtEl>
+                                      </p:cBhvr>
+                                    </p:animEffect>
+                                  </p:childTnLst>
+                                </p:cTn>
+                              </p:par>
+                            </p:childTnLst>
+                          </p:cTn>
+                        </p:par>
+                      </p:childTnLst>
+                    </p:cTn>
+                  </p:par>
+                  <p:par>
+                    <p:cTn id="13" fill="hold">
+                      <p:stCondLst>
+                        <p:cond delay="indefinite"/>
+                      </p:stCondLst>
+                      <p:childTnLst>
+                        <p:par>
+                          <p:cTn id="14" fill="hold">
+                            <p:stCondLst>
+                              <p:cond delay="0"/>
+                            </p:stCondLst>
+                            <p:childTnLst>
+                              <p:par>
+                                <p:cTn id="15" presetID="10" presetClass="entr" presetSubtype="0" fill="hold" nodeType="clickEffect">
+                                  <p:stCondLst>
+                                    <p:cond delay="0"/>
+                                  </p:stCondLst>
+                                  <p:childTnLst>
+                                    <p:set>
+                                      <p:cBhvr>
+                                        <p:cTn id="16" dur="1" fill="hold">
+                                          <p:stCondLst>
+                                            <p:cond delay="0"/>
+                                          </p:stCondLst>
+                                        </p:cTn>
+                                        <p:tgtEl>
+                                          <p:spTgt spid="14"/>
+                                        </p:tgtEl>
+                                        <p:attrNameLst>
+                                          <p:attrName>style.visibility</p:attrName>
+                                        </p:attrNameLst>
+                                      </p:cBhvr>
+                                      <p:to>
+                                        <p:strVal val="visible"/>
+                                      </p:to>
+                                    </p:set>
+                                    <p:animEffect transition="in" filter="fade">
+                                      <p:cBhvr>
+                                        <p:cTn id="17" dur="500"/>
+                                        <p:tgtEl>
+                                          <p:spTgt spid="14"/>
+                                        </p:tgtEl>
+                                      </p:cBhvr>
+                                    </p:animEffect>
+                                  </p:childTnLst>
+                                </p:cTn>
+                              </p:par>
+                            </p:childTnLst>
+                          </p:cTn>
+                        </p:par>
+                      </p:childTnLst>
+                    </p:cTn>
+                  </p:par>
+                  <p:par>
+                    <p:cTn id="18" fill="hold">
+                      <p:stCondLst>
+                        <p:cond delay="indefinite"/>
+                      </p:stCondLst>
+                      <p:childTnLst>
+                        <p:par>
+                          <p:cTn id="19" fill="hold">
+                            <p:stCondLst>
+                              <p:cond delay="0"/>
+                            </p:stCondLst>
+                            <p:childTnLst>
+                              <p:par>
+                                <p:cTn id="20" presetID="10" presetClass="entr" presetSubtype="0" fill="hold" nodeType="clickEffect">
+                                  <p:stCondLst>
+                                    <p:cond delay="0"/>
+                                  </p:stCondLst>
+                                  <p:childTnLst>
+                                    <p:set>
+                                      <p:cBhvr>
+                                        <p:cTn id="21" dur="1" fill="hold">
+                                          <p:stCondLst>
+                                            <p:cond delay="0"/>
+                                          </p:stCondLst>
+                                        </p:cTn>
+                                        <p:tgtEl>
+                                          <p:spTgt spid="10"/>
+                                        </p:tgtEl>
+                                        <p:attrNameLst>
+                                          <p:attrName>style.visibility</p:attrName>
+                                        </p:attrNameLst>
+                                      </p:cBhvr>
+                                      <p:to>
+                                        <p:strVal val="visible"/>
+                                      </p:to>
+                                    </p:set>
+                                    <p:animEffect transition="in" filter="fade">
+                                      <p:cBhvr>
+                                        <p:cTn id="22" dur="500"/>
+                                        <p:tgtEl>
+                                          <p:spTgt spid="10"/>
+                                        </p:tgtEl>
+                                      </p:cBhvr>
+                                    </p:animEffect>
+                                  </p:childTnLst>
+                                </p:cTn>
+                              </p:par>
+                            </p:childTnLst>
+                          </p:cTn>
+                        </p:par>
+                      </p:childTnLst>
+                    </p:cTn>
+                  </p:par>
+                  <p:par>
+                    <p:cTn id="23" fill="hold">
+                      <p:stCondLst>
+                        <p:cond delay="indefinite"/>
+                      </p:stCondLst>
+                      <p:childTnLst>
+                        <p:par>
+                          <p:cTn id="24" fill="hold">
+                            <p:stCondLst>
+                              <p:cond delay="0"/>
+                            </p:stCondLst>
+                            <p:childTnLst>
+                              <p:par>
+                                <p:cTn id="25" presetID="10" presetClass="entr" presetSubtype="0" fill="hold" nodeType="clickEffect">
+                                  <p:stCondLst>
+                                    <p:cond delay="0"/>
+                                  </p:stCondLst>
+                                  <p:childTnLst>
+                                    <p:set>
+                                      <p:cBhvr>
+                                        <p:cTn id="26" dur="1" fill="hold">
+                                          <p:stCondLst>
+                                            <p:cond delay="0"/>
+                                          </p:stCondLst>
+                                        </p:cTn>
+                                        <p:tgtEl>
+                                          <p:spTgt spid="12"/>
+                                        </p:tgtEl>
+                                        <p:attrNameLst>
+                                          <p:attrName>style.visibility</p:attrName>
+                                        </p:attrNameLst>
+                                      </p:cBhvr>
+                                      <p:to>
+                                        <p:strVal val="visible"/>
+                                      </p:to>
+                                    </p:set>
+                                    <p:animEffect transition="in" filter="fade">
+                                      <p:cBhvr>
+                                        <p:cTn id="27" dur="500"/>
+                                        <p:tgtEl>
+                                          <p:spTgt spid="12"/>
+                                        </p:tgtEl>
+                                      </p:cBhvr>
+                                    </p:animEffect>
+                                  </p:childTnLst>
+                                </p:cTn>
+                              </p:par>
+                            </p:childTnLst>
+                          </p:cTn>
+                        </p:par>
+                      </p:childTnLst>
+                    </p:cTn>
+                  </p:par>
+                  <p:par>
+                    <p:cTn id="28" fill="hold">
+                      <p:stCondLst>
+                        <p:cond delay="indefinite"/>
+                      </p:stCondLst>
+                      <p:childTnLst>
+                        <p:par>
+                          <p:cTn id="29" fill="hold">
+                            <p:stCondLst>
+                              <p:cond delay="0"/>
+                            </p:stCondLst>
+                            <p:childTnLst>
+                              <p:par>
+                                <p:cTn id="30" presetID="10" presetClass="entr" presetSubtype="0" fill="hold" nodeType="clickEffect">
+                                  <p:stCondLst>
+                                    <p:cond delay="0"/>
+                                  </p:stCondLst>
+                                  <p:childTnLst>
+                                    <p:set>
+                                      <p:cBhvr>
+                                        <p:cTn id="31" dur="1" fill="hold">
+                                          <p:stCondLst>
+                                            <p:cond delay="0"/>
+                                          </p:stCondLst>
+                                        </p:cTn>
+                                        <p:tgtEl>
+                                          <p:spTgt spid="17"/>
+                                        </p:tgtEl>
+                                        <p:attrNameLst>
+                                          <p:attrName>style.visibility</p:attrName>
+                                        </p:attrNameLst>
+                                      </p:cBhvr>
+                                      <p:to>
+                                        <p:strVal val="visible"/>
+                                      </p:to>
+                                    </p:set>
+                                    <p:animEffect transition="in" filter="fade">
+                                      <p:cBhvr>
+                                        <p:cTn id="32" dur="500"/>
+                                        <p:tgtEl>
+                                          <p:spTgt spid="17"/>
+                                        </p:tgtEl>
+                                      </p:cBhvr>
+                                    </p:animEffect>
+                                  </p:childTnLst>
+                                </p:cTn>
+                              </p:par>
+                            </p:childTnLst>
+                          </p:cTn>
+                        </p:par>
+                      </p:childTnLst>
+                    </p:cTn>
+                  </p:par>
+                </p:childTnLst>
+              </p:cTn>
+              <p:prevCondLst>
+                <p:cond evt="onPrev" delay="0">
+                  <p:tgtEl>
+                    <p:sldTgt/>
+                  </p:tgtEl>
+                </p:cond>
+              </p:prevCondLst>
+              <p:nextCondLst>
+                <p:cond evt="onNext" delay="0">
+                  <p:tgtEl>
+                    <p:sldTgt/>
+                  </p:tgtEl>
+                </p:cond>
+              </p:nextCondLst>
+            </p:seq>
+          </p:childTnLst>
+        </p:cTn>
+      </p:par>
+    </p:tnLst>
+  </p:timing>
+</p:sld>
+</file>
+
+<file path=ppt/slides/slide9.xml><?xml version="1.0" encoding="utf-8"?>
+<p:sld xmlns:a="http://schemas.openxmlformats.org/drawingml/2006/main" xmlns:r="http://schemas.openxmlformats.org/officeDocument/2006/relationships" xmlns:p="http://schemas.openxmlformats.org/presentationml/2006/main">
+  <p:cSld>
+    <p:spTree>
+      <p:nvGrpSpPr>
+        <p:cNvPr id="1" name=""/>
+        <p:cNvGrpSpPr/>
+        <p:nvPr/>
+      </p:nvGrpSpPr>
+      <p:grpSpPr>
+        <a:xfrm>
+          <a:off x="0" y="0"/>
+          <a:ext cx="0" cy="0"/>
+          <a:chOff x="0" y="0"/>
+          <a:chExt cx="0" cy="0"/>
+        </a:xfrm>
+      </p:grpSpPr>
+      <p:sp>
+        <p:nvSpPr>
+          <p:cNvPr id="2" name="标题 1">
+            <a:extLst>
+              <a:ext uri="{FF2B5EF4-FFF2-40B4-BE49-F238E27FC236}">
+                <a16:creationId xmlns:a16="http://schemas.microsoft.com/office/drawing/2014/main" id="{1B0E31AD-0856-4967-BA45-E9147D356A62}"/>
+              </a:ext>
+            </a:extLst>
+          </p:cNvPr>
+          <p:cNvSpPr>
+            <a:spLocks noGrp="1"/>
+          </p:cNvSpPr>
+          <p:nvPr>
+            <p:ph type="title"/>
+          </p:nvPr>
+        </p:nvSpPr>
+        <p:spPr>
+          <a:xfrm>
+            <a:off x="838200" y="365125"/>
+            <a:ext cx="4361116" cy="1591266"/>
+          </a:xfrm>
+        </p:spPr>
+        <p:txBody>
+          <a:bodyPr>
+            <a:normAutofit fontScale="90000"/>
+          </a:bodyPr>
+          <a:lstStyle/>
+          <a:p>
+            <a:r>
+              <a:rPr lang="zh-CN" altLang="en-US" dirty="0"/>
+              <a:t>文件的上传与下载</a:t>
+            </a:r>
+            <a:br>
+              <a:rPr lang="en-US" altLang="zh-CN" dirty="0"/>
+            </a:br>
+            <a:endParaRPr lang="zh-CN" altLang="en-US" dirty="0"/>
+          </a:p>
+        </p:txBody>
+      </p:sp>
+      <p:sp>
+        <p:nvSpPr>
+          <p:cNvPr id="4" name="矩形 3"/>
+          <p:cNvSpPr/>
+          <p:nvPr/>
+        </p:nvSpPr>
+        <p:spPr>
+          <a:xfrm>
+            <a:off x="2205317" y="2086984"/>
+            <a:ext cx="1893346" cy="1118795"/>
+          </a:xfrm>
+          <a:prstGeom prst="rect">
+            <a:avLst/>
+          </a:prstGeom>
+        </p:spPr>
+        <p:style>
+          <a:lnRef idx="2">
+            <a:schemeClr val="dk1"/>
+          </a:lnRef>
+          <a:fillRef idx="1">
+            <a:schemeClr val="lt1"/>
+          </a:fillRef>
+          <a:effectRef idx="0">
+            <a:schemeClr val="dk1"/>
+          </a:effectRef>
+          <a:fontRef idx="minor">
+            <a:schemeClr val="dk1"/>
+          </a:fontRef>
+        </p:style>
+        <p:txBody>
+          <a:bodyPr rtlCol="0" anchor="ctr"/>
+          <a:lstStyle/>
+          <a:p>
+            <a:pPr algn="ctr"/>
+            <a:r>
+              <a:rPr lang="zh-CN" altLang="en-US" sz="2800" dirty="0"/>
+              <a:t>加密模块</a:t>
+            </a:r>
+          </a:p>
+        </p:txBody>
+      </p:sp>
+      <p:sp>
+        <p:nvSpPr>
+          <p:cNvPr id="5" name="矩形 4"/>
+          <p:cNvSpPr/>
+          <p:nvPr/>
+        </p:nvSpPr>
+        <p:spPr>
+          <a:xfrm>
+            <a:off x="2205317" y="4003637"/>
+            <a:ext cx="1893346" cy="1118795"/>
+          </a:xfrm>
+          <a:prstGeom prst="rect">
+            <a:avLst/>
+          </a:prstGeom>
+        </p:spPr>
+        <p:style>
+          <a:lnRef idx="2">
+            <a:schemeClr val="dk1"/>
+          </a:lnRef>
+          <a:fillRef idx="1">
+            <a:schemeClr val="lt1"/>
+          </a:fillRef>
+          <a:effectRef idx="0">
+            <a:schemeClr val="dk1"/>
+          </a:effectRef>
+          <a:fontRef idx="minor">
+            <a:schemeClr val="dk1"/>
+          </a:fontRef>
+        </p:style>
+        <p:txBody>
+          <a:bodyPr rtlCol="0" anchor="ctr"/>
+          <a:lstStyle/>
+          <a:p>
+            <a:pPr algn="ctr"/>
+            <a:r>
+              <a:rPr lang="zh-CN" altLang="en-US" sz="2800" dirty="0"/>
+              <a:t>传输模块</a:t>
+            </a:r>
+          </a:p>
+        </p:txBody>
+      </p:sp>
+      <p:sp>
+        <p:nvSpPr>
+          <p:cNvPr id="6" name="矩形 5"/>
+          <p:cNvSpPr/>
+          <p:nvPr/>
+        </p:nvSpPr>
+        <p:spPr>
+          <a:xfrm>
+            <a:off x="8333074" y="3293633"/>
+            <a:ext cx="1893346" cy="1118795"/>
+          </a:xfrm>
+          <a:prstGeom prst="rect">
+            <a:avLst/>
+          </a:prstGeom>
+        </p:spPr>
+        <p:style>
+          <a:lnRef idx="2">
+            <a:schemeClr val="dk1"/>
+          </a:lnRef>
+          <a:fillRef idx="1">
+            <a:schemeClr val="lt1"/>
+          </a:fillRef>
+          <a:effectRef idx="0">
+            <a:schemeClr val="dk1"/>
+          </a:effectRef>
+          <a:fontRef idx="minor">
+            <a:schemeClr val="dk1"/>
+          </a:fontRef>
+        </p:style>
+        <p:txBody>
+          <a:bodyPr rtlCol="0" anchor="ctr"/>
+          <a:lstStyle/>
+          <a:p>
+            <a:pPr algn="ctr"/>
+            <a:r>
+              <a:rPr lang="zh-CN" altLang="en-US" sz="2800" dirty="0"/>
+              <a:t>存储模块</a:t>
+            </a:r>
+          </a:p>
+        </p:txBody>
+      </p:sp>
+      <p:sp>
+        <p:nvSpPr>
+          <p:cNvPr id="8" name="矩形 7"/>
+          <p:cNvSpPr/>
+          <p:nvPr/>
+        </p:nvSpPr>
+        <p:spPr>
+          <a:xfrm>
+            <a:off x="5307107" y="5873676"/>
+            <a:ext cx="1502484" cy="785308"/>
+          </a:xfrm>
+          <a:prstGeom prst="rect">
+            <a:avLst/>
+          </a:prstGeom>
+        </p:spPr>
+        <p:style>
+          <a:lnRef idx="2">
+            <a:schemeClr val="dk1"/>
+          </a:lnRef>
+          <a:fillRef idx="1">
+            <a:schemeClr val="lt1"/>
+          </a:fillRef>
+          <a:effectRef idx="0">
+            <a:schemeClr val="dk1"/>
+          </a:effectRef>
+          <a:fontRef idx="minor">
+            <a:schemeClr val="dk1"/>
+          </a:fontRef>
+        </p:style>
+        <p:txBody>
+          <a:bodyPr rtlCol="0" anchor="ctr"/>
+          <a:lstStyle/>
+          <a:p>
+            <a:pPr algn="ctr"/>
+            <a:r>
+              <a:rPr lang="zh-CN" altLang="en-US" sz="2800" dirty="0"/>
+              <a:t>服务端</a:t>
+            </a:r>
+          </a:p>
+        </p:txBody>
+      </p:sp>
+      <p:sp>
+        <p:nvSpPr>
+          <p:cNvPr id="35" name="矩形 34">
+            <a:extLst>
+              <a:ext uri="{FF2B5EF4-FFF2-40B4-BE49-F238E27FC236}">
+                <a16:creationId xmlns:a16="http://schemas.microsoft.com/office/drawing/2014/main" id="{0AA2D357-8EAD-416D-AE0D-A0647F45FFDB}"/>
+              </a:ext>
+            </a:extLst>
+          </p:cNvPr>
+          <p:cNvSpPr/>
+          <p:nvPr/>
+        </p:nvSpPr>
+        <p:spPr>
+          <a:xfrm>
+            <a:off x="5307107" y="462236"/>
+            <a:ext cx="1502484" cy="792480"/>
+          </a:xfrm>
+          <a:prstGeom prst="rect">
+            <a:avLst/>
+          </a:prstGeom>
+        </p:spPr>
+        <p:style>
+          <a:lnRef idx="2">
+            <a:schemeClr val="dk1"/>
+          </a:lnRef>
+          <a:fillRef idx="1">
+            <a:schemeClr val="lt1"/>
+          </a:fillRef>
+          <a:effectRef idx="0">
+            <a:schemeClr val="dk1"/>
+          </a:effectRef>
+          <a:fontRef idx="minor">
+            <a:schemeClr val="dk1"/>
+          </a:fontRef>
+        </p:style>
+        <p:txBody>
+          <a:bodyPr rtlCol="0" anchor="ctr"/>
+          <a:lstStyle/>
+          <a:p>
+            <a:pPr algn="ctr"/>
+            <a:r>
+              <a:rPr lang="zh-CN" altLang="en-US" sz="2800" dirty="0"/>
+              <a:t>客户端</a:t>
+            </a:r>
+          </a:p>
+        </p:txBody>
+      </p:sp>
+      <p:cxnSp>
+        <p:nvCxnSpPr>
+          <p:cNvPr id="17" name="直接箭头连接符 16">
+            <a:extLst>
+              <a:ext uri="{FF2B5EF4-FFF2-40B4-BE49-F238E27FC236}">
+                <a16:creationId xmlns:a16="http://schemas.microsoft.com/office/drawing/2014/main" id="{68AA8798-E00E-4CAE-AD6F-3DC1B8D3FB26}"/>
+              </a:ext>
+            </a:extLst>
+          </p:cNvPr>
+          <p:cNvCxnSpPr>
+            <a:stCxn id="8" idx="3"/>
+            <a:endCxn id="6" idx="2"/>
+          </p:cNvCxnSpPr>
+          <p:nvPr/>
+        </p:nvCxnSpPr>
+        <p:spPr>
+          <a:xfrm flipV="1">
+            <a:off x="6809591" y="4412428"/>
+            <a:ext cx="2470156" cy="1853902"/>
+          </a:xfrm>
+          <a:prstGeom prst="straightConnector1">
+            <a:avLst/>
+          </a:prstGeom>
+          <a:ln w="50800">
+            <a:tailEnd type="triangle"/>
+          </a:ln>
+        </p:spPr>
+        <p:style>
+          <a:lnRef idx="1">
+            <a:schemeClr val="accent1"/>
+          </a:lnRef>
+          <a:fillRef idx="0">
+            <a:schemeClr val="accent1"/>
+          </a:fillRef>
+          <a:effectRef idx="0">
+            <a:schemeClr val="accent1"/>
+          </a:effectRef>
+          <a:fontRef idx="minor">
+            <a:schemeClr val="tx1"/>
+          </a:fontRef>
+        </p:style>
+      </p:cxnSp>
+      <p:cxnSp>
+        <p:nvCxnSpPr>
+          <p:cNvPr id="19" name="直接箭头连接符 18">
+            <a:extLst>
+              <a:ext uri="{FF2B5EF4-FFF2-40B4-BE49-F238E27FC236}">
+                <a16:creationId xmlns:a16="http://schemas.microsoft.com/office/drawing/2014/main" id="{EEAC63AA-1A88-4DFA-8F63-4C715E16D036}"/>
+              </a:ext>
+            </a:extLst>
+          </p:cNvPr>
+          <p:cNvCxnSpPr>
+            <a:stCxn id="35" idx="2"/>
+            <a:endCxn id="8" idx="0"/>
+          </p:cNvCxnSpPr>
+          <p:nvPr/>
+        </p:nvCxnSpPr>
+        <p:spPr>
+          <a:xfrm>
+            <a:off x="6058349" y="1254716"/>
+            <a:ext cx="0" cy="4618960"/>
+          </a:xfrm>
+          <a:prstGeom prst="straightConnector1">
+            <a:avLst/>
+          </a:prstGeom>
+          <a:ln w="50800">
+            <a:tailEnd type="triangle"/>
+          </a:ln>
+        </p:spPr>
+        <p:style>
+          <a:lnRef idx="1">
+            <a:schemeClr val="accent1"/>
+          </a:lnRef>
+          <a:fillRef idx="0">
+            <a:schemeClr val="accent1"/>
+          </a:fillRef>
+          <a:effectRef idx="0">
+            <a:schemeClr val="accent1"/>
+          </a:effectRef>
+          <a:fontRef idx="minor">
+            <a:schemeClr val="tx1"/>
+          </a:fontRef>
+        </p:style>
+      </p:cxnSp>
+      <p:cxnSp>
+        <p:nvCxnSpPr>
+          <p:cNvPr id="9" name="直接箭头连接符 8">
+            <a:extLst>
+              <a:ext uri="{FF2B5EF4-FFF2-40B4-BE49-F238E27FC236}">
+                <a16:creationId xmlns:a16="http://schemas.microsoft.com/office/drawing/2014/main" id="{4F0120E2-8A11-4889-B308-0F1921506471}"/>
+              </a:ext>
+            </a:extLst>
+          </p:cNvPr>
+          <p:cNvCxnSpPr>
+            <a:endCxn id="8" idx="3"/>
+          </p:cNvCxnSpPr>
+          <p:nvPr/>
+        </p:nvCxnSpPr>
+        <p:spPr>
+          <a:xfrm flipH="1">
+            <a:off x="6809591" y="4412428"/>
+            <a:ext cx="2695916" cy="1853902"/>
+          </a:xfrm>
+          <a:prstGeom prst="straightConnector1">
+            <a:avLst/>
+          </a:prstGeom>
+          <a:ln w="50800">
+            <a:tailEnd type="triangle"/>
+          </a:ln>
+        </p:spPr>
+        <p:style>
+          <a:lnRef idx="1">
+            <a:schemeClr val="accent1"/>
+          </a:lnRef>
+          <a:fillRef idx="0">
+            <a:schemeClr val="accent1"/>
+          </a:fillRef>
+          <a:effectRef idx="0">
+            <a:schemeClr val="accent1"/>
+          </a:effectRef>
+          <a:fontRef idx="minor">
+            <a:schemeClr val="tx1"/>
+          </a:fontRef>
+        </p:style>
+      </p:cxnSp>
+      <p:cxnSp>
+        <p:nvCxnSpPr>
+          <p:cNvPr id="13" name="直接箭头连接符 12">
+            <a:extLst>
+              <a:ext uri="{FF2B5EF4-FFF2-40B4-BE49-F238E27FC236}">
+                <a16:creationId xmlns:a16="http://schemas.microsoft.com/office/drawing/2014/main" id="{887F1DD2-06E3-4DFA-B2F7-6DBF637D97D3}"/>
+              </a:ext>
+            </a:extLst>
+          </p:cNvPr>
+          <p:cNvCxnSpPr/>
+          <p:nvPr/>
+        </p:nvCxnSpPr>
+        <p:spPr>
+          <a:xfrm flipV="1">
+            <a:off x="6379535" y="1254716"/>
+            <a:ext cx="0" cy="4618960"/>
+          </a:xfrm>
+          <a:prstGeom prst="straightConnector1">
+            <a:avLst/>
+          </a:prstGeom>
+          <a:ln w="50800">
+            <a:tailEnd type="triangle"/>
+          </a:ln>
+        </p:spPr>
+        <p:style>
+          <a:lnRef idx="1">
+            <a:schemeClr val="accent1"/>
+          </a:lnRef>
+          <a:fillRef idx="0">
+            <a:schemeClr val="accent1"/>
+          </a:fillRef>
+          <a:effectRef idx="0">
+            <a:schemeClr val="accent1"/>
+          </a:effectRef>
+          <a:fontRef idx="minor">
+            <a:schemeClr val="tx1"/>
+          </a:fontRef>
+        </p:style>
+      </p:cxnSp>
+      <p:cxnSp>
+        <p:nvCxnSpPr>
+          <p:cNvPr id="16" name="直接箭头连接符 15">
+            <a:extLst>
+              <a:ext uri="{FF2B5EF4-FFF2-40B4-BE49-F238E27FC236}">
+                <a16:creationId xmlns:a16="http://schemas.microsoft.com/office/drawing/2014/main" id="{4E3F28E1-BAF6-4590-8826-449DE5293053}"/>
+              </a:ext>
+            </a:extLst>
+          </p:cNvPr>
+          <p:cNvCxnSpPr>
+            <a:stCxn id="8" idx="1"/>
+            <a:endCxn id="5" idx="2"/>
+          </p:cNvCxnSpPr>
+          <p:nvPr/>
+        </p:nvCxnSpPr>
+        <p:spPr>
+          <a:xfrm flipH="1" flipV="1">
+            <a:off x="3151990" y="5122432"/>
+            <a:ext cx="2155117" cy="1143898"/>
+          </a:xfrm>
+          <a:prstGeom prst="straightConnector1">
+            <a:avLst/>
+          </a:prstGeom>
+          <a:ln w="50800">
+            <a:tailEnd type="triangle"/>
+          </a:ln>
+        </p:spPr>
+        <p:style>
+          <a:lnRef idx="1">
+            <a:schemeClr val="accent1"/>
+          </a:lnRef>
+          <a:fillRef idx="0">
+            <a:schemeClr val="accent1"/>
+          </a:fillRef>
+          <a:effectRef idx="0">
+            <a:schemeClr val="accent1"/>
+          </a:effectRef>
+          <a:fontRef idx="minor">
+            <a:schemeClr val="tx1"/>
+          </a:fontRef>
+        </p:style>
+      </p:cxnSp>
+      <p:cxnSp>
+        <p:nvCxnSpPr>
+          <p:cNvPr id="20" name="直接箭头连接符 19">
+            <a:extLst>
+              <a:ext uri="{FF2B5EF4-FFF2-40B4-BE49-F238E27FC236}">
+                <a16:creationId xmlns:a16="http://schemas.microsoft.com/office/drawing/2014/main" id="{0C8E786F-BE64-4963-B03A-0B031BE5CF40}"/>
+              </a:ext>
+            </a:extLst>
+          </p:cNvPr>
+          <p:cNvCxnSpPr>
+            <a:stCxn id="5" idx="0"/>
+            <a:endCxn id="4" idx="2"/>
+          </p:cNvCxnSpPr>
+          <p:nvPr/>
+        </p:nvCxnSpPr>
+        <p:spPr>
+          <a:xfrm flipV="1">
+            <a:off x="3151990" y="3205779"/>
+            <a:ext cx="0" cy="797858"/>
+          </a:xfrm>
+          <a:prstGeom prst="straightConnector1">
+            <a:avLst/>
+          </a:prstGeom>
+          <a:ln w="50800">
+            <a:tailEnd type="triangle"/>
+          </a:ln>
+        </p:spPr>
+        <p:style>
+          <a:lnRef idx="1">
+            <a:schemeClr val="accent1"/>
+          </a:lnRef>
+          <a:fillRef idx="0">
+            <a:schemeClr val="accent1"/>
+          </a:fillRef>
+          <a:effectRef idx="0">
+            <a:schemeClr val="accent1"/>
+          </a:effectRef>
+          <a:fontRef idx="minor">
+            <a:schemeClr val="tx1"/>
+          </a:fontRef>
+        </p:style>
+      </p:cxnSp>
+      <p:cxnSp>
+        <p:nvCxnSpPr>
+          <p:cNvPr id="23" name="直接箭头连接符 22">
+            <a:extLst>
+              <a:ext uri="{FF2B5EF4-FFF2-40B4-BE49-F238E27FC236}">
+                <a16:creationId xmlns:a16="http://schemas.microsoft.com/office/drawing/2014/main" id="{BB3D6CC8-D4E6-47C0-A53E-2ADC4B10C067}"/>
+              </a:ext>
+            </a:extLst>
+          </p:cNvPr>
+          <p:cNvCxnSpPr>
+            <a:stCxn id="4" idx="0"/>
+            <a:endCxn id="35" idx="2"/>
+          </p:cNvCxnSpPr>
+          <p:nvPr/>
+        </p:nvCxnSpPr>
+        <p:spPr>
+          <a:xfrm flipV="1">
+            <a:off x="3151990" y="1254716"/>
+            <a:ext cx="2906359" cy="832268"/>
+          </a:xfrm>
+          <a:prstGeom prst="straightConnector1">
+            <a:avLst/>
+          </a:prstGeom>
+          <a:ln w="50800">
+            <a:tailEnd type="triangle"/>
+          </a:ln>
+        </p:spPr>
+        <p:style>
+          <a:lnRef idx="1">
+            <a:schemeClr val="accent1"/>
+          </a:lnRef>
+          <a:fillRef idx="0">
+            <a:schemeClr val="accent1"/>
+          </a:fillRef>
+          <a:effectRef idx="0">
+            <a:schemeClr val="accent1"/>
+          </a:effectRef>
+          <a:fontRef idx="minor">
+            <a:schemeClr val="tx1"/>
+          </a:fontRef>
+        </p:style>
+      </p:cxnSp>
+    </p:spTree>
+    <p:extLst>
+      <p:ext uri="{BB962C8B-B14F-4D97-AF65-F5344CB8AC3E}">
+        <p14:creationId xmlns:p14="http://schemas.microsoft.com/office/powerpoint/2010/main" val="1848878551"/>
+      </p:ext>
+    </p:extLst>
+  </p:cSld>
+  <p:clrMapOvr>
+    <a:masterClrMapping/>
+  </p:clrMapOvr>
+  <p:timing>
+    <p:tnLst>
+      <p:par>
+        <p:cTn id="1" dur="indefinite" restart="never" nodeType="tmRoot">
+          <p:childTnLst>
+            <p:seq concurrent="1" nextAc="seek">
+              <p:cTn id="2" dur="indefinite" nodeType="mainSeq">
+                <p:childTnLst>
+                  <p:par>
+                    <p:cTn id="3" fill="hold">
+                      <p:stCondLst>
+                        <p:cond delay="indefinite"/>
+                      </p:stCondLst>
+                      <p:childTnLst>
+                        <p:par>
+                          <p:cTn id="4" fill="hold">
+                            <p:stCondLst>
+                              <p:cond delay="0"/>
+                            </p:stCondLst>
+                            <p:childTnLst>
+                              <p:par>
+                                <p:cTn id="5" presetID="10" presetClass="entr" presetSubtype="0" fill="hold" nodeType="clickEffect">
+                                  <p:stCondLst>
+                                    <p:cond delay="0"/>
+                                  </p:stCondLst>
+                                  <p:childTnLst>
+                                    <p:set>
+                                      <p:cBhvr>
+                                        <p:cTn id="6" dur="1" fill="hold">
+                                          <p:stCondLst>
+                                            <p:cond delay="0"/>
+                                          </p:stCondLst>
+                                        </p:cTn>
+                                        <p:tgtEl>
+                                          <p:spTgt spid="19"/>
+                                        </p:tgtEl>
+                                        <p:attrNameLst>
+                                          <p:attrName>style.visibility</p:attrName>
+                                        </p:attrNameLst>
+                                      </p:cBhvr>
+                                      <p:to>
+                                        <p:strVal val="visible"/>
+                                      </p:to>
+                                    </p:set>
+                                    <p:animEffect transition="in" filter="fade">
+                                      <p:cBhvr>
+                                        <p:cTn id="7" dur="500"/>
+                                        <p:tgtEl>
+                                          <p:spTgt spid="19"/>
+                                        </p:tgtEl>
+                                      </p:cBhvr>
+                                    </p:animEffect>
+                                  </p:childTnLst>
+                                </p:cTn>
+                              </p:par>
+                            </p:childTnLst>
+                          </p:cTn>
+                        </p:par>
+                      </p:childTnLst>
+                    </p:cTn>
+                  </p:par>
+                  <p:par>
+                    <p:cTn id="8" fill="hold">
+                      <p:stCondLst>
+                        <p:cond delay="indefinite"/>
+                      </p:stCondLst>
+                      <p:childTnLst>
+                        <p:par>
+                          <p:cTn id="9" fill="hold">
+                            <p:stCondLst>
+                              <p:cond delay="0"/>
+                            </p:stCondLst>
+                            <p:childTnLst>
+                              <p:par>
+                                <p:cTn id="10" presetID="10" presetClass="entr" presetSubtype="0" fill="hold" nodeType="clickEffect">
+                                  <p:stCondLst>
+                                    <p:cond delay="0"/>
+                                  </p:stCondLst>
+                                  <p:childTnLst>
+                                    <p:set>
+                                      <p:cBhvr>
+                                        <p:cTn id="11" dur="1" fill="hold">
+                                          <p:stCondLst>
+                                            <p:cond delay="0"/>
+                                          </p:stCondLst>
+                                        </p:cTn>
+                                        <p:tgtEl>
+                                          <p:spTgt spid="17"/>
+                                        </p:tgtEl>
+                                        <p:attrNameLst>
+                                          <p:attrName>style.visibility</p:attrName>
+                                        </p:attrNameLst>
+                                      </p:cBhvr>
+                                      <p:to>
+                                        <p:strVal val="visible"/>
+                                      </p:to>
+                                    </p:set>
+                                    <p:animEffect transition="in" filter="fade">
+                                      <p:cBhvr>
+                                        <p:cTn id="12" dur="500"/>
+                                        <p:tgtEl>
+                                          <p:spTgt spid="17"/>
+                                        </p:tgtEl>
+                                      </p:cBhvr>
+                                    </p:animEffect>
+                                  </p:childTnLst>
+                                </p:cTn>
+                              </p:par>
+                            </p:childTnLst>
+                          </p:cTn>
+                        </p:par>
+                      </p:childTnLst>
+                    </p:cTn>
+                  </p:par>
+                  <p:par>
+                    <p:cTn id="13" fill="hold">
+                      <p:stCondLst>
+                        <p:cond delay="indefinite"/>
+                      </p:stCondLst>
+                      <p:childTnLst>
+                        <p:par>
+                          <p:cTn id="14" fill="hold">
+                            <p:stCondLst>
+                              <p:cond delay="0"/>
+                            </p:stCondLst>
+                            <p:childTnLst>
+                              <p:par>
+                                <p:cTn id="15" presetID="1" presetClass="exit" presetSubtype="0" fill="hold" nodeType="clickEffect">
+                                  <p:stCondLst>
+                                    <p:cond delay="0"/>
+                                  </p:stCondLst>
+                                  <p:childTnLst>
+                                    <p:set>
+                                      <p:cBhvr>
+                                        <p:cTn id="16" dur="1" fill="hold">
+                                          <p:stCondLst>
+                                            <p:cond delay="0"/>
+                                          </p:stCondLst>
+                                        </p:cTn>
+                                        <p:tgtEl>
+                                          <p:spTgt spid="17"/>
+                                        </p:tgtEl>
+                                        <p:attrNameLst>
+                                          <p:attrName>style.visibility</p:attrName>
+                                        </p:attrNameLst>
+                                      </p:cBhvr>
+                                      <p:to>
+                                        <p:strVal val="hidden"/>
+                                      </p:to>
+                                    </p:set>
+                                  </p:childTnLst>
+                                </p:cTn>
+                              </p:par>
+                              <p:par>
+                                <p:cTn id="17" presetID="10" presetClass="entr" presetSubtype="0" fill="hold" nodeType="withEffect">
+                                  <p:stCondLst>
+                                    <p:cond delay="0"/>
+                                  </p:stCondLst>
+                                  <p:childTnLst>
+                                    <p:set>
+                                      <p:cBhvr>
+                                        <p:cTn id="18" dur="1" fill="hold">
+                                          <p:stCondLst>
+                                            <p:cond delay="0"/>
+                                          </p:stCondLst>
+                                        </p:cTn>
+                                        <p:tgtEl>
+                                          <p:spTgt spid="9"/>
+                                        </p:tgtEl>
+                                        <p:attrNameLst>
+                                          <p:attrName>style.visibility</p:attrName>
+                                        </p:attrNameLst>
+                                      </p:cBhvr>
+                                      <p:to>
+                                        <p:strVal val="visible"/>
+                                      </p:to>
+                                    </p:set>
+                                    <p:animEffect transition="in" filter="fade">
+                                      <p:cBhvr>
+                                        <p:cTn id="19" dur="500"/>
+                                        <p:tgtEl>
+                                          <p:spTgt spid="9"/>
+                                        </p:tgtEl>
+                                      </p:cBhvr>
+                                    </p:animEffect>
+                                  </p:childTnLst>
+                                </p:cTn>
+                              </p:par>
+                            </p:childTnLst>
+                          </p:cTn>
+                        </p:par>
+                      </p:childTnLst>
+                    </p:cTn>
+                  </p:par>
+                  <p:par>
+                    <p:cTn id="20" fill="hold">
+                      <p:stCondLst>
+                        <p:cond delay="indefinite"/>
+                      </p:stCondLst>
+                      <p:childTnLst>
+                        <p:par>
+                          <p:cTn id="21" fill="hold">
+                            <p:stCondLst>
+                              <p:cond delay="0"/>
+                            </p:stCondLst>
+                            <p:childTnLst>
+                              <p:par>
+                                <p:cTn id="22" presetID="1" presetClass="exit" presetSubtype="0" fill="hold" nodeType="clickEffect">
+                                  <p:stCondLst>
+                                    <p:cond delay="0"/>
+                                  </p:stCondLst>
+                                  <p:childTnLst>
+                                    <p:set>
+                                      <p:cBhvr>
+                                        <p:cTn id="23" dur="1" fill="hold">
+                                          <p:stCondLst>
+                                            <p:cond delay="0"/>
+                                          </p:stCondLst>
+                                        </p:cTn>
+                                        <p:tgtEl>
+                                          <p:spTgt spid="19"/>
+                                        </p:tgtEl>
+                                        <p:attrNameLst>
+                                          <p:attrName>style.visibility</p:attrName>
+                                        </p:attrNameLst>
+                                      </p:cBhvr>
+                                      <p:to>
+                                        <p:strVal val="hidden"/>
+                                      </p:to>
+                                    </p:set>
+                                  </p:childTnLst>
+                                </p:cTn>
+                              </p:par>
+                            </p:childTnLst>
+                          </p:cTn>
+                        </p:par>
+                      </p:childTnLst>
+                    </p:cTn>
+                  </p:par>
+                  <p:par>
+                    <p:cTn id="24" fill="hold">
+                      <p:stCondLst>
+                        <p:cond delay="indefinite"/>
+                      </p:stCondLst>
+                      <p:childTnLst>
+                        <p:par>
+                          <p:cTn id="25" fill="hold">
+                            <p:stCondLst>
+                              <p:cond delay="0"/>
+                            </p:stCondLst>
+                            <p:childTnLst>
+                              <p:par>
+                                <p:cTn id="26" presetID="10" presetClass="entr" presetSubtype="0" fill="hold" nodeType="clickEffect">
+                                  <p:stCondLst>
+                                    <p:cond delay="0"/>
+                                  </p:stCondLst>
+                                  <p:childTnLst>
+                                    <p:set>
+                                      <p:cBhvr>
+                                        <p:cTn id="27" dur="1" fill="hold">
+                                          <p:stCondLst>
+                                            <p:cond delay="0"/>
+                                          </p:stCondLst>
+                                        </p:cTn>
+                                        <p:tgtEl>
+                                          <p:spTgt spid="13"/>
+                                        </p:tgtEl>
+                                        <p:attrNameLst>
+                                          <p:attrName>style.visibility</p:attrName>
+                                        </p:attrNameLst>
+                                      </p:cBhvr>
+                                      <p:to>
+                                        <p:strVal val="visible"/>
+                                      </p:to>
+                                    </p:set>
+                                    <p:animEffect transition="in" filter="fade">
+                                      <p:cBhvr>
+                                        <p:cTn id="28" dur="500"/>
+                                        <p:tgtEl>
+                                          <p:spTgt spid="13"/>
+                                        </p:tgtEl>
+                                      </p:cBhvr>
+                                    </p:animEffect>
+                                  </p:childTnLst>
+                                </p:cTn>
+                              </p:par>
+                            </p:childTnLst>
+                          </p:cTn>
+                        </p:par>
+                      </p:childTnLst>
+                    </p:cTn>
+                  </p:par>
+                  <p:par>
+                    <p:cTn id="29" fill="hold">
+                      <p:stCondLst>
+                        <p:cond delay="indefinite"/>
+                      </p:stCondLst>
+                      <p:childTnLst>
+                        <p:par>
+                          <p:cTn id="30" fill="hold">
+                            <p:stCondLst>
+                              <p:cond delay="0"/>
+                            </p:stCondLst>
+                            <p:childTnLst>
+                              <p:par>
+                                <p:cTn id="31" presetID="10" presetClass="entr" presetSubtype="0" fill="hold" nodeType="clickEffect">
+                                  <p:stCondLst>
+                                    <p:cond delay="0"/>
+                                  </p:stCondLst>
+                                  <p:childTnLst>
+                                    <p:set>
+                                      <p:cBhvr>
+                                        <p:cTn id="32" dur="1" fill="hold">
+                                          <p:stCondLst>
+                                            <p:cond delay="0"/>
+                                          </p:stCondLst>
+                                        </p:cTn>
+                                        <p:tgtEl>
+                                          <p:spTgt spid="16"/>
+                                        </p:tgtEl>
+                                        <p:attrNameLst>
+                                          <p:attrName>style.visibility</p:attrName>
+                                        </p:attrNameLst>
+                                      </p:cBhvr>
+                                      <p:to>
+                                        <p:strVal val="visible"/>
+                                      </p:to>
+                                    </p:set>
+                                    <p:animEffect transition="in" filter="fade">
+                                      <p:cBhvr>
+                                        <p:cTn id="33" dur="500"/>
+                                        <p:tgtEl>
+                                          <p:spTgt spid="16"/>
+                                        </p:tgtEl>
+                                      </p:cBhvr>
+                                    </p:animEffect>
+                                  </p:childTnLst>
+                                </p:cTn>
+                              </p:par>
+                            </p:childTnLst>
+                          </p:cTn>
+                        </p:par>
+                      </p:childTnLst>
+                    </p:cTn>
+                  </p:par>
+                  <p:par>
+                    <p:cTn id="34" fill="hold">
+                      <p:stCondLst>
+                        <p:cond delay="indefinite"/>
+                      </p:stCondLst>
+                      <p:childTnLst>
+                        <p:par>
+                          <p:cTn id="35" fill="hold">
+                            <p:stCondLst>
+                              <p:cond delay="0"/>
+                            </p:stCondLst>
+                            <p:childTnLst>
+                              <p:par>
+                                <p:cTn id="36" presetID="10" presetClass="entr" presetSubtype="0" fill="hold" nodeType="clickEffect">
+                                  <p:stCondLst>
+                                    <p:cond delay="0"/>
+                                  </p:stCondLst>
+                                  <p:childTnLst>
+                                    <p:set>
+                                      <p:cBhvr>
+                                        <p:cTn id="37" dur="1" fill="hold">
+                                          <p:stCondLst>
+                                            <p:cond delay="0"/>
+                                          </p:stCondLst>
+                                        </p:cTn>
+                                        <p:tgtEl>
+                                          <p:spTgt spid="20"/>
+                                        </p:tgtEl>
+                                        <p:attrNameLst>
+                                          <p:attrName>style.visibility</p:attrName>
+                                        </p:attrNameLst>
+                                      </p:cBhvr>
+                                      <p:to>
+                                        <p:strVal val="visible"/>
+                                      </p:to>
+                                    </p:set>
+                                    <p:animEffect transition="in" filter="fade">
+                                      <p:cBhvr>
+                                        <p:cTn id="38" dur="500"/>
+                                        <p:tgtEl>
+                                          <p:spTgt spid="20"/>
+                                        </p:tgtEl>
+                                      </p:cBhvr>
+                                    </p:animEffect>
+                                  </p:childTnLst>
+                                </p:cTn>
+                              </p:par>
+                            </p:childTnLst>
+                          </p:cTn>
+                        </p:par>
+                      </p:childTnLst>
+                    </p:cTn>
+                  </p:par>
+                  <p:par>
+                    <p:cTn id="39" fill="hold">
+                      <p:stCondLst>
+                        <p:cond delay="indefinite"/>
+                      </p:stCondLst>
+                      <p:childTnLst>
+                        <p:par>
+                          <p:cTn id="40" fill="hold">
+                            <p:stCondLst>
+                              <p:cond delay="0"/>
+                            </p:stCondLst>
+                            <p:childTnLst>
+                              <p:par>
+                                <p:cTn id="41" presetID="10" presetClass="entr" presetSubtype="0" fill="hold" nodeType="clickEffect">
+                                  <p:stCondLst>
+                                    <p:cond delay="0"/>
+                                  </p:stCondLst>
+                                  <p:childTnLst>
+                                    <p:set>
+                                      <p:cBhvr>
+                                        <p:cTn id="42" dur="1" fill="hold">
+                                          <p:stCondLst>
+                                            <p:cond delay="0"/>
+                                          </p:stCondLst>
+                                        </p:cTn>
+                                        <p:tgtEl>
+                                          <p:spTgt spid="23"/>
+                                        </p:tgtEl>
+                                        <p:attrNameLst>
+                                          <p:attrName>style.visibility</p:attrName>
+                                        </p:attrNameLst>
+                                      </p:cBhvr>
+                                      <p:to>
+                                        <p:strVal val="visible"/>
+                                      </p:to>
+                                    </p:set>
+                                    <p:animEffect transition="in" filter="fade">
+                                      <p:cBhvr>
+                                        <p:cTn id="43" dur="500"/>
+                                        <p:tgtEl>
+                                          <p:spTgt spid="23"/>
+                                        </p:tgtEl>
+                                      </p:cBhvr>
+                                    </p:animEffect>
+                                  </p:childTnLst>
+                                </p:cTn>
+                              </p:par>
+                            </p:childTnLst>
+                          </p:cTn>
+                        </p:par>
+                      </p:childTnLst>
+                    </p:cTn>
+                  </p:par>
+                </p:childTnLst>
+              </p:cTn>
+              <p:prevCondLst>
+                <p:cond evt="onPrev" delay="0">
+                  <p:tgtEl>
+                    <p:sldTgt/>
+                  </p:tgtEl>
+                </p:cond>
+              </p:prevCondLst>
+              <p:nextCondLst>
+                <p:cond evt="onNext" delay="0">
+                  <p:tgtEl>
+                    <p:sldTgt/>
+                  </p:tgtEl>
+                </p:cond>
+              </p:nextCondLst>
+            </p:seq>
+          </p:childTnLst>
+        </p:cTn>
+      </p:par>
+    </p:tnLst>
+  </p:timing>
 </p:sld>
 </file>
 
@@ -5717,7 +9579,7 @@
   <a:extraClrSchemeLst/>
   <a:extLst>
     <a:ext uri="{05A4C25C-085E-4340-85A3-A5531E510DB2}">
-      <thm15:themeFamily xmlns:thm15="http://schemas.microsoft.com/office/thememl/2012/main" xmlns="" name="Office Theme" id="{62F939B6-93AF-4DB8-9C6B-D6C7DFDC589F}" vid="{4A3C46E8-61CC-4603-A589-7422A47A8E4A}"/>
+      <thm15:themeFamily xmlns:thm15="http://schemas.microsoft.com/office/thememl/2012/main" name="Office Theme" id="{62F939B6-93AF-4DB8-9C6B-D6C7DFDC589F}" vid="{4A3C46E8-61CC-4603-A589-7422A47A8E4A}"/>
     </a:ext>
   </a:extLst>
 </a:theme>
